--- a/Resources/Flight_Delays_and_Cancellations2.pptx
+++ b/Resources/Flight_Delays_and_Cancellations2.pptx
@@ -5,7 +5,7 @@
     <p:sldMasterId id="2147483696" r:id="rId1"/>
   </p:sldMasterIdLst>
   <p:notesMasterIdLst>
-    <p:notesMasterId r:id="rId12"/>
+    <p:notesMasterId r:id="rId17"/>
   </p:notesMasterIdLst>
   <p:sldIdLst>
     <p:sldId id="256" r:id="rId2"/>
@@ -13,11 +13,16 @@
     <p:sldId id="258" r:id="rId4"/>
     <p:sldId id="257" r:id="rId5"/>
     <p:sldId id="259" r:id="rId6"/>
-    <p:sldId id="261" r:id="rId7"/>
-    <p:sldId id="265" r:id="rId8"/>
-    <p:sldId id="266" r:id="rId9"/>
-    <p:sldId id="262" r:id="rId10"/>
-    <p:sldId id="267" r:id="rId11"/>
+    <p:sldId id="270" r:id="rId7"/>
+    <p:sldId id="261" r:id="rId8"/>
+    <p:sldId id="269" r:id="rId9"/>
+    <p:sldId id="266" r:id="rId10"/>
+    <p:sldId id="268" r:id="rId11"/>
+    <p:sldId id="265" r:id="rId12"/>
+    <p:sldId id="272" r:id="rId13"/>
+    <p:sldId id="271" r:id="rId14"/>
+    <p:sldId id="262" r:id="rId15"/>
+    <p:sldId id="267" r:id="rId16"/>
   </p:sldIdLst>
   <p:sldSz cx="12192000" cy="6858000"/>
   <p:notesSz cx="6858000" cy="9144000"/>
@@ -124,6 +129,287 @@
 </p:presentation>
 </file>
 
+<file path=ppt/changesInfos/changesInfo1.xml><?xml version="1.0" encoding="utf-8"?>
+<pc:chgInfo xmlns:a="http://schemas.openxmlformats.org/drawingml/2006/main" xmlns:r="http://schemas.openxmlformats.org/officeDocument/2006/relationships" xmlns:ac="http://schemas.microsoft.com/office/drawing/2013/main/command" xmlns:pc="http://schemas.microsoft.com/office/powerpoint/2013/main/command">
+  <pc:docChgLst>
+    <pc:chgData name="Adam warrick" userId="eb0210c3a0b99136" providerId="LiveId" clId="{4DF4F19E-D9B8-4A6E-BB55-0048A23A996D}"/>
+    <pc:docChg chg="custSel addSld modSld sldOrd">
+      <pc:chgData name="Adam warrick" userId="eb0210c3a0b99136" providerId="LiveId" clId="{4DF4F19E-D9B8-4A6E-BB55-0048A23A996D}" dt="2023-02-22T04:42:01.835" v="221" actId="1076"/>
+      <pc:docMkLst>
+        <pc:docMk/>
+      </pc:docMkLst>
+      <pc:sldChg chg="modNotesTx">
+        <pc:chgData name="Adam warrick" userId="eb0210c3a0b99136" providerId="LiveId" clId="{4DF4F19E-D9B8-4A6E-BB55-0048A23A996D}" dt="2023-02-22T03:55:34.559" v="149" actId="20577"/>
+        <pc:sldMkLst>
+          <pc:docMk/>
+          <pc:sldMk cId="33187090" sldId="257"/>
+        </pc:sldMkLst>
+      </pc:sldChg>
+      <pc:sldChg chg="modNotesTx">
+        <pc:chgData name="Adam warrick" userId="eb0210c3a0b99136" providerId="LiveId" clId="{4DF4F19E-D9B8-4A6E-BB55-0048A23A996D}" dt="2023-02-22T03:45:43.124" v="15" actId="20577"/>
+        <pc:sldMkLst>
+          <pc:docMk/>
+          <pc:sldMk cId="867532627" sldId="258"/>
+        </pc:sldMkLst>
+      </pc:sldChg>
+      <pc:sldChg chg="modNotesTx">
+        <pc:chgData name="Adam warrick" userId="eb0210c3a0b99136" providerId="LiveId" clId="{4DF4F19E-D9B8-4A6E-BB55-0048A23A996D}" dt="2023-02-22T03:55:25.751" v="121" actId="20577"/>
+        <pc:sldMkLst>
+          <pc:docMk/>
+          <pc:sldMk cId="2907196475" sldId="259"/>
+        </pc:sldMkLst>
+      </pc:sldChg>
+      <pc:sldChg chg="addSp delSp modSp mod">
+        <pc:chgData name="Adam warrick" userId="eb0210c3a0b99136" providerId="LiveId" clId="{4DF4F19E-D9B8-4A6E-BB55-0048A23A996D}" dt="2023-02-22T04:15:12.013" v="200" actId="1076"/>
+        <pc:sldMkLst>
+          <pc:docMk/>
+          <pc:sldMk cId="3857231400" sldId="261"/>
+        </pc:sldMkLst>
+        <pc:spChg chg="del mod">
+          <ac:chgData name="Adam warrick" userId="eb0210c3a0b99136" providerId="LiveId" clId="{4DF4F19E-D9B8-4A6E-BB55-0048A23A996D}" dt="2023-02-22T04:02:07.429" v="167" actId="22"/>
+          <ac:spMkLst>
+            <pc:docMk/>
+            <pc:sldMk cId="3857231400" sldId="261"/>
+            <ac:spMk id="3" creationId="{BB7DFF9E-BC59-5EF5-2445-B2CD2D7CAD96}"/>
+          </ac:spMkLst>
+        </pc:spChg>
+        <pc:picChg chg="add mod ord">
+          <ac:chgData name="Adam warrick" userId="eb0210c3a0b99136" providerId="LiveId" clId="{4DF4F19E-D9B8-4A6E-BB55-0048A23A996D}" dt="2023-02-22T04:15:12.013" v="200" actId="1076"/>
+          <ac:picMkLst>
+            <pc:docMk/>
+            <pc:sldMk cId="3857231400" sldId="261"/>
+            <ac:picMk id="5" creationId="{25BCED06-BF7E-7D98-F29D-4097F6CC9D68}"/>
+          </ac:picMkLst>
+        </pc:picChg>
+      </pc:sldChg>
+      <pc:sldChg chg="modSp mod modNotesTx">
+        <pc:chgData name="Adam warrick" userId="eb0210c3a0b99136" providerId="LiveId" clId="{4DF4F19E-D9B8-4A6E-BB55-0048A23A996D}" dt="2023-02-22T03:58:03.418" v="164" actId="20577"/>
+        <pc:sldMkLst>
+          <pc:docMk/>
+          <pc:sldMk cId="186667986" sldId="262"/>
+        </pc:sldMkLst>
+        <pc:spChg chg="mod">
+          <ac:chgData name="Adam warrick" userId="eb0210c3a0b99136" providerId="LiveId" clId="{4DF4F19E-D9B8-4A6E-BB55-0048A23A996D}" dt="2023-02-22T03:57:42.456" v="154" actId="20577"/>
+          <ac:spMkLst>
+            <pc:docMk/>
+            <pc:sldMk cId="186667986" sldId="262"/>
+            <ac:spMk id="3" creationId="{6E11E465-3751-3846-8050-877AB57A0223}"/>
+          </ac:spMkLst>
+        </pc:spChg>
+      </pc:sldChg>
+      <pc:sldChg chg="modSp mod modNotesTx">
+        <pc:chgData name="Adam warrick" userId="eb0210c3a0b99136" providerId="LiveId" clId="{4DF4F19E-D9B8-4A6E-BB55-0048A23A996D}" dt="2023-02-22T03:52:10.078" v="99" actId="12"/>
+        <pc:sldMkLst>
+          <pc:docMk/>
+          <pc:sldMk cId="2309795008" sldId="264"/>
+        </pc:sldMkLst>
+        <pc:spChg chg="mod">
+          <ac:chgData name="Adam warrick" userId="eb0210c3a0b99136" providerId="LiveId" clId="{4DF4F19E-D9B8-4A6E-BB55-0048A23A996D}" dt="2023-02-22T03:46:31.994" v="40" actId="20577"/>
+          <ac:spMkLst>
+            <pc:docMk/>
+            <pc:sldMk cId="2309795008" sldId="264"/>
+            <ac:spMk id="2" creationId="{ADD3147A-865B-61D3-8EBF-276063ED72EC}"/>
+          </ac:spMkLst>
+        </pc:spChg>
+        <pc:spChg chg="mod">
+          <ac:chgData name="Adam warrick" userId="eb0210c3a0b99136" providerId="LiveId" clId="{4DF4F19E-D9B8-4A6E-BB55-0048A23A996D}" dt="2023-02-22T03:52:10.078" v="99" actId="12"/>
+          <ac:spMkLst>
+            <pc:docMk/>
+            <pc:sldMk cId="2309795008" sldId="264"/>
+            <ac:spMk id="3" creationId="{4B7A14C6-09CD-1E65-CA66-E0BE94072B7F}"/>
+          </ac:spMkLst>
+        </pc:spChg>
+      </pc:sldChg>
+      <pc:sldChg chg="addSp delSp modSp mod">
+        <pc:chgData name="Adam warrick" userId="eb0210c3a0b99136" providerId="LiveId" clId="{4DF4F19E-D9B8-4A6E-BB55-0048A23A996D}" dt="2023-02-22T04:15:21.995" v="201" actId="14100"/>
+        <pc:sldMkLst>
+          <pc:docMk/>
+          <pc:sldMk cId="2056019474" sldId="265"/>
+        </pc:sldMkLst>
+        <pc:spChg chg="del mod">
+          <ac:chgData name="Adam warrick" userId="eb0210c3a0b99136" providerId="LiveId" clId="{4DF4F19E-D9B8-4A6E-BB55-0048A23A996D}" dt="2023-02-22T04:03:45.268" v="175" actId="22"/>
+          <ac:spMkLst>
+            <pc:docMk/>
+            <pc:sldMk cId="2056019474" sldId="265"/>
+            <ac:spMk id="3" creationId="{BB7DFF9E-BC59-5EF5-2445-B2CD2D7CAD96}"/>
+          </ac:spMkLst>
+        </pc:spChg>
+        <pc:picChg chg="add mod ord">
+          <ac:chgData name="Adam warrick" userId="eb0210c3a0b99136" providerId="LiveId" clId="{4DF4F19E-D9B8-4A6E-BB55-0048A23A996D}" dt="2023-02-22T04:15:21.995" v="201" actId="14100"/>
+          <ac:picMkLst>
+            <pc:docMk/>
+            <pc:sldMk cId="2056019474" sldId="265"/>
+            <ac:picMk id="5" creationId="{F901B8BE-114A-C4FD-230D-181DBF20647B}"/>
+          </ac:picMkLst>
+        </pc:picChg>
+      </pc:sldChg>
+      <pc:sldChg chg="addSp delSp modSp mod ord">
+        <pc:chgData name="Adam warrick" userId="eb0210c3a0b99136" providerId="LiveId" clId="{4DF4F19E-D9B8-4A6E-BB55-0048A23A996D}" dt="2023-02-22T04:19:31.635" v="205"/>
+        <pc:sldMkLst>
+          <pc:docMk/>
+          <pc:sldMk cId="4167951192" sldId="266"/>
+        </pc:sldMkLst>
+        <pc:spChg chg="del mod">
+          <ac:chgData name="Adam warrick" userId="eb0210c3a0b99136" providerId="LiveId" clId="{4DF4F19E-D9B8-4A6E-BB55-0048A23A996D}" dt="2023-02-22T04:04:45.695" v="182" actId="22"/>
+          <ac:spMkLst>
+            <pc:docMk/>
+            <pc:sldMk cId="4167951192" sldId="266"/>
+            <ac:spMk id="3" creationId="{BB7DFF9E-BC59-5EF5-2445-B2CD2D7CAD96}"/>
+          </ac:spMkLst>
+        </pc:spChg>
+        <pc:picChg chg="add mod ord">
+          <ac:chgData name="Adam warrick" userId="eb0210c3a0b99136" providerId="LiveId" clId="{4DF4F19E-D9B8-4A6E-BB55-0048A23A996D}" dt="2023-02-22T04:04:55.633" v="185" actId="14100"/>
+          <ac:picMkLst>
+            <pc:docMk/>
+            <pc:sldMk cId="4167951192" sldId="266"/>
+            <ac:picMk id="5" creationId="{C7AC6416-560B-DA09-ACEC-7FDBC885B63F}"/>
+          </ac:picMkLst>
+        </pc:picChg>
+      </pc:sldChg>
+      <pc:sldChg chg="addSp delSp modSp add mod">
+        <pc:chgData name="Adam warrick" userId="eb0210c3a0b99136" providerId="LiveId" clId="{4DF4F19E-D9B8-4A6E-BB55-0048A23A996D}" dt="2023-02-22T04:03:10.564" v="173" actId="1076"/>
+        <pc:sldMkLst>
+          <pc:docMk/>
+          <pc:sldMk cId="2384348206" sldId="268"/>
+        </pc:sldMkLst>
+        <pc:spChg chg="del mod">
+          <ac:chgData name="Adam warrick" userId="eb0210c3a0b99136" providerId="LiveId" clId="{4DF4F19E-D9B8-4A6E-BB55-0048A23A996D}" dt="2023-02-22T04:03:00.552" v="169" actId="22"/>
+          <ac:spMkLst>
+            <pc:docMk/>
+            <pc:sldMk cId="2384348206" sldId="268"/>
+            <ac:spMk id="3" creationId="{BB7DFF9E-BC59-5EF5-2445-B2CD2D7CAD96}"/>
+          </ac:spMkLst>
+        </pc:spChg>
+        <pc:picChg chg="add mod ord">
+          <ac:chgData name="Adam warrick" userId="eb0210c3a0b99136" providerId="LiveId" clId="{4DF4F19E-D9B8-4A6E-BB55-0048A23A996D}" dt="2023-02-22T04:03:10.564" v="173" actId="1076"/>
+          <ac:picMkLst>
+            <pc:docMk/>
+            <pc:sldMk cId="2384348206" sldId="268"/>
+            <ac:picMk id="5" creationId="{CED724CA-DE09-96BD-28EC-0C9387E832FA}"/>
+          </ac:picMkLst>
+        </pc:picChg>
+      </pc:sldChg>
+      <pc:sldChg chg="addSp delSp modSp add mod ord">
+        <pc:chgData name="Adam warrick" userId="eb0210c3a0b99136" providerId="LiveId" clId="{4DF4F19E-D9B8-4A6E-BB55-0048A23A996D}" dt="2023-02-22T04:19:37.352" v="207"/>
+        <pc:sldMkLst>
+          <pc:docMk/>
+          <pc:sldMk cId="2685633500" sldId="269"/>
+        </pc:sldMkLst>
+        <pc:spChg chg="del mod">
+          <ac:chgData name="Adam warrick" userId="eb0210c3a0b99136" providerId="LiveId" clId="{4DF4F19E-D9B8-4A6E-BB55-0048A23A996D}" dt="2023-02-22T04:06:40.778" v="193" actId="22"/>
+          <ac:spMkLst>
+            <pc:docMk/>
+            <pc:sldMk cId="2685633500" sldId="269"/>
+            <ac:spMk id="3" creationId="{BB7DFF9E-BC59-5EF5-2445-B2CD2D7CAD96}"/>
+          </ac:spMkLst>
+        </pc:spChg>
+        <pc:picChg chg="add mod ord">
+          <ac:chgData name="Adam warrick" userId="eb0210c3a0b99136" providerId="LiveId" clId="{4DF4F19E-D9B8-4A6E-BB55-0048A23A996D}" dt="2023-02-22T04:06:40.778" v="193" actId="22"/>
+          <ac:picMkLst>
+            <pc:docMk/>
+            <pc:sldMk cId="2685633500" sldId="269"/>
+            <ac:picMk id="5" creationId="{39226FFA-734B-B79B-88AE-D5CE15179EE6}"/>
+          </ac:picMkLst>
+        </pc:picChg>
+      </pc:sldChg>
+      <pc:sldChg chg="addSp delSp modSp add mod ord">
+        <pc:chgData name="Adam warrick" userId="eb0210c3a0b99136" providerId="LiveId" clId="{4DF4F19E-D9B8-4A6E-BB55-0048A23A996D}" dt="2023-02-22T04:19:21.360" v="203"/>
+        <pc:sldMkLst>
+          <pc:docMk/>
+          <pc:sldMk cId="2047161550" sldId="270"/>
+        </pc:sldMkLst>
+        <pc:spChg chg="del mod">
+          <ac:chgData name="Adam warrick" userId="eb0210c3a0b99136" providerId="LiveId" clId="{4DF4F19E-D9B8-4A6E-BB55-0048A23A996D}" dt="2023-02-22T04:05:58.351" v="191" actId="478"/>
+          <ac:spMkLst>
+            <pc:docMk/>
+            <pc:sldMk cId="2047161550" sldId="270"/>
+            <ac:spMk id="3" creationId="{BB7DFF9E-BC59-5EF5-2445-B2CD2D7CAD96}"/>
+          </ac:spMkLst>
+        </pc:spChg>
+        <pc:picChg chg="add mod">
+          <ac:chgData name="Adam warrick" userId="eb0210c3a0b99136" providerId="LiveId" clId="{4DF4F19E-D9B8-4A6E-BB55-0048A23A996D}" dt="2023-02-22T04:05:48.797" v="189" actId="1076"/>
+          <ac:picMkLst>
+            <pc:docMk/>
+            <pc:sldMk cId="2047161550" sldId="270"/>
+            <ac:picMk id="5" creationId="{E9623529-17B3-85BF-6852-44A2A8734474}"/>
+          </ac:picMkLst>
+        </pc:picChg>
+      </pc:sldChg>
+      <pc:sldChg chg="addSp delSp modSp add mod">
+        <pc:chgData name="Adam warrick" userId="eb0210c3a0b99136" providerId="LiveId" clId="{4DF4F19E-D9B8-4A6E-BB55-0048A23A996D}" dt="2023-02-22T04:36:15.910" v="213" actId="1076"/>
+        <pc:sldMkLst>
+          <pc:docMk/>
+          <pc:sldMk cId="3054974943" sldId="271"/>
+        </pc:sldMkLst>
+        <pc:spChg chg="del mod">
+          <ac:chgData name="Adam warrick" userId="eb0210c3a0b99136" providerId="LiveId" clId="{4DF4F19E-D9B8-4A6E-BB55-0048A23A996D}" dt="2023-02-22T04:36:06.157" v="211" actId="478"/>
+          <ac:spMkLst>
+            <pc:docMk/>
+            <pc:sldMk cId="3054974943" sldId="271"/>
+            <ac:spMk id="3" creationId="{BB7DFF9E-BC59-5EF5-2445-B2CD2D7CAD96}"/>
+          </ac:spMkLst>
+        </pc:spChg>
+        <pc:picChg chg="add del mod">
+          <ac:chgData name="Adam warrick" userId="eb0210c3a0b99136" providerId="LiveId" clId="{4DF4F19E-D9B8-4A6E-BB55-0048A23A996D}" dt="2023-02-22T04:35:53.672" v="208" actId="478"/>
+          <ac:picMkLst>
+            <pc:docMk/>
+            <pc:sldMk cId="3054974943" sldId="271"/>
+            <ac:picMk id="5" creationId="{6B6260BA-3847-7315-F8A9-239AA417D2D5}"/>
+          </ac:picMkLst>
+        </pc:picChg>
+        <pc:picChg chg="add mod">
+          <ac:chgData name="Adam warrick" userId="eb0210c3a0b99136" providerId="LiveId" clId="{4DF4F19E-D9B8-4A6E-BB55-0048A23A996D}" dt="2023-02-22T04:36:15.910" v="213" actId="1076"/>
+          <ac:picMkLst>
+            <pc:docMk/>
+            <pc:sldMk cId="3054974943" sldId="271"/>
+            <ac:picMk id="7" creationId="{1319E53B-CFE0-04AC-4C94-0B4C1128E16D}"/>
+          </ac:picMkLst>
+        </pc:picChg>
+      </pc:sldChg>
+      <pc:sldChg chg="addSp delSp modSp add mod">
+        <pc:chgData name="Adam warrick" userId="eb0210c3a0b99136" providerId="LiveId" clId="{4DF4F19E-D9B8-4A6E-BB55-0048A23A996D}" dt="2023-02-22T04:42:01.835" v="221" actId="1076"/>
+        <pc:sldMkLst>
+          <pc:docMk/>
+          <pc:sldMk cId="387627017" sldId="272"/>
+        </pc:sldMkLst>
+        <pc:spChg chg="del">
+          <ac:chgData name="Adam warrick" userId="eb0210c3a0b99136" providerId="LiveId" clId="{4DF4F19E-D9B8-4A6E-BB55-0048A23A996D}" dt="2023-02-22T04:41:52.059" v="216" actId="478"/>
+          <ac:spMkLst>
+            <pc:docMk/>
+            <pc:sldMk cId="387627017" sldId="272"/>
+            <ac:spMk id="3" creationId="{BB7DFF9E-BC59-5EF5-2445-B2CD2D7CAD96}"/>
+          </ac:spMkLst>
+        </pc:spChg>
+        <pc:spChg chg="add del mod">
+          <ac:chgData name="Adam warrick" userId="eb0210c3a0b99136" providerId="LiveId" clId="{4DF4F19E-D9B8-4A6E-BB55-0048A23A996D}" dt="2023-02-22T04:41:54.729" v="217" actId="478"/>
+          <ac:spMkLst>
+            <pc:docMk/>
+            <pc:sldMk cId="387627017" sldId="272"/>
+            <ac:spMk id="9" creationId="{ACB45B40-E8EA-0ECE-3B5C-8E378DE7C9B2}"/>
+          </ac:spMkLst>
+        </pc:spChg>
+        <pc:picChg chg="add del mod">
+          <ac:chgData name="Adam warrick" userId="eb0210c3a0b99136" providerId="LiveId" clId="{4DF4F19E-D9B8-4A6E-BB55-0048A23A996D}" dt="2023-02-22T04:41:46.691" v="214" actId="478"/>
+          <ac:picMkLst>
+            <pc:docMk/>
+            <pc:sldMk cId="387627017" sldId="272"/>
+            <ac:picMk id="5" creationId="{A7FBBA0D-036D-F973-D7C1-41388822624B}"/>
+          </ac:picMkLst>
+        </pc:picChg>
+        <pc:picChg chg="add mod">
+          <ac:chgData name="Adam warrick" userId="eb0210c3a0b99136" providerId="LiveId" clId="{4DF4F19E-D9B8-4A6E-BB55-0048A23A996D}" dt="2023-02-22T04:42:01.835" v="221" actId="1076"/>
+          <ac:picMkLst>
+            <pc:docMk/>
+            <pc:sldMk cId="387627017" sldId="272"/>
+            <ac:picMk id="7" creationId="{F33247EF-9F08-955A-4D0C-432938FC3C4D}"/>
+          </ac:picMkLst>
+        </pc:picChg>
+      </pc:sldChg>
+    </pc:docChg>
+  </pc:docChgLst>
+</pc:chgInfo>
+</file>
+
 <file path=ppt/notesMasters/notesMaster1.xml><?xml version="1.0" encoding="utf-8"?>
 <p:notesMaster xmlns:a="http://schemas.openxmlformats.org/drawingml/2006/main" xmlns:r="http://schemas.openxmlformats.org/officeDocument/2006/relationships" xmlns:p="http://schemas.openxmlformats.org/presentationml/2006/main">
   <p:cSld>
@@ -206,7 +492,7 @@
           <a:p>
             <a:fld id="{A01BBB3D-F20A-2141-8E98-BCACD82F675E}" type="datetimeFigureOut">
               <a:rPr lang="en-US" smtClean="0"/>
-              <a:t>2/16/2023</a:t>
+              <a:t>2/21/2023</a:t>
             </a:fld>
             <a:endParaRPr lang="en-US"/>
           </a:p>
@@ -517,7 +803,10 @@
           <a:bodyPr/>
           <a:lstStyle/>
           <a:p>
-            <a:endParaRPr lang="en-US" dirty="0"/>
+            <a:r>
+              <a:rPr lang="en-US" dirty="0"/>
+              <a:t>Adam </a:t>
+            </a:r>
           </a:p>
         </p:txBody>
       </p:sp>
@@ -538,7 +827,7 @@
           <a:p>
             <a:fld id="{037C371F-EBCF-D949-BBB3-98CE13D43107}" type="slidenum">
               <a:rPr lang="en-US" smtClean="0"/>
-              <a:t>6</a:t>
+              <a:t>2</a:t>
             </a:fld>
             <a:endParaRPr lang="en-US"/>
           </a:p>
@@ -547,7 +836,347 @@
     </p:spTree>
     <p:extLst>
       <p:ext uri="{BB962C8B-B14F-4D97-AF65-F5344CB8AC3E}">
-        <p14:creationId xmlns:p14="http://schemas.microsoft.com/office/powerpoint/2010/main" val="3402163776"/>
+        <p14:creationId xmlns:p14="http://schemas.microsoft.com/office/powerpoint/2010/main" val="2549952309"/>
+      </p:ext>
+    </p:extLst>
+  </p:cSld>
+  <p:clrMapOvr>
+    <a:masterClrMapping/>
+  </p:clrMapOvr>
+</p:notes>
+</file>
+
+<file path=ppt/notesSlides/notesSlide10.xml><?xml version="1.0" encoding="utf-8"?>
+<p:notes xmlns:a="http://schemas.openxmlformats.org/drawingml/2006/main" xmlns:r="http://schemas.openxmlformats.org/officeDocument/2006/relationships" xmlns:p="http://schemas.openxmlformats.org/presentationml/2006/main">
+  <p:cSld>
+    <p:spTree>
+      <p:nvGrpSpPr>
+        <p:cNvPr id="1" name=""/>
+        <p:cNvGrpSpPr/>
+        <p:nvPr/>
+      </p:nvGrpSpPr>
+      <p:grpSpPr>
+        <a:xfrm>
+          <a:off x="0" y="0"/>
+          <a:ext cx="0" cy="0"/>
+          <a:chOff x="0" y="0"/>
+          <a:chExt cx="0" cy="0"/>
+        </a:xfrm>
+      </p:grpSpPr>
+      <p:sp>
+        <p:nvSpPr>
+          <p:cNvPr id="2" name="Slide Image Placeholder 1"/>
+          <p:cNvSpPr>
+            <a:spLocks noGrp="1" noRot="1" noChangeAspect="1"/>
+          </p:cNvSpPr>
+          <p:nvPr>
+            <p:ph type="sldImg"/>
+          </p:nvPr>
+        </p:nvSpPr>
+        <p:spPr/>
+      </p:sp>
+      <p:sp>
+        <p:nvSpPr>
+          <p:cNvPr id="3" name="Notes Placeholder 2"/>
+          <p:cNvSpPr>
+            <a:spLocks noGrp="1"/>
+          </p:cNvSpPr>
+          <p:nvPr>
+            <p:ph type="body" idx="1"/>
+          </p:nvPr>
+        </p:nvSpPr>
+        <p:spPr/>
+        <p:txBody>
+          <a:bodyPr/>
+          <a:lstStyle/>
+          <a:p>
+            <a:endParaRPr lang="en-US" dirty="0"/>
+          </a:p>
+        </p:txBody>
+      </p:sp>
+      <p:sp>
+        <p:nvSpPr>
+          <p:cNvPr id="4" name="Slide Number Placeholder 3"/>
+          <p:cNvSpPr>
+            <a:spLocks noGrp="1"/>
+          </p:cNvSpPr>
+          <p:nvPr>
+            <p:ph type="sldNum" sz="quarter" idx="5"/>
+          </p:nvPr>
+        </p:nvSpPr>
+        <p:spPr/>
+        <p:txBody>
+          <a:bodyPr/>
+          <a:lstStyle/>
+          <a:p>
+            <a:fld id="{037C371F-EBCF-D949-BBB3-98CE13D43107}" type="slidenum">
+              <a:rPr lang="en-US" smtClean="0"/>
+              <a:t>11</a:t>
+            </a:fld>
+            <a:endParaRPr lang="en-US"/>
+          </a:p>
+        </p:txBody>
+      </p:sp>
+    </p:spTree>
+    <p:extLst>
+      <p:ext uri="{BB962C8B-B14F-4D97-AF65-F5344CB8AC3E}">
+        <p14:creationId xmlns:p14="http://schemas.microsoft.com/office/powerpoint/2010/main" val="817728662"/>
+      </p:ext>
+    </p:extLst>
+  </p:cSld>
+  <p:clrMapOvr>
+    <a:masterClrMapping/>
+  </p:clrMapOvr>
+</p:notes>
+</file>
+
+<file path=ppt/notesSlides/notesSlide11.xml><?xml version="1.0" encoding="utf-8"?>
+<p:notes xmlns:a="http://schemas.openxmlformats.org/drawingml/2006/main" xmlns:r="http://schemas.openxmlformats.org/officeDocument/2006/relationships" xmlns:p="http://schemas.openxmlformats.org/presentationml/2006/main">
+  <p:cSld>
+    <p:spTree>
+      <p:nvGrpSpPr>
+        <p:cNvPr id="1" name=""/>
+        <p:cNvGrpSpPr/>
+        <p:nvPr/>
+      </p:nvGrpSpPr>
+      <p:grpSpPr>
+        <a:xfrm>
+          <a:off x="0" y="0"/>
+          <a:ext cx="0" cy="0"/>
+          <a:chOff x="0" y="0"/>
+          <a:chExt cx="0" cy="0"/>
+        </a:xfrm>
+      </p:grpSpPr>
+      <p:sp>
+        <p:nvSpPr>
+          <p:cNvPr id="2" name="Slide Image Placeholder 1"/>
+          <p:cNvSpPr>
+            <a:spLocks noGrp="1" noRot="1" noChangeAspect="1"/>
+          </p:cNvSpPr>
+          <p:nvPr>
+            <p:ph type="sldImg"/>
+          </p:nvPr>
+        </p:nvSpPr>
+        <p:spPr/>
+      </p:sp>
+      <p:sp>
+        <p:nvSpPr>
+          <p:cNvPr id="3" name="Notes Placeholder 2"/>
+          <p:cNvSpPr>
+            <a:spLocks noGrp="1"/>
+          </p:cNvSpPr>
+          <p:nvPr>
+            <p:ph type="body" idx="1"/>
+          </p:nvPr>
+        </p:nvSpPr>
+        <p:spPr/>
+        <p:txBody>
+          <a:bodyPr/>
+          <a:lstStyle/>
+          <a:p>
+            <a:endParaRPr lang="en-US" dirty="0"/>
+          </a:p>
+        </p:txBody>
+      </p:sp>
+      <p:sp>
+        <p:nvSpPr>
+          <p:cNvPr id="4" name="Slide Number Placeholder 3"/>
+          <p:cNvSpPr>
+            <a:spLocks noGrp="1"/>
+          </p:cNvSpPr>
+          <p:nvPr>
+            <p:ph type="sldNum" sz="quarter" idx="5"/>
+          </p:nvPr>
+        </p:nvSpPr>
+        <p:spPr/>
+        <p:txBody>
+          <a:bodyPr/>
+          <a:lstStyle/>
+          <a:p>
+            <a:fld id="{037C371F-EBCF-D949-BBB3-98CE13D43107}" type="slidenum">
+              <a:rPr lang="en-US" smtClean="0"/>
+              <a:t>12</a:t>
+            </a:fld>
+            <a:endParaRPr lang="en-US"/>
+          </a:p>
+        </p:txBody>
+      </p:sp>
+    </p:spTree>
+    <p:extLst>
+      <p:ext uri="{BB962C8B-B14F-4D97-AF65-F5344CB8AC3E}">
+        <p14:creationId xmlns:p14="http://schemas.microsoft.com/office/powerpoint/2010/main" val="3310073676"/>
+      </p:ext>
+    </p:extLst>
+  </p:cSld>
+  <p:clrMapOvr>
+    <a:masterClrMapping/>
+  </p:clrMapOvr>
+</p:notes>
+</file>
+
+<file path=ppt/notesSlides/notesSlide12.xml><?xml version="1.0" encoding="utf-8"?>
+<p:notes xmlns:a="http://schemas.openxmlformats.org/drawingml/2006/main" xmlns:r="http://schemas.openxmlformats.org/officeDocument/2006/relationships" xmlns:p="http://schemas.openxmlformats.org/presentationml/2006/main">
+  <p:cSld>
+    <p:spTree>
+      <p:nvGrpSpPr>
+        <p:cNvPr id="1" name=""/>
+        <p:cNvGrpSpPr/>
+        <p:nvPr/>
+      </p:nvGrpSpPr>
+      <p:grpSpPr>
+        <a:xfrm>
+          <a:off x="0" y="0"/>
+          <a:ext cx="0" cy="0"/>
+          <a:chOff x="0" y="0"/>
+          <a:chExt cx="0" cy="0"/>
+        </a:xfrm>
+      </p:grpSpPr>
+      <p:sp>
+        <p:nvSpPr>
+          <p:cNvPr id="2" name="Slide Image Placeholder 1"/>
+          <p:cNvSpPr>
+            <a:spLocks noGrp="1" noRot="1" noChangeAspect="1"/>
+          </p:cNvSpPr>
+          <p:nvPr>
+            <p:ph type="sldImg"/>
+          </p:nvPr>
+        </p:nvSpPr>
+        <p:spPr/>
+      </p:sp>
+      <p:sp>
+        <p:nvSpPr>
+          <p:cNvPr id="3" name="Notes Placeholder 2"/>
+          <p:cNvSpPr>
+            <a:spLocks noGrp="1"/>
+          </p:cNvSpPr>
+          <p:nvPr>
+            <p:ph type="body" idx="1"/>
+          </p:nvPr>
+        </p:nvSpPr>
+        <p:spPr/>
+        <p:txBody>
+          <a:bodyPr/>
+          <a:lstStyle/>
+          <a:p>
+            <a:endParaRPr lang="en-US" dirty="0"/>
+          </a:p>
+        </p:txBody>
+      </p:sp>
+      <p:sp>
+        <p:nvSpPr>
+          <p:cNvPr id="4" name="Slide Number Placeholder 3"/>
+          <p:cNvSpPr>
+            <a:spLocks noGrp="1"/>
+          </p:cNvSpPr>
+          <p:nvPr>
+            <p:ph type="sldNum" sz="quarter" idx="5"/>
+          </p:nvPr>
+        </p:nvSpPr>
+        <p:spPr/>
+        <p:txBody>
+          <a:bodyPr/>
+          <a:lstStyle/>
+          <a:p>
+            <a:fld id="{037C371F-EBCF-D949-BBB3-98CE13D43107}" type="slidenum">
+              <a:rPr lang="en-US" smtClean="0"/>
+              <a:t>13</a:t>
+            </a:fld>
+            <a:endParaRPr lang="en-US"/>
+          </a:p>
+        </p:txBody>
+      </p:sp>
+    </p:spTree>
+    <p:extLst>
+      <p:ext uri="{BB962C8B-B14F-4D97-AF65-F5344CB8AC3E}">
+        <p14:creationId xmlns:p14="http://schemas.microsoft.com/office/powerpoint/2010/main" val="1788478694"/>
+      </p:ext>
+    </p:extLst>
+  </p:cSld>
+  <p:clrMapOvr>
+    <a:masterClrMapping/>
+  </p:clrMapOvr>
+</p:notes>
+</file>
+
+<file path=ppt/notesSlides/notesSlide13.xml><?xml version="1.0" encoding="utf-8"?>
+<p:notes xmlns:a="http://schemas.openxmlformats.org/drawingml/2006/main" xmlns:r="http://schemas.openxmlformats.org/officeDocument/2006/relationships" xmlns:p="http://schemas.openxmlformats.org/presentationml/2006/main">
+  <p:cSld>
+    <p:spTree>
+      <p:nvGrpSpPr>
+        <p:cNvPr id="1" name=""/>
+        <p:cNvGrpSpPr/>
+        <p:nvPr/>
+      </p:nvGrpSpPr>
+      <p:grpSpPr>
+        <a:xfrm>
+          <a:off x="0" y="0"/>
+          <a:ext cx="0" cy="0"/>
+          <a:chOff x="0" y="0"/>
+          <a:chExt cx="0" cy="0"/>
+        </a:xfrm>
+      </p:grpSpPr>
+      <p:sp>
+        <p:nvSpPr>
+          <p:cNvPr id="2" name="Slide Image Placeholder 1"/>
+          <p:cNvSpPr>
+            <a:spLocks noGrp="1" noRot="1" noChangeAspect="1"/>
+          </p:cNvSpPr>
+          <p:nvPr>
+            <p:ph type="sldImg"/>
+          </p:nvPr>
+        </p:nvSpPr>
+        <p:spPr/>
+      </p:sp>
+      <p:sp>
+        <p:nvSpPr>
+          <p:cNvPr id="3" name="Notes Placeholder 2"/>
+          <p:cNvSpPr>
+            <a:spLocks noGrp="1"/>
+          </p:cNvSpPr>
+          <p:nvPr>
+            <p:ph type="body" idx="1"/>
+          </p:nvPr>
+        </p:nvSpPr>
+        <p:spPr/>
+        <p:txBody>
+          <a:bodyPr/>
+          <a:lstStyle/>
+          <a:p>
+            <a:r>
+              <a:rPr lang="en-US" dirty="0" err="1"/>
+              <a:t>Kristirose</a:t>
+            </a:r>
+            <a:endParaRPr lang="en-US" dirty="0"/>
+          </a:p>
+        </p:txBody>
+      </p:sp>
+      <p:sp>
+        <p:nvSpPr>
+          <p:cNvPr id="4" name="Slide Number Placeholder 3"/>
+          <p:cNvSpPr>
+            <a:spLocks noGrp="1"/>
+          </p:cNvSpPr>
+          <p:nvPr>
+            <p:ph type="sldNum" sz="quarter" idx="5"/>
+          </p:nvPr>
+        </p:nvSpPr>
+        <p:spPr/>
+        <p:txBody>
+          <a:bodyPr/>
+          <a:lstStyle/>
+          <a:p>
+            <a:fld id="{037C371F-EBCF-D949-BBB3-98CE13D43107}" type="slidenum">
+              <a:rPr lang="en-US" smtClean="0"/>
+              <a:t>14</a:t>
+            </a:fld>
+            <a:endParaRPr lang="en-US"/>
+          </a:p>
+        </p:txBody>
+      </p:sp>
+    </p:spTree>
+    <p:extLst>
+      <p:ext uri="{BB962C8B-B14F-4D97-AF65-F5344CB8AC3E}">
+        <p14:creationId xmlns:p14="http://schemas.microsoft.com/office/powerpoint/2010/main" val="3725633741"/>
       </p:ext>
     </p:extLst>
   </p:cSld>
@@ -601,7 +1230,10 @@
           <a:bodyPr/>
           <a:lstStyle/>
           <a:p>
-            <a:endParaRPr lang="en-US" dirty="0"/>
+            <a:r>
+              <a:rPr lang="en-US" dirty="0"/>
+              <a:t>Adam </a:t>
+            </a:r>
           </a:p>
         </p:txBody>
       </p:sp>
@@ -622,7 +1254,7 @@
           <a:p>
             <a:fld id="{037C371F-EBCF-D949-BBB3-98CE13D43107}" type="slidenum">
               <a:rPr lang="en-US" smtClean="0"/>
-              <a:t>7</a:t>
+              <a:t>3</a:t>
             </a:fld>
             <a:endParaRPr lang="en-US"/>
           </a:p>
@@ -631,7 +1263,7 @@
     </p:spTree>
     <p:extLst>
       <p:ext uri="{BB962C8B-B14F-4D97-AF65-F5344CB8AC3E}">
-        <p14:creationId xmlns:p14="http://schemas.microsoft.com/office/powerpoint/2010/main" val="817728662"/>
+        <p14:creationId xmlns:p14="http://schemas.microsoft.com/office/powerpoint/2010/main" val="3741691434"/>
       </p:ext>
     </p:extLst>
   </p:cSld>
@@ -685,6 +1317,348 @@
           <a:bodyPr/>
           <a:lstStyle/>
           <a:p>
+            <a:r>
+              <a:rPr lang="en-US" dirty="0"/>
+              <a:t>Jeremy/Stephanie</a:t>
+            </a:r>
+          </a:p>
+        </p:txBody>
+      </p:sp>
+      <p:sp>
+        <p:nvSpPr>
+          <p:cNvPr id="4" name="Slide Number Placeholder 3"/>
+          <p:cNvSpPr>
+            <a:spLocks noGrp="1"/>
+          </p:cNvSpPr>
+          <p:nvPr>
+            <p:ph type="sldNum" sz="quarter" idx="5"/>
+          </p:nvPr>
+        </p:nvSpPr>
+        <p:spPr/>
+        <p:txBody>
+          <a:bodyPr/>
+          <a:lstStyle/>
+          <a:p>
+            <a:fld id="{037C371F-EBCF-D949-BBB3-98CE13D43107}" type="slidenum">
+              <a:rPr lang="en-US" smtClean="0"/>
+              <a:t>4</a:t>
+            </a:fld>
+            <a:endParaRPr lang="en-US"/>
+          </a:p>
+        </p:txBody>
+      </p:sp>
+    </p:spTree>
+    <p:extLst>
+      <p:ext uri="{BB962C8B-B14F-4D97-AF65-F5344CB8AC3E}">
+        <p14:creationId xmlns:p14="http://schemas.microsoft.com/office/powerpoint/2010/main" val="858436087"/>
+      </p:ext>
+    </p:extLst>
+  </p:cSld>
+  <p:clrMapOvr>
+    <a:masterClrMapping/>
+  </p:clrMapOvr>
+</p:notes>
+</file>
+
+<file path=ppt/notesSlides/notesSlide4.xml><?xml version="1.0" encoding="utf-8"?>
+<p:notes xmlns:a="http://schemas.openxmlformats.org/drawingml/2006/main" xmlns:r="http://schemas.openxmlformats.org/officeDocument/2006/relationships" xmlns:p="http://schemas.openxmlformats.org/presentationml/2006/main">
+  <p:cSld>
+    <p:spTree>
+      <p:nvGrpSpPr>
+        <p:cNvPr id="1" name=""/>
+        <p:cNvGrpSpPr/>
+        <p:nvPr/>
+      </p:nvGrpSpPr>
+      <p:grpSpPr>
+        <a:xfrm>
+          <a:off x="0" y="0"/>
+          <a:ext cx="0" cy="0"/>
+          <a:chOff x="0" y="0"/>
+          <a:chExt cx="0" cy="0"/>
+        </a:xfrm>
+      </p:grpSpPr>
+      <p:sp>
+        <p:nvSpPr>
+          <p:cNvPr id="2" name="Slide Image Placeholder 1"/>
+          <p:cNvSpPr>
+            <a:spLocks noGrp="1" noRot="1" noChangeAspect="1"/>
+          </p:cNvSpPr>
+          <p:nvPr>
+            <p:ph type="sldImg"/>
+          </p:nvPr>
+        </p:nvSpPr>
+        <p:spPr/>
+      </p:sp>
+      <p:sp>
+        <p:nvSpPr>
+          <p:cNvPr id="3" name="Notes Placeholder 2"/>
+          <p:cNvSpPr>
+            <a:spLocks noGrp="1"/>
+          </p:cNvSpPr>
+          <p:nvPr>
+            <p:ph type="body" idx="1"/>
+          </p:nvPr>
+        </p:nvSpPr>
+        <p:spPr/>
+        <p:txBody>
+          <a:bodyPr/>
+          <a:lstStyle/>
+          <a:p>
+            <a:r>
+              <a:rPr lang="en-US" dirty="0"/>
+              <a:t>Jeremy/Stephanie</a:t>
+            </a:r>
+          </a:p>
+        </p:txBody>
+      </p:sp>
+      <p:sp>
+        <p:nvSpPr>
+          <p:cNvPr id="4" name="Slide Number Placeholder 3"/>
+          <p:cNvSpPr>
+            <a:spLocks noGrp="1"/>
+          </p:cNvSpPr>
+          <p:nvPr>
+            <p:ph type="sldNum" sz="quarter" idx="5"/>
+          </p:nvPr>
+        </p:nvSpPr>
+        <p:spPr/>
+        <p:txBody>
+          <a:bodyPr/>
+          <a:lstStyle/>
+          <a:p>
+            <a:fld id="{037C371F-EBCF-D949-BBB3-98CE13D43107}" type="slidenum">
+              <a:rPr lang="en-US" smtClean="0"/>
+              <a:t>5</a:t>
+            </a:fld>
+            <a:endParaRPr lang="en-US"/>
+          </a:p>
+        </p:txBody>
+      </p:sp>
+    </p:spTree>
+    <p:extLst>
+      <p:ext uri="{BB962C8B-B14F-4D97-AF65-F5344CB8AC3E}">
+        <p14:creationId xmlns:p14="http://schemas.microsoft.com/office/powerpoint/2010/main" val="1279386074"/>
+      </p:ext>
+    </p:extLst>
+  </p:cSld>
+  <p:clrMapOvr>
+    <a:masterClrMapping/>
+  </p:clrMapOvr>
+</p:notes>
+</file>
+
+<file path=ppt/notesSlides/notesSlide5.xml><?xml version="1.0" encoding="utf-8"?>
+<p:notes xmlns:a="http://schemas.openxmlformats.org/drawingml/2006/main" xmlns:r="http://schemas.openxmlformats.org/officeDocument/2006/relationships" xmlns:p="http://schemas.openxmlformats.org/presentationml/2006/main">
+  <p:cSld>
+    <p:spTree>
+      <p:nvGrpSpPr>
+        <p:cNvPr id="1" name=""/>
+        <p:cNvGrpSpPr/>
+        <p:nvPr/>
+      </p:nvGrpSpPr>
+      <p:grpSpPr>
+        <a:xfrm>
+          <a:off x="0" y="0"/>
+          <a:ext cx="0" cy="0"/>
+          <a:chOff x="0" y="0"/>
+          <a:chExt cx="0" cy="0"/>
+        </a:xfrm>
+      </p:grpSpPr>
+      <p:sp>
+        <p:nvSpPr>
+          <p:cNvPr id="2" name="Slide Image Placeholder 1"/>
+          <p:cNvSpPr>
+            <a:spLocks noGrp="1" noRot="1" noChangeAspect="1"/>
+          </p:cNvSpPr>
+          <p:nvPr>
+            <p:ph type="sldImg"/>
+          </p:nvPr>
+        </p:nvSpPr>
+        <p:spPr/>
+      </p:sp>
+      <p:sp>
+        <p:nvSpPr>
+          <p:cNvPr id="3" name="Notes Placeholder 2"/>
+          <p:cNvSpPr>
+            <a:spLocks noGrp="1"/>
+          </p:cNvSpPr>
+          <p:nvPr>
+            <p:ph type="body" idx="1"/>
+          </p:nvPr>
+        </p:nvSpPr>
+        <p:spPr/>
+        <p:txBody>
+          <a:bodyPr/>
+          <a:lstStyle/>
+          <a:p>
+            <a:endParaRPr lang="en-US" dirty="0"/>
+          </a:p>
+        </p:txBody>
+      </p:sp>
+      <p:sp>
+        <p:nvSpPr>
+          <p:cNvPr id="4" name="Slide Number Placeholder 3"/>
+          <p:cNvSpPr>
+            <a:spLocks noGrp="1"/>
+          </p:cNvSpPr>
+          <p:nvPr>
+            <p:ph type="sldNum" sz="quarter" idx="5"/>
+          </p:nvPr>
+        </p:nvSpPr>
+        <p:spPr/>
+        <p:txBody>
+          <a:bodyPr/>
+          <a:lstStyle/>
+          <a:p>
+            <a:fld id="{037C371F-EBCF-D949-BBB3-98CE13D43107}" type="slidenum">
+              <a:rPr lang="en-US" smtClean="0"/>
+              <a:t>6</a:t>
+            </a:fld>
+            <a:endParaRPr lang="en-US"/>
+          </a:p>
+        </p:txBody>
+      </p:sp>
+    </p:spTree>
+    <p:extLst>
+      <p:ext uri="{BB962C8B-B14F-4D97-AF65-F5344CB8AC3E}">
+        <p14:creationId xmlns:p14="http://schemas.microsoft.com/office/powerpoint/2010/main" val="2459680910"/>
+      </p:ext>
+    </p:extLst>
+  </p:cSld>
+  <p:clrMapOvr>
+    <a:masterClrMapping/>
+  </p:clrMapOvr>
+</p:notes>
+</file>
+
+<file path=ppt/notesSlides/notesSlide6.xml><?xml version="1.0" encoding="utf-8"?>
+<p:notes xmlns:a="http://schemas.openxmlformats.org/drawingml/2006/main" xmlns:r="http://schemas.openxmlformats.org/officeDocument/2006/relationships" xmlns:p="http://schemas.openxmlformats.org/presentationml/2006/main">
+  <p:cSld>
+    <p:spTree>
+      <p:nvGrpSpPr>
+        <p:cNvPr id="1" name=""/>
+        <p:cNvGrpSpPr/>
+        <p:nvPr/>
+      </p:nvGrpSpPr>
+      <p:grpSpPr>
+        <a:xfrm>
+          <a:off x="0" y="0"/>
+          <a:ext cx="0" cy="0"/>
+          <a:chOff x="0" y="0"/>
+          <a:chExt cx="0" cy="0"/>
+        </a:xfrm>
+      </p:grpSpPr>
+      <p:sp>
+        <p:nvSpPr>
+          <p:cNvPr id="2" name="Slide Image Placeholder 1"/>
+          <p:cNvSpPr>
+            <a:spLocks noGrp="1" noRot="1" noChangeAspect="1"/>
+          </p:cNvSpPr>
+          <p:nvPr>
+            <p:ph type="sldImg"/>
+          </p:nvPr>
+        </p:nvSpPr>
+        <p:spPr/>
+      </p:sp>
+      <p:sp>
+        <p:nvSpPr>
+          <p:cNvPr id="3" name="Notes Placeholder 2"/>
+          <p:cNvSpPr>
+            <a:spLocks noGrp="1"/>
+          </p:cNvSpPr>
+          <p:nvPr>
+            <p:ph type="body" idx="1"/>
+          </p:nvPr>
+        </p:nvSpPr>
+        <p:spPr/>
+        <p:txBody>
+          <a:bodyPr/>
+          <a:lstStyle/>
+          <a:p>
+            <a:endParaRPr lang="en-US" dirty="0"/>
+          </a:p>
+        </p:txBody>
+      </p:sp>
+      <p:sp>
+        <p:nvSpPr>
+          <p:cNvPr id="4" name="Slide Number Placeholder 3"/>
+          <p:cNvSpPr>
+            <a:spLocks noGrp="1"/>
+          </p:cNvSpPr>
+          <p:nvPr>
+            <p:ph type="sldNum" sz="quarter" idx="5"/>
+          </p:nvPr>
+        </p:nvSpPr>
+        <p:spPr/>
+        <p:txBody>
+          <a:bodyPr/>
+          <a:lstStyle/>
+          <a:p>
+            <a:fld id="{037C371F-EBCF-D949-BBB3-98CE13D43107}" type="slidenum">
+              <a:rPr lang="en-US" smtClean="0"/>
+              <a:t>7</a:t>
+            </a:fld>
+            <a:endParaRPr lang="en-US"/>
+          </a:p>
+        </p:txBody>
+      </p:sp>
+    </p:spTree>
+    <p:extLst>
+      <p:ext uri="{BB962C8B-B14F-4D97-AF65-F5344CB8AC3E}">
+        <p14:creationId xmlns:p14="http://schemas.microsoft.com/office/powerpoint/2010/main" val="3402163776"/>
+      </p:ext>
+    </p:extLst>
+  </p:cSld>
+  <p:clrMapOvr>
+    <a:masterClrMapping/>
+  </p:clrMapOvr>
+</p:notes>
+</file>
+
+<file path=ppt/notesSlides/notesSlide7.xml><?xml version="1.0" encoding="utf-8"?>
+<p:notes xmlns:a="http://schemas.openxmlformats.org/drawingml/2006/main" xmlns:r="http://schemas.openxmlformats.org/officeDocument/2006/relationships" xmlns:p="http://schemas.openxmlformats.org/presentationml/2006/main">
+  <p:cSld>
+    <p:spTree>
+      <p:nvGrpSpPr>
+        <p:cNvPr id="1" name=""/>
+        <p:cNvGrpSpPr/>
+        <p:nvPr/>
+      </p:nvGrpSpPr>
+      <p:grpSpPr>
+        <a:xfrm>
+          <a:off x="0" y="0"/>
+          <a:ext cx="0" cy="0"/>
+          <a:chOff x="0" y="0"/>
+          <a:chExt cx="0" cy="0"/>
+        </a:xfrm>
+      </p:grpSpPr>
+      <p:sp>
+        <p:nvSpPr>
+          <p:cNvPr id="2" name="Slide Image Placeholder 1"/>
+          <p:cNvSpPr>
+            <a:spLocks noGrp="1" noRot="1" noChangeAspect="1"/>
+          </p:cNvSpPr>
+          <p:nvPr>
+            <p:ph type="sldImg"/>
+          </p:nvPr>
+        </p:nvSpPr>
+        <p:spPr/>
+      </p:sp>
+      <p:sp>
+        <p:nvSpPr>
+          <p:cNvPr id="3" name="Notes Placeholder 2"/>
+          <p:cNvSpPr>
+            <a:spLocks noGrp="1"/>
+          </p:cNvSpPr>
+          <p:nvPr>
+            <p:ph type="body" idx="1"/>
+          </p:nvPr>
+        </p:nvSpPr>
+        <p:spPr/>
+        <p:txBody>
+          <a:bodyPr/>
+          <a:lstStyle/>
+          <a:p>
             <a:endParaRPr lang="en-US" dirty="0"/>
           </a:p>
         </p:txBody>
@@ -715,7 +1689,175 @@
     </p:spTree>
     <p:extLst>
       <p:ext uri="{BB962C8B-B14F-4D97-AF65-F5344CB8AC3E}">
+        <p14:creationId xmlns:p14="http://schemas.microsoft.com/office/powerpoint/2010/main" val="225399672"/>
+      </p:ext>
+    </p:extLst>
+  </p:cSld>
+  <p:clrMapOvr>
+    <a:masterClrMapping/>
+  </p:clrMapOvr>
+</p:notes>
+</file>
+
+<file path=ppt/notesSlides/notesSlide8.xml><?xml version="1.0" encoding="utf-8"?>
+<p:notes xmlns:a="http://schemas.openxmlformats.org/drawingml/2006/main" xmlns:r="http://schemas.openxmlformats.org/officeDocument/2006/relationships" xmlns:p="http://schemas.openxmlformats.org/presentationml/2006/main">
+  <p:cSld>
+    <p:spTree>
+      <p:nvGrpSpPr>
+        <p:cNvPr id="1" name=""/>
+        <p:cNvGrpSpPr/>
+        <p:nvPr/>
+      </p:nvGrpSpPr>
+      <p:grpSpPr>
+        <a:xfrm>
+          <a:off x="0" y="0"/>
+          <a:ext cx="0" cy="0"/>
+          <a:chOff x="0" y="0"/>
+          <a:chExt cx="0" cy="0"/>
+        </a:xfrm>
+      </p:grpSpPr>
+      <p:sp>
+        <p:nvSpPr>
+          <p:cNvPr id="2" name="Slide Image Placeholder 1"/>
+          <p:cNvSpPr>
+            <a:spLocks noGrp="1" noRot="1" noChangeAspect="1"/>
+          </p:cNvSpPr>
+          <p:nvPr>
+            <p:ph type="sldImg"/>
+          </p:nvPr>
+        </p:nvSpPr>
+        <p:spPr/>
+      </p:sp>
+      <p:sp>
+        <p:nvSpPr>
+          <p:cNvPr id="3" name="Notes Placeholder 2"/>
+          <p:cNvSpPr>
+            <a:spLocks noGrp="1"/>
+          </p:cNvSpPr>
+          <p:nvPr>
+            <p:ph type="body" idx="1"/>
+          </p:nvPr>
+        </p:nvSpPr>
+        <p:spPr/>
+        <p:txBody>
+          <a:bodyPr/>
+          <a:lstStyle/>
+          <a:p>
+            <a:endParaRPr lang="en-US" dirty="0"/>
+          </a:p>
+        </p:txBody>
+      </p:sp>
+      <p:sp>
+        <p:nvSpPr>
+          <p:cNvPr id="4" name="Slide Number Placeholder 3"/>
+          <p:cNvSpPr>
+            <a:spLocks noGrp="1"/>
+          </p:cNvSpPr>
+          <p:nvPr>
+            <p:ph type="sldNum" sz="quarter" idx="5"/>
+          </p:nvPr>
+        </p:nvSpPr>
+        <p:spPr/>
+        <p:txBody>
+          <a:bodyPr/>
+          <a:lstStyle/>
+          <a:p>
+            <a:fld id="{037C371F-EBCF-D949-BBB3-98CE13D43107}" type="slidenum">
+              <a:rPr lang="en-US" smtClean="0"/>
+              <a:t>9</a:t>
+            </a:fld>
+            <a:endParaRPr lang="en-US"/>
+          </a:p>
+        </p:txBody>
+      </p:sp>
+    </p:spTree>
+    <p:extLst>
+      <p:ext uri="{BB962C8B-B14F-4D97-AF65-F5344CB8AC3E}">
         <p14:creationId xmlns:p14="http://schemas.microsoft.com/office/powerpoint/2010/main" val="2292152758"/>
+      </p:ext>
+    </p:extLst>
+  </p:cSld>
+  <p:clrMapOvr>
+    <a:masterClrMapping/>
+  </p:clrMapOvr>
+</p:notes>
+</file>
+
+<file path=ppt/notesSlides/notesSlide9.xml><?xml version="1.0" encoding="utf-8"?>
+<p:notes xmlns:a="http://schemas.openxmlformats.org/drawingml/2006/main" xmlns:r="http://schemas.openxmlformats.org/officeDocument/2006/relationships" xmlns:p="http://schemas.openxmlformats.org/presentationml/2006/main">
+  <p:cSld>
+    <p:spTree>
+      <p:nvGrpSpPr>
+        <p:cNvPr id="1" name=""/>
+        <p:cNvGrpSpPr/>
+        <p:nvPr/>
+      </p:nvGrpSpPr>
+      <p:grpSpPr>
+        <a:xfrm>
+          <a:off x="0" y="0"/>
+          <a:ext cx="0" cy="0"/>
+          <a:chOff x="0" y="0"/>
+          <a:chExt cx="0" cy="0"/>
+        </a:xfrm>
+      </p:grpSpPr>
+      <p:sp>
+        <p:nvSpPr>
+          <p:cNvPr id="2" name="Slide Image Placeholder 1"/>
+          <p:cNvSpPr>
+            <a:spLocks noGrp="1" noRot="1" noChangeAspect="1"/>
+          </p:cNvSpPr>
+          <p:nvPr>
+            <p:ph type="sldImg"/>
+          </p:nvPr>
+        </p:nvSpPr>
+        <p:spPr/>
+      </p:sp>
+      <p:sp>
+        <p:nvSpPr>
+          <p:cNvPr id="3" name="Notes Placeholder 2"/>
+          <p:cNvSpPr>
+            <a:spLocks noGrp="1"/>
+          </p:cNvSpPr>
+          <p:nvPr>
+            <p:ph type="body" idx="1"/>
+          </p:nvPr>
+        </p:nvSpPr>
+        <p:spPr/>
+        <p:txBody>
+          <a:bodyPr/>
+          <a:lstStyle/>
+          <a:p>
+            <a:endParaRPr lang="en-US" dirty="0"/>
+          </a:p>
+        </p:txBody>
+      </p:sp>
+      <p:sp>
+        <p:nvSpPr>
+          <p:cNvPr id="4" name="Slide Number Placeholder 3"/>
+          <p:cNvSpPr>
+            <a:spLocks noGrp="1"/>
+          </p:cNvSpPr>
+          <p:nvPr>
+            <p:ph type="sldNum" sz="quarter" idx="5"/>
+          </p:nvPr>
+        </p:nvSpPr>
+        <p:spPr/>
+        <p:txBody>
+          <a:bodyPr/>
+          <a:lstStyle/>
+          <a:p>
+            <a:fld id="{037C371F-EBCF-D949-BBB3-98CE13D43107}" type="slidenum">
+              <a:rPr lang="en-US" smtClean="0"/>
+              <a:t>10</a:t>
+            </a:fld>
+            <a:endParaRPr lang="en-US"/>
+          </a:p>
+        </p:txBody>
+      </p:sp>
+    </p:spTree>
+    <p:extLst>
+      <p:ext uri="{BB962C8B-B14F-4D97-AF65-F5344CB8AC3E}">
+        <p14:creationId xmlns:p14="http://schemas.microsoft.com/office/powerpoint/2010/main" val="3864232312"/>
       </p:ext>
     </p:extLst>
   </p:cSld>
@@ -895,7 +2037,7 @@
           <a:p>
             <a:fld id="{5FFA8667-8DAA-9640-8958-6F7951C78AED}" type="datetimeFigureOut">
               <a:rPr lang="en-US" smtClean="0"/>
-              <a:t>2/16/2023</a:t>
+              <a:t>2/21/2023</a:t>
             </a:fld>
             <a:endParaRPr lang="en-US"/>
           </a:p>
@@ -1162,7 +2304,7 @@
           <a:p>
             <a:fld id="{5FFA8667-8DAA-9640-8958-6F7951C78AED}" type="datetimeFigureOut">
               <a:rPr lang="en-US" smtClean="0"/>
-              <a:t>2/16/2023</a:t>
+              <a:t>2/21/2023</a:t>
             </a:fld>
             <a:endParaRPr lang="en-US"/>
           </a:p>
@@ -1393,7 +2535,7 @@
           <a:p>
             <a:fld id="{5FFA8667-8DAA-9640-8958-6F7951C78AED}" type="datetimeFigureOut">
               <a:rPr lang="en-US" smtClean="0"/>
-              <a:t>2/16/2023</a:t>
+              <a:t>2/21/2023</a:t>
             </a:fld>
             <a:endParaRPr lang="en-US"/>
           </a:p>
@@ -1703,7 +2845,7 @@
           <a:p>
             <a:fld id="{5FFA8667-8DAA-9640-8958-6F7951C78AED}" type="datetimeFigureOut">
               <a:rPr lang="en-US" smtClean="0"/>
-              <a:t>2/16/2023</a:t>
+              <a:t>2/21/2023</a:t>
             </a:fld>
             <a:endParaRPr lang="en-US"/>
           </a:p>
@@ -2176,7 +3318,7 @@
           <a:p>
             <a:fld id="{5FFA8667-8DAA-9640-8958-6F7951C78AED}" type="datetimeFigureOut">
               <a:rPr lang="en-US" smtClean="0"/>
-              <a:t>2/16/2023</a:t>
+              <a:t>2/21/2023</a:t>
             </a:fld>
             <a:endParaRPr lang="en-US"/>
           </a:p>
@@ -2723,7 +3865,7 @@
           <a:p>
             <a:fld id="{5FFA8667-8DAA-9640-8958-6F7951C78AED}" type="datetimeFigureOut">
               <a:rPr lang="en-US" smtClean="0"/>
-              <a:t>2/16/2023</a:t>
+              <a:t>2/21/2023</a:t>
             </a:fld>
             <a:endParaRPr lang="en-US"/>
           </a:p>
@@ -3497,7 +4639,7 @@
           <a:p>
             <a:fld id="{5FFA8667-8DAA-9640-8958-6F7951C78AED}" type="datetimeFigureOut">
               <a:rPr lang="en-US" smtClean="0"/>
-              <a:t>2/16/2023</a:t>
+              <a:t>2/21/2023</a:t>
             </a:fld>
             <a:endParaRPr lang="en-US"/>
           </a:p>
@@ -3672,7 +4814,7 @@
           <a:p>
             <a:fld id="{5FFA8667-8DAA-9640-8958-6F7951C78AED}" type="datetimeFigureOut">
               <a:rPr lang="en-US" smtClean="0"/>
-              <a:t>2/16/2023</a:t>
+              <a:t>2/21/2023</a:t>
             </a:fld>
             <a:endParaRPr lang="en-US"/>
           </a:p>
@@ -3895,7 +5037,7 @@
           <a:p>
             <a:fld id="{5FFA8667-8DAA-9640-8958-6F7951C78AED}" type="datetimeFigureOut">
               <a:rPr lang="en-US" smtClean="0"/>
-              <a:t>2/16/2023</a:t>
+              <a:t>2/21/2023</a:t>
             </a:fld>
             <a:endParaRPr lang="en-US"/>
           </a:p>
@@ -4075,7 +5217,7 @@
           <a:p>
             <a:fld id="{5FFA8667-8DAA-9640-8958-6F7951C78AED}" type="datetimeFigureOut">
               <a:rPr lang="en-US" smtClean="0"/>
-              <a:t>2/16/2023</a:t>
+              <a:t>2/21/2023</a:t>
             </a:fld>
             <a:endParaRPr lang="en-US"/>
           </a:p>
@@ -4364,7 +5506,7 @@
           <a:p>
             <a:fld id="{5FFA8667-8DAA-9640-8958-6F7951C78AED}" type="datetimeFigureOut">
               <a:rPr lang="en-US" smtClean="0"/>
-              <a:t>2/16/2023</a:t>
+              <a:t>2/21/2023</a:t>
             </a:fld>
             <a:endParaRPr lang="en-US"/>
           </a:p>
@@ -4606,7 +5748,7 @@
           <a:p>
             <a:fld id="{5FFA8667-8DAA-9640-8958-6F7951C78AED}" type="datetimeFigureOut">
               <a:rPr lang="en-US" smtClean="0"/>
-              <a:t>2/16/2023</a:t>
+              <a:t>2/21/2023</a:t>
             </a:fld>
             <a:endParaRPr lang="en-US"/>
           </a:p>
@@ -4985,7 +6127,7 @@
           <a:p>
             <a:fld id="{5FFA8667-8DAA-9640-8958-6F7951C78AED}" type="datetimeFigureOut">
               <a:rPr lang="en-US" smtClean="0"/>
-              <a:t>2/16/2023</a:t>
+              <a:t>2/21/2023</a:t>
             </a:fld>
             <a:endParaRPr lang="en-US"/>
           </a:p>
@@ -5103,7 +6245,7 @@
           <a:p>
             <a:fld id="{5FFA8667-8DAA-9640-8958-6F7951C78AED}" type="datetimeFigureOut">
               <a:rPr lang="en-US" smtClean="0"/>
-              <a:t>2/16/2023</a:t>
+              <a:t>2/21/2023</a:t>
             </a:fld>
             <a:endParaRPr lang="en-US"/>
           </a:p>
@@ -5198,7 +6340,7 @@
           <a:p>
             <a:fld id="{5FFA8667-8DAA-9640-8958-6F7951C78AED}" type="datetimeFigureOut">
               <a:rPr lang="en-US" smtClean="0"/>
-              <a:t>2/16/2023</a:t>
+              <a:t>2/21/2023</a:t>
             </a:fld>
             <a:endParaRPr lang="en-US"/>
           </a:p>
@@ -5447,7 +6589,7 @@
           <a:p>
             <a:fld id="{5FFA8667-8DAA-9640-8958-6F7951C78AED}" type="datetimeFigureOut">
               <a:rPr lang="en-US" smtClean="0"/>
-              <a:t>2/16/2023</a:t>
+              <a:t>2/21/2023</a:t>
             </a:fld>
             <a:endParaRPr lang="en-US"/>
           </a:p>
@@ -5704,7 +6846,7 @@
           <a:p>
             <a:fld id="{5FFA8667-8DAA-9640-8958-6F7951C78AED}" type="datetimeFigureOut">
               <a:rPr lang="en-US" smtClean="0"/>
-              <a:t>2/16/2023</a:t>
+              <a:t>2/21/2023</a:t>
             </a:fld>
             <a:endParaRPr lang="en-US"/>
           </a:p>
@@ -5947,7 +7089,7 @@
           <a:p>
             <a:fld id="{5FFA8667-8DAA-9640-8958-6F7951C78AED}" type="datetimeFigureOut">
               <a:rPr lang="en-US" smtClean="0"/>
-              <a:t>2/16/2023</a:t>
+              <a:t>2/21/2023</a:t>
             </a:fld>
             <a:endParaRPr lang="en-US"/>
           </a:p>
@@ -6530,6 +7672,499 @@
 <file path=ppt/slides/slide10.xml><?xml version="1.0" encoding="utf-8"?>
 <p:sld xmlns:a="http://schemas.openxmlformats.org/drawingml/2006/main" xmlns:r="http://schemas.openxmlformats.org/officeDocument/2006/relationships" xmlns:p="http://schemas.openxmlformats.org/presentationml/2006/main">
   <p:cSld>
+    <p:spTree>
+      <p:nvGrpSpPr>
+        <p:cNvPr id="1" name=""/>
+        <p:cNvGrpSpPr/>
+        <p:nvPr/>
+      </p:nvGrpSpPr>
+      <p:grpSpPr>
+        <a:xfrm>
+          <a:off x="0" y="0"/>
+          <a:ext cx="0" cy="0"/>
+          <a:chOff x="0" y="0"/>
+          <a:chExt cx="0" cy="0"/>
+        </a:xfrm>
+      </p:grpSpPr>
+      <p:sp>
+        <p:nvSpPr>
+          <p:cNvPr id="2" name="Title 1">
+            <a:extLst>
+              <a:ext uri="{FF2B5EF4-FFF2-40B4-BE49-F238E27FC236}">
+                <a16:creationId xmlns:a16="http://schemas.microsoft.com/office/drawing/2014/main" id="{A64B7789-F00A-8854-DE77-8682FC7123ED}"/>
+              </a:ext>
+            </a:extLst>
+          </p:cNvPr>
+          <p:cNvSpPr>
+            <a:spLocks noGrp="1"/>
+          </p:cNvSpPr>
+          <p:nvPr>
+            <p:ph type="title"/>
+          </p:nvPr>
+        </p:nvSpPr>
+        <p:spPr/>
+        <p:txBody>
+          <a:bodyPr/>
+          <a:lstStyle/>
+          <a:p>
+            <a:r>
+              <a:rPr lang="en-US" dirty="0"/>
+              <a:t>Analysis Results</a:t>
+            </a:r>
+          </a:p>
+        </p:txBody>
+      </p:sp>
+      <p:pic>
+        <p:nvPicPr>
+          <p:cNvPr id="5" name="Content Placeholder 4">
+            <a:extLst>
+              <a:ext uri="{FF2B5EF4-FFF2-40B4-BE49-F238E27FC236}">
+                <a16:creationId xmlns:a16="http://schemas.microsoft.com/office/drawing/2014/main" id="{CED724CA-DE09-96BD-28EC-0C9387E832FA}"/>
+              </a:ext>
+            </a:extLst>
+          </p:cNvPr>
+          <p:cNvPicPr>
+            <a:picLocks noGrp="1" noChangeAspect="1"/>
+          </p:cNvPicPr>
+          <p:nvPr>
+            <p:ph idx="1"/>
+          </p:nvPr>
+        </p:nvPicPr>
+        <p:blipFill>
+          <a:blip r:embed="rId3"/>
+          <a:stretch>
+            <a:fillRect/>
+          </a:stretch>
+        </p:blipFill>
+        <p:spPr>
+          <a:xfrm>
+            <a:off x="2477729" y="1656343"/>
+            <a:ext cx="7397401" cy="4933407"/>
+          </a:xfrm>
+        </p:spPr>
+      </p:pic>
+    </p:spTree>
+    <p:extLst>
+      <p:ext uri="{BB962C8B-B14F-4D97-AF65-F5344CB8AC3E}">
+        <p14:creationId xmlns:p14="http://schemas.microsoft.com/office/powerpoint/2010/main" val="2384348206"/>
+      </p:ext>
+    </p:extLst>
+  </p:cSld>
+  <p:clrMapOvr>
+    <a:masterClrMapping/>
+  </p:clrMapOvr>
+</p:sld>
+</file>
+
+<file path=ppt/slides/slide11.xml><?xml version="1.0" encoding="utf-8"?>
+<p:sld xmlns:a="http://schemas.openxmlformats.org/drawingml/2006/main" xmlns:r="http://schemas.openxmlformats.org/officeDocument/2006/relationships" xmlns:p="http://schemas.openxmlformats.org/presentationml/2006/main">
+  <p:cSld>
+    <p:spTree>
+      <p:nvGrpSpPr>
+        <p:cNvPr id="1" name=""/>
+        <p:cNvGrpSpPr/>
+        <p:nvPr/>
+      </p:nvGrpSpPr>
+      <p:grpSpPr>
+        <a:xfrm>
+          <a:off x="0" y="0"/>
+          <a:ext cx="0" cy="0"/>
+          <a:chOff x="0" y="0"/>
+          <a:chExt cx="0" cy="0"/>
+        </a:xfrm>
+      </p:grpSpPr>
+      <p:sp>
+        <p:nvSpPr>
+          <p:cNvPr id="2" name="Title 1">
+            <a:extLst>
+              <a:ext uri="{FF2B5EF4-FFF2-40B4-BE49-F238E27FC236}">
+                <a16:creationId xmlns:a16="http://schemas.microsoft.com/office/drawing/2014/main" id="{A64B7789-F00A-8854-DE77-8682FC7123ED}"/>
+              </a:ext>
+            </a:extLst>
+          </p:cNvPr>
+          <p:cNvSpPr>
+            <a:spLocks noGrp="1"/>
+          </p:cNvSpPr>
+          <p:nvPr>
+            <p:ph type="title"/>
+          </p:nvPr>
+        </p:nvSpPr>
+        <p:spPr/>
+        <p:txBody>
+          <a:bodyPr/>
+          <a:lstStyle/>
+          <a:p>
+            <a:r>
+              <a:rPr lang="en-US" dirty="0"/>
+              <a:t>Analysis Results</a:t>
+            </a:r>
+          </a:p>
+        </p:txBody>
+      </p:sp>
+      <p:pic>
+        <p:nvPicPr>
+          <p:cNvPr id="5" name="Content Placeholder 4">
+            <a:extLst>
+              <a:ext uri="{FF2B5EF4-FFF2-40B4-BE49-F238E27FC236}">
+                <a16:creationId xmlns:a16="http://schemas.microsoft.com/office/drawing/2014/main" id="{F901B8BE-114A-C4FD-230D-181DBF20647B}"/>
+              </a:ext>
+            </a:extLst>
+          </p:cNvPr>
+          <p:cNvPicPr>
+            <a:picLocks noGrp="1" noChangeAspect="1"/>
+          </p:cNvPicPr>
+          <p:nvPr>
+            <p:ph idx="1"/>
+          </p:nvPr>
+        </p:nvPicPr>
+        <p:blipFill>
+          <a:blip r:embed="rId3"/>
+          <a:stretch>
+            <a:fillRect/>
+          </a:stretch>
+        </p:blipFill>
+        <p:spPr>
+          <a:xfrm>
+            <a:off x="4758813" y="1661712"/>
+            <a:ext cx="2509733" cy="4775465"/>
+          </a:xfrm>
+        </p:spPr>
+      </p:pic>
+    </p:spTree>
+    <p:extLst>
+      <p:ext uri="{BB962C8B-B14F-4D97-AF65-F5344CB8AC3E}">
+        <p14:creationId xmlns:p14="http://schemas.microsoft.com/office/powerpoint/2010/main" val="2056019474"/>
+      </p:ext>
+    </p:extLst>
+  </p:cSld>
+  <p:clrMapOvr>
+    <a:masterClrMapping/>
+  </p:clrMapOvr>
+</p:sld>
+</file>
+
+<file path=ppt/slides/slide12.xml><?xml version="1.0" encoding="utf-8"?>
+<p:sld xmlns:a="http://schemas.openxmlformats.org/drawingml/2006/main" xmlns:r="http://schemas.openxmlformats.org/officeDocument/2006/relationships" xmlns:p="http://schemas.openxmlformats.org/presentationml/2006/main">
+  <p:cSld>
+    <p:spTree>
+      <p:nvGrpSpPr>
+        <p:cNvPr id="1" name=""/>
+        <p:cNvGrpSpPr/>
+        <p:nvPr/>
+      </p:nvGrpSpPr>
+      <p:grpSpPr>
+        <a:xfrm>
+          <a:off x="0" y="0"/>
+          <a:ext cx="0" cy="0"/>
+          <a:chOff x="0" y="0"/>
+          <a:chExt cx="0" cy="0"/>
+        </a:xfrm>
+      </p:grpSpPr>
+      <p:sp>
+        <p:nvSpPr>
+          <p:cNvPr id="2" name="Title 1">
+            <a:extLst>
+              <a:ext uri="{FF2B5EF4-FFF2-40B4-BE49-F238E27FC236}">
+                <a16:creationId xmlns:a16="http://schemas.microsoft.com/office/drawing/2014/main" id="{A64B7789-F00A-8854-DE77-8682FC7123ED}"/>
+              </a:ext>
+            </a:extLst>
+          </p:cNvPr>
+          <p:cNvSpPr>
+            <a:spLocks noGrp="1"/>
+          </p:cNvSpPr>
+          <p:nvPr>
+            <p:ph type="title"/>
+          </p:nvPr>
+        </p:nvSpPr>
+        <p:spPr/>
+        <p:txBody>
+          <a:bodyPr/>
+          <a:lstStyle/>
+          <a:p>
+            <a:r>
+              <a:rPr lang="en-US" dirty="0"/>
+              <a:t>Analysis Results</a:t>
+            </a:r>
+          </a:p>
+        </p:txBody>
+      </p:sp>
+      <p:pic>
+        <p:nvPicPr>
+          <p:cNvPr id="7" name="Picture 6">
+            <a:extLst>
+              <a:ext uri="{FF2B5EF4-FFF2-40B4-BE49-F238E27FC236}">
+                <a16:creationId xmlns:a16="http://schemas.microsoft.com/office/drawing/2014/main" id="{F33247EF-9F08-955A-4D0C-432938FC3C4D}"/>
+              </a:ext>
+            </a:extLst>
+          </p:cNvPr>
+          <p:cNvPicPr>
+            <a:picLocks noChangeAspect="1"/>
+          </p:cNvPicPr>
+          <p:nvPr/>
+        </p:nvPicPr>
+        <p:blipFill>
+          <a:blip r:embed="rId3"/>
+          <a:stretch>
+            <a:fillRect/>
+          </a:stretch>
+        </p:blipFill>
+        <p:spPr>
+          <a:xfrm>
+            <a:off x="1182229" y="2057401"/>
+            <a:ext cx="10323971" cy="3786040"/>
+          </a:xfrm>
+          <a:prstGeom prst="rect">
+            <a:avLst/>
+          </a:prstGeom>
+        </p:spPr>
+      </p:pic>
+    </p:spTree>
+    <p:extLst>
+      <p:ext uri="{BB962C8B-B14F-4D97-AF65-F5344CB8AC3E}">
+        <p14:creationId xmlns:p14="http://schemas.microsoft.com/office/powerpoint/2010/main" val="387627017"/>
+      </p:ext>
+    </p:extLst>
+  </p:cSld>
+  <p:clrMapOvr>
+    <a:masterClrMapping/>
+  </p:clrMapOvr>
+</p:sld>
+</file>
+
+<file path=ppt/slides/slide13.xml><?xml version="1.0" encoding="utf-8"?>
+<p:sld xmlns:a="http://schemas.openxmlformats.org/drawingml/2006/main" xmlns:r="http://schemas.openxmlformats.org/officeDocument/2006/relationships" xmlns:p="http://schemas.openxmlformats.org/presentationml/2006/main">
+  <p:cSld>
+    <p:spTree>
+      <p:nvGrpSpPr>
+        <p:cNvPr id="1" name=""/>
+        <p:cNvGrpSpPr/>
+        <p:nvPr/>
+      </p:nvGrpSpPr>
+      <p:grpSpPr>
+        <a:xfrm>
+          <a:off x="0" y="0"/>
+          <a:ext cx="0" cy="0"/>
+          <a:chOff x="0" y="0"/>
+          <a:chExt cx="0" cy="0"/>
+        </a:xfrm>
+      </p:grpSpPr>
+      <p:sp>
+        <p:nvSpPr>
+          <p:cNvPr id="2" name="Title 1">
+            <a:extLst>
+              <a:ext uri="{FF2B5EF4-FFF2-40B4-BE49-F238E27FC236}">
+                <a16:creationId xmlns:a16="http://schemas.microsoft.com/office/drawing/2014/main" id="{A64B7789-F00A-8854-DE77-8682FC7123ED}"/>
+              </a:ext>
+            </a:extLst>
+          </p:cNvPr>
+          <p:cNvSpPr>
+            <a:spLocks noGrp="1"/>
+          </p:cNvSpPr>
+          <p:nvPr>
+            <p:ph type="title"/>
+          </p:nvPr>
+        </p:nvSpPr>
+        <p:spPr/>
+        <p:txBody>
+          <a:bodyPr/>
+          <a:lstStyle/>
+          <a:p>
+            <a:r>
+              <a:rPr lang="en-US" dirty="0"/>
+              <a:t>Analysis Results</a:t>
+            </a:r>
+          </a:p>
+        </p:txBody>
+      </p:sp>
+      <p:pic>
+        <p:nvPicPr>
+          <p:cNvPr id="7" name="Picture 6">
+            <a:extLst>
+              <a:ext uri="{FF2B5EF4-FFF2-40B4-BE49-F238E27FC236}">
+                <a16:creationId xmlns:a16="http://schemas.microsoft.com/office/drawing/2014/main" id="{1319E53B-CFE0-04AC-4C94-0B4C1128E16D}"/>
+              </a:ext>
+            </a:extLst>
+          </p:cNvPr>
+          <p:cNvPicPr>
+            <a:picLocks noChangeAspect="1"/>
+          </p:cNvPicPr>
+          <p:nvPr/>
+        </p:nvPicPr>
+        <p:blipFill>
+          <a:blip r:embed="rId3"/>
+          <a:stretch>
+            <a:fillRect/>
+          </a:stretch>
+        </p:blipFill>
+        <p:spPr>
+          <a:xfrm>
+            <a:off x="1158744" y="2498812"/>
+            <a:ext cx="9161523" cy="3267506"/>
+          </a:xfrm>
+          <a:prstGeom prst="rect">
+            <a:avLst/>
+          </a:prstGeom>
+        </p:spPr>
+      </p:pic>
+    </p:spTree>
+    <p:extLst>
+      <p:ext uri="{BB962C8B-B14F-4D97-AF65-F5344CB8AC3E}">
+        <p14:creationId xmlns:p14="http://schemas.microsoft.com/office/powerpoint/2010/main" val="3054974943"/>
+      </p:ext>
+    </p:extLst>
+  </p:cSld>
+  <p:clrMapOvr>
+    <a:masterClrMapping/>
+  </p:clrMapOvr>
+</p:sld>
+</file>
+
+<file path=ppt/slides/slide14.xml><?xml version="1.0" encoding="utf-8"?>
+<p:sld xmlns:a="http://schemas.openxmlformats.org/drawingml/2006/main" xmlns:r="http://schemas.openxmlformats.org/officeDocument/2006/relationships" xmlns:p="http://schemas.openxmlformats.org/presentationml/2006/main">
+  <p:cSld>
+    <p:spTree>
+      <p:nvGrpSpPr>
+        <p:cNvPr id="1" name=""/>
+        <p:cNvGrpSpPr/>
+        <p:nvPr/>
+      </p:nvGrpSpPr>
+      <p:grpSpPr>
+        <a:xfrm>
+          <a:off x="0" y="0"/>
+          <a:ext cx="0" cy="0"/>
+          <a:chOff x="0" y="0"/>
+          <a:chExt cx="0" cy="0"/>
+        </a:xfrm>
+      </p:grpSpPr>
+      <p:sp>
+        <p:nvSpPr>
+          <p:cNvPr id="2" name="Title 1">
+            <a:extLst>
+              <a:ext uri="{FF2B5EF4-FFF2-40B4-BE49-F238E27FC236}">
+                <a16:creationId xmlns:a16="http://schemas.microsoft.com/office/drawing/2014/main" id="{A5EDC07C-1319-2626-736D-3CDCBE1DEB44}"/>
+              </a:ext>
+            </a:extLst>
+          </p:cNvPr>
+          <p:cNvSpPr>
+            <a:spLocks noGrp="1"/>
+          </p:cNvSpPr>
+          <p:nvPr>
+            <p:ph type="title"/>
+          </p:nvPr>
+        </p:nvSpPr>
+        <p:spPr>
+          <a:xfrm>
+            <a:off x="1790700" y="663024"/>
+            <a:ext cx="8610600" cy="1293028"/>
+          </a:xfrm>
+        </p:spPr>
+        <p:txBody>
+          <a:bodyPr/>
+          <a:lstStyle/>
+          <a:p>
+            <a:r>
+              <a:rPr lang="en-US" dirty="0"/>
+              <a:t>Future Recommendations</a:t>
+            </a:r>
+          </a:p>
+        </p:txBody>
+      </p:sp>
+      <p:sp>
+        <p:nvSpPr>
+          <p:cNvPr id="3" name="Content Placeholder 2">
+            <a:extLst>
+              <a:ext uri="{FF2B5EF4-FFF2-40B4-BE49-F238E27FC236}">
+                <a16:creationId xmlns:a16="http://schemas.microsoft.com/office/drawing/2014/main" id="{6E11E465-3751-3846-8050-877AB57A0223}"/>
+              </a:ext>
+            </a:extLst>
+          </p:cNvPr>
+          <p:cNvSpPr>
+            <a:spLocks noGrp="1"/>
+          </p:cNvSpPr>
+          <p:nvPr>
+            <p:ph idx="1"/>
+          </p:nvPr>
+        </p:nvSpPr>
+        <p:spPr/>
+        <p:txBody>
+          <a:bodyPr/>
+          <a:lstStyle/>
+          <a:p>
+            <a:r>
+              <a:rPr lang="en-US" dirty="0"/>
+              <a:t>What else could be done?</a:t>
+            </a:r>
+          </a:p>
+          <a:p>
+            <a:r>
+              <a:rPr lang="en-US" dirty="0"/>
+              <a:t>What would we have done differently?</a:t>
+            </a:r>
+          </a:p>
+          <a:p>
+            <a:r>
+              <a:rPr lang="en-US" dirty="0">
+                <a:solidFill>
+                  <a:schemeClr val="tx1">
+                    <a:lumMod val="50000"/>
+                    <a:lumOff val="50000"/>
+                  </a:schemeClr>
+                </a:solidFill>
+              </a:rPr>
+              <a:t>I would have like to judged how long a flight was delayed before it was cancelled. Did people wait in the terminal?</a:t>
+            </a:r>
+          </a:p>
+          <a:p>
+            <a:r>
+              <a:rPr lang="en-US" sz="2000" dirty="0"/>
+              <a:t>So many options to choose from on how we can analyze the data set. (Feature Adding)</a:t>
+            </a:r>
+          </a:p>
+          <a:p>
+            <a:pPr lvl="1"/>
+            <a:r>
+              <a:rPr lang="en-US" sz="1800" dirty="0"/>
+              <a:t>API’s</a:t>
+            </a:r>
+          </a:p>
+          <a:p>
+            <a:pPr lvl="1"/>
+            <a:r>
+              <a:rPr lang="en-US" sz="1800" dirty="0"/>
+              <a:t>Etc.</a:t>
+            </a:r>
+          </a:p>
+          <a:p>
+            <a:endParaRPr lang="en-US" dirty="0">
+              <a:solidFill>
+                <a:schemeClr val="tx1">
+                  <a:lumMod val="50000"/>
+                  <a:lumOff val="50000"/>
+                </a:schemeClr>
+              </a:solidFill>
+            </a:endParaRPr>
+          </a:p>
+          <a:p>
+            <a:endParaRPr lang="en-US" dirty="0"/>
+          </a:p>
+        </p:txBody>
+      </p:sp>
+    </p:spTree>
+    <p:extLst>
+      <p:ext uri="{BB962C8B-B14F-4D97-AF65-F5344CB8AC3E}">
+        <p14:creationId xmlns:p14="http://schemas.microsoft.com/office/powerpoint/2010/main" val="186667986"/>
+      </p:ext>
+    </p:extLst>
+  </p:cSld>
+  <p:clrMapOvr>
+    <a:masterClrMapping/>
+  </p:clrMapOvr>
+</p:sld>
+</file>
+
+<file path=ppt/slides/slide15.xml><?xml version="1.0" encoding="utf-8"?>
+<p:sld xmlns:a="http://schemas.openxmlformats.org/drawingml/2006/main" xmlns:r="http://schemas.openxmlformats.org/officeDocument/2006/relationships" xmlns:p="http://schemas.openxmlformats.org/presentationml/2006/main">
+  <p:cSld>
     <p:bg>
       <p:bgPr>
         <a:solidFill>
@@ -6689,14 +8324,14 @@
         </p:spPr>
         <p:txBody>
           <a:bodyPr>
-            <a:normAutofit/>
+            <a:normAutofit fontScale="90000"/>
           </a:bodyPr>
           <a:lstStyle/>
           <a:p>
             <a:pPr algn="ctr"/>
             <a:r>
               <a:rPr lang="en-US" b="1" dirty="0"/>
-              <a:t>Delayed/Cancelled Flights are B.S, huh?</a:t>
+              <a:t>Delayed/Cancelled Flights – What’s the hold up?</a:t>
             </a:r>
           </a:p>
         </p:txBody>
@@ -6729,9 +8364,6 @@
           </a:bodyPr>
           <a:lstStyle/>
           <a:p>
-            <a:pPr marL="0" indent="0">
-              <a:buNone/>
-            </a:pPr>
             <a:r>
               <a:rPr lang="en-US" b="0" i="0" dirty="0">
                 <a:solidFill>
@@ -6742,6 +8374,11 @@
               </a:rPr>
               <a:t>It is crucial for airline companies to ensure that air travel is safe, efficient, and reliable. </a:t>
             </a:r>
+          </a:p>
+          <a:p>
+            <a:pPr marL="0" indent="0">
+              <a:buNone/>
+            </a:pPr>
             <a:endParaRPr lang="en-US" dirty="0">
               <a:solidFill>
                 <a:srgbClr val="C9D1D9"/>
@@ -6750,9 +8387,6 @@
             </a:endParaRPr>
           </a:p>
           <a:p>
-            <a:pPr marL="0" indent="0">
-              <a:buNone/>
-            </a:pPr>
             <a:r>
               <a:rPr lang="en-US" b="0" i="0" dirty="0">
                 <a:solidFill>
@@ -6761,13 +8395,22 @@
                 <a:effectLst/>
                 <a:latin typeface="-apple-system"/>
               </a:rPr>
-              <a:t>Flight delays can have a significant economic and social impact on both individuals and organizations. We have identified trends to pinpoint the causes of delays to help develop strategies to mitigate their effects. </a:t>
+              <a:t>Flight delays can have a significant economic and social impact on both individuals and organizations. </a:t>
             </a:r>
           </a:p>
           <a:p>
             <a:pPr marL="0" indent="0">
               <a:buNone/>
             </a:pPr>
+            <a:endParaRPr lang="en-US" b="0" i="0" dirty="0">
+              <a:solidFill>
+                <a:srgbClr val="C9D1D9"/>
+              </a:solidFill>
+              <a:effectLst/>
+              <a:latin typeface="-apple-system"/>
+            </a:endParaRPr>
+          </a:p>
+          <a:p>
             <a:r>
               <a:rPr lang="en-US" b="0" i="0" dirty="0">
                 <a:solidFill>
@@ -6776,7 +8419,7 @@
                 <a:effectLst/>
                 <a:latin typeface="-apple-system"/>
               </a:rPr>
-              <a:t>Using Machine learning, we can help passengers have informed expectations about their travel plans. Such as choosing the best time to fly or selecting a carrier with a good on-time performance record.</a:t>
+              <a:t>Using Machine learning, we can identify causes for cancellations and delays. </a:t>
             </a:r>
             <a:endParaRPr lang="en-US" dirty="0"/>
           </a:p>
@@ -6857,7 +8500,7 @@
           <p:nvPr/>
         </p:nvPicPr>
         <p:blipFill rotWithShape="1">
-          <a:blip r:embed="rId2"/>
+          <a:blip r:embed="rId3"/>
           <a:srcRect l="31639" r="30036"/>
           <a:stretch/>
         </p:blipFill>
@@ -7083,7 +8726,7 @@
           <p:nvPr/>
         </p:nvPicPr>
         <p:blipFill rotWithShape="1">
-          <a:blip r:embed="rId2"/>
+          <a:blip r:embed="rId3"/>
           <a:srcRect l="58438" r="2" b="2"/>
           <a:stretch/>
         </p:blipFill>
@@ -7332,7 +8975,7 @@
           <p:nvPr/>
         </p:nvPicPr>
         <p:blipFill rotWithShape="1">
-          <a:blip r:embed="rId2"/>
+          <a:blip r:embed="rId3"/>
           <a:srcRect l="14885" r="9789"/>
           <a:stretch/>
         </p:blipFill>
@@ -7504,7 +9147,7 @@
           <p:nvPr/>
         </p:nvPicPr>
         <p:blipFill rotWithShape="1">
-          <a:blip r:embed="rId2"/>
+          <a:blip r:embed="rId3"/>
           <a:srcRect l="8194" r="17248" b="2"/>
           <a:stretch/>
         </p:blipFill>
@@ -7576,44 +9219,40 @@
           </a:p>
         </p:txBody>
       </p:sp>
-      <p:sp>
-        <p:nvSpPr>
-          <p:cNvPr id="3" name="Content Placeholder 2">
+      <p:pic>
+        <p:nvPicPr>
+          <p:cNvPr id="5" name="Picture 4">
             <a:extLst>
               <a:ext uri="{FF2B5EF4-FFF2-40B4-BE49-F238E27FC236}">
-                <a16:creationId xmlns:a16="http://schemas.microsoft.com/office/drawing/2014/main" id="{BB7DFF9E-BC59-5EF5-2445-B2CD2D7CAD96}"/>
+                <a16:creationId xmlns:a16="http://schemas.microsoft.com/office/drawing/2014/main" id="{E9623529-17B3-85BF-6852-44A2A8734474}"/>
               </a:ext>
             </a:extLst>
           </p:cNvPr>
-          <p:cNvSpPr>
-            <a:spLocks noGrp="1"/>
-          </p:cNvSpPr>
-          <p:nvPr>
-            <p:ph idx="1"/>
-          </p:nvPr>
-        </p:nvSpPr>
-        <p:spPr/>
-        <p:txBody>
-          <a:bodyPr/>
-          <a:lstStyle/>
-          <a:p>
-            <a:r>
-              <a:rPr lang="en-US" dirty="0"/>
-              <a:t>Answer our questions</a:t>
-            </a:r>
-          </a:p>
-          <a:p>
-            <a:r>
-              <a:rPr lang="en-US" dirty="0"/>
-              <a:t>Visuals</a:t>
-            </a:r>
-          </a:p>
-        </p:txBody>
-      </p:sp>
+          <p:cNvPicPr>
+            <a:picLocks noChangeAspect="1"/>
+          </p:cNvPicPr>
+          <p:nvPr/>
+        </p:nvPicPr>
+        <p:blipFill>
+          <a:blip r:embed="rId3"/>
+          <a:stretch>
+            <a:fillRect/>
+          </a:stretch>
+        </p:blipFill>
+        <p:spPr>
+          <a:xfrm>
+            <a:off x="3056632" y="1828793"/>
+            <a:ext cx="6239768" cy="4755657"/>
+          </a:xfrm>
+          <a:prstGeom prst="rect">
+            <a:avLst/>
+          </a:prstGeom>
+        </p:spPr>
+      </p:pic>
     </p:spTree>
     <p:extLst>
       <p:ext uri="{BB962C8B-B14F-4D97-AF65-F5344CB8AC3E}">
-        <p14:creationId xmlns:p14="http://schemas.microsoft.com/office/powerpoint/2010/main" val="3857231400"/>
+        <p14:creationId xmlns:p14="http://schemas.microsoft.com/office/powerpoint/2010/main" val="2047161550"/>
       </p:ext>
     </p:extLst>
   </p:cSld>
@@ -7668,44 +9307,39 @@
           </a:p>
         </p:txBody>
       </p:sp>
-      <p:sp>
-        <p:nvSpPr>
-          <p:cNvPr id="3" name="Content Placeholder 2">
+      <p:pic>
+        <p:nvPicPr>
+          <p:cNvPr id="5" name="Content Placeholder 4">
             <a:extLst>
               <a:ext uri="{FF2B5EF4-FFF2-40B4-BE49-F238E27FC236}">
-                <a16:creationId xmlns:a16="http://schemas.microsoft.com/office/drawing/2014/main" id="{BB7DFF9E-BC59-5EF5-2445-B2CD2D7CAD96}"/>
+                <a16:creationId xmlns:a16="http://schemas.microsoft.com/office/drawing/2014/main" id="{25BCED06-BF7E-7D98-F29D-4097F6CC9D68}"/>
               </a:ext>
             </a:extLst>
           </p:cNvPr>
-          <p:cNvSpPr>
-            <a:spLocks noGrp="1"/>
-          </p:cNvSpPr>
+          <p:cNvPicPr>
+            <a:picLocks noGrp="1" noChangeAspect="1"/>
+          </p:cNvPicPr>
           <p:nvPr>
             <p:ph idx="1"/>
           </p:nvPr>
-        </p:nvSpPr>
-        <p:spPr/>
-        <p:txBody>
-          <a:bodyPr/>
-          <a:lstStyle/>
-          <a:p>
-            <a:r>
-              <a:rPr lang="en-US" dirty="0"/>
-              <a:t>Answer our questions</a:t>
-            </a:r>
-          </a:p>
-          <a:p>
-            <a:r>
-              <a:rPr lang="en-US" dirty="0"/>
-              <a:t>Visuals</a:t>
-            </a:r>
-          </a:p>
-        </p:txBody>
-      </p:sp>
+        </p:nvPicPr>
+        <p:blipFill>
+          <a:blip r:embed="rId3"/>
+          <a:stretch>
+            <a:fillRect/>
+          </a:stretch>
+        </p:blipFill>
+        <p:spPr>
+          <a:xfrm>
+            <a:off x="3462067" y="1858023"/>
+            <a:ext cx="5834333" cy="4436105"/>
+          </a:xfrm>
+        </p:spPr>
+      </p:pic>
     </p:spTree>
     <p:extLst>
       <p:ext uri="{BB962C8B-B14F-4D97-AF65-F5344CB8AC3E}">
-        <p14:creationId xmlns:p14="http://schemas.microsoft.com/office/powerpoint/2010/main" val="2056019474"/>
+        <p14:creationId xmlns:p14="http://schemas.microsoft.com/office/powerpoint/2010/main" val="3857231400"/>
       </p:ext>
     </p:extLst>
   </p:cSld>
@@ -7760,44 +9394,39 @@
           </a:p>
         </p:txBody>
       </p:sp>
-      <p:sp>
-        <p:nvSpPr>
-          <p:cNvPr id="3" name="Content Placeholder 2">
+      <p:pic>
+        <p:nvPicPr>
+          <p:cNvPr id="5" name="Content Placeholder 4">
             <a:extLst>
               <a:ext uri="{FF2B5EF4-FFF2-40B4-BE49-F238E27FC236}">
-                <a16:creationId xmlns:a16="http://schemas.microsoft.com/office/drawing/2014/main" id="{BB7DFF9E-BC59-5EF5-2445-B2CD2D7CAD96}"/>
+                <a16:creationId xmlns:a16="http://schemas.microsoft.com/office/drawing/2014/main" id="{39226FFA-734B-B79B-88AE-D5CE15179EE6}"/>
               </a:ext>
             </a:extLst>
           </p:cNvPr>
-          <p:cNvSpPr>
-            <a:spLocks noGrp="1"/>
-          </p:cNvSpPr>
+          <p:cNvPicPr>
+            <a:picLocks noGrp="1" noChangeAspect="1"/>
+          </p:cNvPicPr>
           <p:nvPr>
             <p:ph idx="1"/>
           </p:nvPr>
-        </p:nvSpPr>
-        <p:spPr/>
-        <p:txBody>
-          <a:bodyPr/>
-          <a:lstStyle/>
-          <a:p>
-            <a:r>
-              <a:rPr lang="en-US" dirty="0"/>
-              <a:t>Answer our questions</a:t>
-            </a:r>
-          </a:p>
-          <a:p>
-            <a:r>
-              <a:rPr lang="en-US" dirty="0"/>
-              <a:t>Visuals</a:t>
-            </a:r>
-          </a:p>
-        </p:txBody>
-      </p:sp>
+        </p:nvPicPr>
+        <p:blipFill>
+          <a:blip r:embed="rId3"/>
+          <a:stretch>
+            <a:fillRect/>
+          </a:stretch>
+        </p:blipFill>
+        <p:spPr>
+          <a:xfrm>
+            <a:off x="2248830" y="2193925"/>
+            <a:ext cx="7694340" cy="4024313"/>
+          </a:xfrm>
+        </p:spPr>
+      </p:pic>
     </p:spTree>
     <p:extLst>
       <p:ext uri="{BB962C8B-B14F-4D97-AF65-F5344CB8AC3E}">
-        <p14:creationId xmlns:p14="http://schemas.microsoft.com/office/powerpoint/2010/main" val="4167951192"/>
+        <p14:creationId xmlns:p14="http://schemas.microsoft.com/office/powerpoint/2010/main" val="2685633500"/>
       </p:ext>
     </p:extLst>
   </p:cSld>
@@ -7829,7 +9458,7 @@
           <p:cNvPr id="2" name="Title 1">
             <a:extLst>
               <a:ext uri="{FF2B5EF4-FFF2-40B4-BE49-F238E27FC236}">
-                <a16:creationId xmlns:a16="http://schemas.microsoft.com/office/drawing/2014/main" id="{A5EDC07C-1319-2626-736D-3CDCBE1DEB44}"/>
+                <a16:creationId xmlns:a16="http://schemas.microsoft.com/office/drawing/2014/main" id="{A64B7789-F00A-8854-DE77-8682FC7123ED}"/>
               </a:ext>
             </a:extLst>
           </p:cNvPr>
@@ -7840,120 +9469,51 @@
             <p:ph type="title"/>
           </p:nvPr>
         </p:nvSpPr>
-        <p:spPr>
-          <a:xfrm>
-            <a:off x="1790700" y="663024"/>
-            <a:ext cx="8610600" cy="1293028"/>
-          </a:xfrm>
-        </p:spPr>
+        <p:spPr/>
         <p:txBody>
           <a:bodyPr/>
           <a:lstStyle/>
           <a:p>
             <a:r>
               <a:rPr lang="en-US" dirty="0"/>
-              <a:t>Future Recommendations</a:t>
-            </a:r>
-          </a:p>
-        </p:txBody>
-      </p:sp>
-      <p:sp>
-        <p:nvSpPr>
-          <p:cNvPr id="3" name="Content Placeholder 2">
+              <a:t>Analysis Results</a:t>
+            </a:r>
+          </a:p>
+        </p:txBody>
+      </p:sp>
+      <p:pic>
+        <p:nvPicPr>
+          <p:cNvPr id="5" name="Content Placeholder 4">
             <a:extLst>
               <a:ext uri="{FF2B5EF4-FFF2-40B4-BE49-F238E27FC236}">
-                <a16:creationId xmlns:a16="http://schemas.microsoft.com/office/drawing/2014/main" id="{6E11E465-3751-3846-8050-877AB57A0223}"/>
+                <a16:creationId xmlns:a16="http://schemas.microsoft.com/office/drawing/2014/main" id="{C7AC6416-560B-DA09-ACEC-7FDBC885B63F}"/>
               </a:ext>
             </a:extLst>
           </p:cNvPr>
-          <p:cNvSpPr>
-            <a:spLocks noGrp="1"/>
-          </p:cNvSpPr>
+          <p:cNvPicPr>
+            <a:picLocks noGrp="1" noChangeAspect="1"/>
+          </p:cNvPicPr>
           <p:nvPr>
             <p:ph idx="1"/>
           </p:nvPr>
-        </p:nvSpPr>
-        <p:spPr/>
-        <p:txBody>
-          <a:bodyPr/>
-          <a:lstStyle/>
-          <a:p>
-            <a:r>
-              <a:rPr lang="en-US" dirty="0"/>
-              <a:t>What else could be done?</a:t>
-            </a:r>
-          </a:p>
-          <a:p>
-            <a:r>
-              <a:rPr lang="en-US" dirty="0"/>
-              <a:t>What would we have done differently?</a:t>
-            </a:r>
-          </a:p>
-          <a:p>
-            <a:endParaRPr lang="en-US" dirty="0"/>
-          </a:p>
-          <a:p>
-            <a:r>
-              <a:rPr lang="en-US" dirty="0">
-                <a:solidFill>
-                  <a:schemeClr val="tx1">
-                    <a:lumMod val="50000"/>
-                    <a:lumOff val="50000"/>
-                  </a:schemeClr>
-                </a:solidFill>
-              </a:rPr>
-              <a:t>I would have like to judged how long a flight was delayed before it was cancelled. Did people wait in the terminal?</a:t>
-            </a:r>
-          </a:p>
-          <a:p>
-            <a:endParaRPr lang="en-US" dirty="0">
-              <a:solidFill>
-                <a:schemeClr val="tx1">
-                  <a:lumMod val="50000"/>
-                  <a:lumOff val="50000"/>
-                </a:schemeClr>
-              </a:solidFill>
-            </a:endParaRPr>
-          </a:p>
-          <a:p>
-            <a:r>
-              <a:rPr lang="en-US" sz="2000" dirty="0"/>
-              <a:t>So many options to choose from on how we can analyze the data set. (Feature Adding)</a:t>
-            </a:r>
-          </a:p>
-          <a:p>
-            <a:pPr lvl="1"/>
-            <a:r>
-              <a:rPr lang="en-US" sz="1800" dirty="0"/>
-              <a:t>API’s</a:t>
-            </a:r>
-          </a:p>
-          <a:p>
-            <a:pPr lvl="1"/>
-            <a:r>
-              <a:rPr lang="en-US" sz="1800" dirty="0"/>
-              <a:t>Etc.</a:t>
-            </a:r>
-          </a:p>
-          <a:p>
-            <a:endParaRPr lang="en-US" dirty="0">
-              <a:solidFill>
-                <a:schemeClr val="tx1">
-                  <a:lumMod val="50000"/>
-                  <a:lumOff val="50000"/>
-                </a:schemeClr>
-              </a:solidFill>
-            </a:endParaRPr>
-          </a:p>
-          <a:p>
-            <a:endParaRPr lang="en-US" dirty="0"/>
-          </a:p>
-        </p:txBody>
-      </p:sp>
+        </p:nvPicPr>
+        <p:blipFill>
+          <a:blip r:embed="rId3"/>
+          <a:stretch>
+            <a:fillRect/>
+          </a:stretch>
+        </p:blipFill>
+        <p:spPr>
+          <a:xfrm>
+            <a:off x="3943049" y="2057401"/>
+            <a:ext cx="5199232" cy="4451554"/>
+          </a:xfrm>
+        </p:spPr>
+      </p:pic>
     </p:spTree>
     <p:extLst>
       <p:ext uri="{BB962C8B-B14F-4D97-AF65-F5344CB8AC3E}">
-        <p14:creationId xmlns:p14="http://schemas.microsoft.com/office/powerpoint/2010/main" val="186667986"/>
+        <p14:creationId xmlns:p14="http://schemas.microsoft.com/office/powerpoint/2010/main" val="4167951192"/>
       </p:ext>
     </p:extLst>
   </p:cSld>

--- a/Resources/Flight_Delays_and_Cancellations2.pptx
+++ b/Resources/Flight_Delays_and_Cancellations2.pptx
@@ -5,7 +5,7 @@
     <p:sldMasterId id="2147483696" r:id="rId1"/>
   </p:sldMasterIdLst>
   <p:notesMasterIdLst>
-    <p:notesMasterId r:id="rId17"/>
+    <p:notesMasterId r:id="rId18"/>
   </p:notesMasterIdLst>
   <p:sldIdLst>
     <p:sldId id="256" r:id="rId2"/>
@@ -21,8 +21,9 @@
     <p:sldId id="265" r:id="rId12"/>
     <p:sldId id="272" r:id="rId13"/>
     <p:sldId id="271" r:id="rId14"/>
-    <p:sldId id="262" r:id="rId15"/>
-    <p:sldId id="267" r:id="rId16"/>
+    <p:sldId id="273" r:id="rId15"/>
+    <p:sldId id="262" r:id="rId16"/>
+    <p:sldId id="267" r:id="rId17"/>
   </p:sldIdLst>
   <p:sldSz cx="12192000" cy="6858000"/>
   <p:notesSz cx="6858000" cy="9144000"/>
@@ -131,6 +132,38 @@
 
 <file path=ppt/changesInfos/changesInfo1.xml><?xml version="1.0" encoding="utf-8"?>
 <pc:chgInfo xmlns:a="http://schemas.openxmlformats.org/drawingml/2006/main" xmlns:r="http://schemas.openxmlformats.org/officeDocument/2006/relationships" xmlns:ac="http://schemas.microsoft.com/office/drawing/2013/main/command" xmlns:pc="http://schemas.microsoft.com/office/powerpoint/2013/main/command">
+  <pc:docChgLst>
+    <pc:chgData name="Adam warrick" userId="eb0210c3a0b99136" providerId="LiveId" clId="{0716F8B0-EAA9-4B03-873B-64A4426DA99B}"/>
+    <pc:docChg chg="custSel addSld modSld">
+      <pc:chgData name="Adam warrick" userId="eb0210c3a0b99136" providerId="LiveId" clId="{0716F8B0-EAA9-4B03-873B-64A4426DA99B}" dt="2023-02-23T03:15:14.771" v="4" actId="1076"/>
+      <pc:docMkLst>
+        <pc:docMk/>
+      </pc:docMkLst>
+      <pc:sldChg chg="addSp delSp modSp add mod">
+        <pc:chgData name="Adam warrick" userId="eb0210c3a0b99136" providerId="LiveId" clId="{0716F8B0-EAA9-4B03-873B-64A4426DA99B}" dt="2023-02-23T03:15:14.771" v="4" actId="1076"/>
+        <pc:sldMkLst>
+          <pc:docMk/>
+          <pc:sldMk cId="2644271518" sldId="273"/>
+        </pc:sldMkLst>
+        <pc:picChg chg="add mod">
+          <ac:chgData name="Adam warrick" userId="eb0210c3a0b99136" providerId="LiveId" clId="{0716F8B0-EAA9-4B03-873B-64A4426DA99B}" dt="2023-02-23T03:15:14.771" v="4" actId="1076"/>
+          <ac:picMkLst>
+            <pc:docMk/>
+            <pc:sldMk cId="2644271518" sldId="273"/>
+            <ac:picMk id="4" creationId="{C36BBFE1-E1F5-5877-2A8A-0BF3D4BFC04F}"/>
+          </ac:picMkLst>
+        </pc:picChg>
+        <pc:picChg chg="del">
+          <ac:chgData name="Adam warrick" userId="eb0210c3a0b99136" providerId="LiveId" clId="{0716F8B0-EAA9-4B03-873B-64A4426DA99B}" dt="2023-02-23T03:15:07.069" v="1" actId="478"/>
+          <ac:picMkLst>
+            <pc:docMk/>
+            <pc:sldMk cId="2644271518" sldId="273"/>
+            <ac:picMk id="7" creationId="{1319E53B-CFE0-04AC-4C94-0B4C1128E16D}"/>
+          </ac:picMkLst>
+        </pc:picChg>
+      </pc:sldChg>
+    </pc:docChg>
+  </pc:docChgLst>
   <pc:docChgLst>
     <pc:chgData name="Adam warrick" userId="eb0210c3a0b99136" providerId="LiveId" clId="{4DF4F19E-D9B8-4A6E-BB55-0048A23A996D}"/>
     <pc:docChg chg="custSel addSld modSld sldOrd">
@@ -492,7 +525,7 @@
           <a:p>
             <a:fld id="{A01BBB3D-F20A-2141-8E98-BCACD82F675E}" type="datetimeFigureOut">
               <a:rPr lang="en-US" smtClean="0"/>
-              <a:t>2/21/2023</a:t>
+              <a:t>2/22/2023</a:t>
             </a:fld>
             <a:endParaRPr lang="en-US"/>
           </a:p>
@@ -1142,10 +1175,6 @@
           <a:bodyPr/>
           <a:lstStyle/>
           <a:p>
-            <a:r>
-              <a:rPr lang="en-US" dirty="0" err="1"/>
-              <a:t>Kristirose</a:t>
-            </a:r>
             <a:endParaRPr lang="en-US" dirty="0"/>
           </a:p>
         </p:txBody>
@@ -1168,6 +1197,94 @@
             <a:fld id="{037C371F-EBCF-D949-BBB3-98CE13D43107}" type="slidenum">
               <a:rPr lang="en-US" smtClean="0"/>
               <a:t>14</a:t>
+            </a:fld>
+            <a:endParaRPr lang="en-US"/>
+          </a:p>
+        </p:txBody>
+      </p:sp>
+    </p:spTree>
+    <p:extLst>
+      <p:ext uri="{BB962C8B-B14F-4D97-AF65-F5344CB8AC3E}">
+        <p14:creationId xmlns:p14="http://schemas.microsoft.com/office/powerpoint/2010/main" val="2448135645"/>
+      </p:ext>
+    </p:extLst>
+  </p:cSld>
+  <p:clrMapOvr>
+    <a:masterClrMapping/>
+  </p:clrMapOvr>
+</p:notes>
+</file>
+
+<file path=ppt/notesSlides/notesSlide14.xml><?xml version="1.0" encoding="utf-8"?>
+<p:notes xmlns:a="http://schemas.openxmlformats.org/drawingml/2006/main" xmlns:r="http://schemas.openxmlformats.org/officeDocument/2006/relationships" xmlns:p="http://schemas.openxmlformats.org/presentationml/2006/main">
+  <p:cSld>
+    <p:spTree>
+      <p:nvGrpSpPr>
+        <p:cNvPr id="1" name=""/>
+        <p:cNvGrpSpPr/>
+        <p:nvPr/>
+      </p:nvGrpSpPr>
+      <p:grpSpPr>
+        <a:xfrm>
+          <a:off x="0" y="0"/>
+          <a:ext cx="0" cy="0"/>
+          <a:chOff x="0" y="0"/>
+          <a:chExt cx="0" cy="0"/>
+        </a:xfrm>
+      </p:grpSpPr>
+      <p:sp>
+        <p:nvSpPr>
+          <p:cNvPr id="2" name="Slide Image Placeholder 1"/>
+          <p:cNvSpPr>
+            <a:spLocks noGrp="1" noRot="1" noChangeAspect="1"/>
+          </p:cNvSpPr>
+          <p:nvPr>
+            <p:ph type="sldImg"/>
+          </p:nvPr>
+        </p:nvSpPr>
+        <p:spPr/>
+      </p:sp>
+      <p:sp>
+        <p:nvSpPr>
+          <p:cNvPr id="3" name="Notes Placeholder 2"/>
+          <p:cNvSpPr>
+            <a:spLocks noGrp="1"/>
+          </p:cNvSpPr>
+          <p:nvPr>
+            <p:ph type="body" idx="1"/>
+          </p:nvPr>
+        </p:nvSpPr>
+        <p:spPr/>
+        <p:txBody>
+          <a:bodyPr/>
+          <a:lstStyle/>
+          <a:p>
+            <a:r>
+              <a:rPr lang="en-US" dirty="0" err="1"/>
+              <a:t>Kristirose</a:t>
+            </a:r>
+            <a:endParaRPr lang="en-US" dirty="0"/>
+          </a:p>
+        </p:txBody>
+      </p:sp>
+      <p:sp>
+        <p:nvSpPr>
+          <p:cNvPr id="4" name="Slide Number Placeholder 3"/>
+          <p:cNvSpPr>
+            <a:spLocks noGrp="1"/>
+          </p:cNvSpPr>
+          <p:nvPr>
+            <p:ph type="sldNum" sz="quarter" idx="5"/>
+          </p:nvPr>
+        </p:nvSpPr>
+        <p:spPr/>
+        <p:txBody>
+          <a:bodyPr/>
+          <a:lstStyle/>
+          <a:p>
+            <a:fld id="{037C371F-EBCF-D949-BBB3-98CE13D43107}" type="slidenum">
+              <a:rPr lang="en-US" smtClean="0"/>
+              <a:t>15</a:t>
             </a:fld>
             <a:endParaRPr lang="en-US"/>
           </a:p>
@@ -2037,7 +2154,7 @@
           <a:p>
             <a:fld id="{5FFA8667-8DAA-9640-8958-6F7951C78AED}" type="datetimeFigureOut">
               <a:rPr lang="en-US" smtClean="0"/>
-              <a:t>2/21/2023</a:t>
+              <a:t>2/22/2023</a:t>
             </a:fld>
             <a:endParaRPr lang="en-US"/>
           </a:p>
@@ -2304,7 +2421,7 @@
           <a:p>
             <a:fld id="{5FFA8667-8DAA-9640-8958-6F7951C78AED}" type="datetimeFigureOut">
               <a:rPr lang="en-US" smtClean="0"/>
-              <a:t>2/21/2023</a:t>
+              <a:t>2/22/2023</a:t>
             </a:fld>
             <a:endParaRPr lang="en-US"/>
           </a:p>
@@ -2535,7 +2652,7 @@
           <a:p>
             <a:fld id="{5FFA8667-8DAA-9640-8958-6F7951C78AED}" type="datetimeFigureOut">
               <a:rPr lang="en-US" smtClean="0"/>
-              <a:t>2/21/2023</a:t>
+              <a:t>2/22/2023</a:t>
             </a:fld>
             <a:endParaRPr lang="en-US"/>
           </a:p>
@@ -2845,7 +2962,7 @@
           <a:p>
             <a:fld id="{5FFA8667-8DAA-9640-8958-6F7951C78AED}" type="datetimeFigureOut">
               <a:rPr lang="en-US" smtClean="0"/>
-              <a:t>2/21/2023</a:t>
+              <a:t>2/22/2023</a:t>
             </a:fld>
             <a:endParaRPr lang="en-US"/>
           </a:p>
@@ -3318,7 +3435,7 @@
           <a:p>
             <a:fld id="{5FFA8667-8DAA-9640-8958-6F7951C78AED}" type="datetimeFigureOut">
               <a:rPr lang="en-US" smtClean="0"/>
-              <a:t>2/21/2023</a:t>
+              <a:t>2/22/2023</a:t>
             </a:fld>
             <a:endParaRPr lang="en-US"/>
           </a:p>
@@ -3865,7 +3982,7 @@
           <a:p>
             <a:fld id="{5FFA8667-8DAA-9640-8958-6F7951C78AED}" type="datetimeFigureOut">
               <a:rPr lang="en-US" smtClean="0"/>
-              <a:t>2/21/2023</a:t>
+              <a:t>2/22/2023</a:t>
             </a:fld>
             <a:endParaRPr lang="en-US"/>
           </a:p>
@@ -4639,7 +4756,7 @@
           <a:p>
             <a:fld id="{5FFA8667-8DAA-9640-8958-6F7951C78AED}" type="datetimeFigureOut">
               <a:rPr lang="en-US" smtClean="0"/>
-              <a:t>2/21/2023</a:t>
+              <a:t>2/22/2023</a:t>
             </a:fld>
             <a:endParaRPr lang="en-US"/>
           </a:p>
@@ -4814,7 +4931,7 @@
           <a:p>
             <a:fld id="{5FFA8667-8DAA-9640-8958-6F7951C78AED}" type="datetimeFigureOut">
               <a:rPr lang="en-US" smtClean="0"/>
-              <a:t>2/21/2023</a:t>
+              <a:t>2/22/2023</a:t>
             </a:fld>
             <a:endParaRPr lang="en-US"/>
           </a:p>
@@ -5037,7 +5154,7 @@
           <a:p>
             <a:fld id="{5FFA8667-8DAA-9640-8958-6F7951C78AED}" type="datetimeFigureOut">
               <a:rPr lang="en-US" smtClean="0"/>
-              <a:t>2/21/2023</a:t>
+              <a:t>2/22/2023</a:t>
             </a:fld>
             <a:endParaRPr lang="en-US"/>
           </a:p>
@@ -5217,7 +5334,7 @@
           <a:p>
             <a:fld id="{5FFA8667-8DAA-9640-8958-6F7951C78AED}" type="datetimeFigureOut">
               <a:rPr lang="en-US" smtClean="0"/>
-              <a:t>2/21/2023</a:t>
+              <a:t>2/22/2023</a:t>
             </a:fld>
             <a:endParaRPr lang="en-US"/>
           </a:p>
@@ -5506,7 +5623,7 @@
           <a:p>
             <a:fld id="{5FFA8667-8DAA-9640-8958-6F7951C78AED}" type="datetimeFigureOut">
               <a:rPr lang="en-US" smtClean="0"/>
-              <a:t>2/21/2023</a:t>
+              <a:t>2/22/2023</a:t>
             </a:fld>
             <a:endParaRPr lang="en-US"/>
           </a:p>
@@ -5748,7 +5865,7 @@
           <a:p>
             <a:fld id="{5FFA8667-8DAA-9640-8958-6F7951C78AED}" type="datetimeFigureOut">
               <a:rPr lang="en-US" smtClean="0"/>
-              <a:t>2/21/2023</a:t>
+              <a:t>2/22/2023</a:t>
             </a:fld>
             <a:endParaRPr lang="en-US"/>
           </a:p>
@@ -6127,7 +6244,7 @@
           <a:p>
             <a:fld id="{5FFA8667-8DAA-9640-8958-6F7951C78AED}" type="datetimeFigureOut">
               <a:rPr lang="en-US" smtClean="0"/>
-              <a:t>2/21/2023</a:t>
+              <a:t>2/22/2023</a:t>
             </a:fld>
             <a:endParaRPr lang="en-US"/>
           </a:p>
@@ -6245,7 +6362,7 @@
           <a:p>
             <a:fld id="{5FFA8667-8DAA-9640-8958-6F7951C78AED}" type="datetimeFigureOut">
               <a:rPr lang="en-US" smtClean="0"/>
-              <a:t>2/21/2023</a:t>
+              <a:t>2/22/2023</a:t>
             </a:fld>
             <a:endParaRPr lang="en-US"/>
           </a:p>
@@ -6340,7 +6457,7 @@
           <a:p>
             <a:fld id="{5FFA8667-8DAA-9640-8958-6F7951C78AED}" type="datetimeFigureOut">
               <a:rPr lang="en-US" smtClean="0"/>
-              <a:t>2/21/2023</a:t>
+              <a:t>2/22/2023</a:t>
             </a:fld>
             <a:endParaRPr lang="en-US"/>
           </a:p>
@@ -6589,7 +6706,7 @@
           <a:p>
             <a:fld id="{5FFA8667-8DAA-9640-8958-6F7951C78AED}" type="datetimeFigureOut">
               <a:rPr lang="en-US" smtClean="0"/>
-              <a:t>2/21/2023</a:t>
+              <a:t>2/22/2023</a:t>
             </a:fld>
             <a:endParaRPr lang="en-US"/>
           </a:p>
@@ -6846,7 +6963,7 @@
           <a:p>
             <a:fld id="{5FFA8667-8DAA-9640-8958-6F7951C78AED}" type="datetimeFigureOut">
               <a:rPr lang="en-US" smtClean="0"/>
-              <a:t>2/21/2023</a:t>
+              <a:t>2/22/2023</a:t>
             </a:fld>
             <a:endParaRPr lang="en-US"/>
           </a:p>
@@ -7089,7 +7206,7 @@
           <a:p>
             <a:fld id="{5FFA8667-8DAA-9640-8958-6F7951C78AED}" type="datetimeFigureOut">
               <a:rPr lang="en-US" smtClean="0"/>
-              <a:t>2/21/2023</a:t>
+              <a:t>2/22/2023</a:t>
             </a:fld>
             <a:endParaRPr lang="en-US"/>
           </a:p>
@@ -8041,6 +8158,94 @@
           <p:cNvPr id="2" name="Title 1">
             <a:extLst>
               <a:ext uri="{FF2B5EF4-FFF2-40B4-BE49-F238E27FC236}">
+                <a16:creationId xmlns:a16="http://schemas.microsoft.com/office/drawing/2014/main" id="{A64B7789-F00A-8854-DE77-8682FC7123ED}"/>
+              </a:ext>
+            </a:extLst>
+          </p:cNvPr>
+          <p:cNvSpPr>
+            <a:spLocks noGrp="1"/>
+          </p:cNvSpPr>
+          <p:nvPr>
+            <p:ph type="title"/>
+          </p:nvPr>
+        </p:nvSpPr>
+        <p:spPr/>
+        <p:txBody>
+          <a:bodyPr/>
+          <a:lstStyle/>
+          <a:p>
+            <a:r>
+              <a:rPr lang="en-US" dirty="0"/>
+              <a:t>Analysis Results</a:t>
+            </a:r>
+          </a:p>
+        </p:txBody>
+      </p:sp>
+      <p:pic>
+        <p:nvPicPr>
+          <p:cNvPr id="4" name="Picture 3">
+            <a:extLst>
+              <a:ext uri="{FF2B5EF4-FFF2-40B4-BE49-F238E27FC236}">
+                <a16:creationId xmlns:a16="http://schemas.microsoft.com/office/drawing/2014/main" id="{C36BBFE1-E1F5-5877-2A8A-0BF3D4BFC04F}"/>
+              </a:ext>
+            </a:extLst>
+          </p:cNvPr>
+          <p:cNvPicPr>
+            <a:picLocks noChangeAspect="1"/>
+          </p:cNvPicPr>
+          <p:nvPr/>
+        </p:nvPicPr>
+        <p:blipFill>
+          <a:blip r:embed="rId3"/>
+          <a:stretch>
+            <a:fillRect/>
+          </a:stretch>
+        </p:blipFill>
+        <p:spPr>
+          <a:xfrm>
+            <a:off x="1449248" y="1687039"/>
+            <a:ext cx="9293503" cy="4871077"/>
+          </a:xfrm>
+          <a:prstGeom prst="rect">
+            <a:avLst/>
+          </a:prstGeom>
+        </p:spPr>
+      </p:pic>
+    </p:spTree>
+    <p:extLst>
+      <p:ext uri="{BB962C8B-B14F-4D97-AF65-F5344CB8AC3E}">
+        <p14:creationId xmlns:p14="http://schemas.microsoft.com/office/powerpoint/2010/main" val="2644271518"/>
+      </p:ext>
+    </p:extLst>
+  </p:cSld>
+  <p:clrMapOvr>
+    <a:masterClrMapping/>
+  </p:clrMapOvr>
+</p:sld>
+</file>
+
+<file path=ppt/slides/slide15.xml><?xml version="1.0" encoding="utf-8"?>
+<p:sld xmlns:a="http://schemas.openxmlformats.org/drawingml/2006/main" xmlns:r="http://schemas.openxmlformats.org/officeDocument/2006/relationships" xmlns:p="http://schemas.openxmlformats.org/presentationml/2006/main">
+  <p:cSld>
+    <p:spTree>
+      <p:nvGrpSpPr>
+        <p:cNvPr id="1" name=""/>
+        <p:cNvGrpSpPr/>
+        <p:nvPr/>
+      </p:nvGrpSpPr>
+      <p:grpSpPr>
+        <a:xfrm>
+          <a:off x="0" y="0"/>
+          <a:ext cx="0" cy="0"/>
+          <a:chOff x="0" y="0"/>
+          <a:chExt cx="0" cy="0"/>
+        </a:xfrm>
+      </p:grpSpPr>
+      <p:sp>
+        <p:nvSpPr>
+          <p:cNvPr id="2" name="Title 1">
+            <a:extLst>
+              <a:ext uri="{FF2B5EF4-FFF2-40B4-BE49-F238E27FC236}">
                 <a16:creationId xmlns:a16="http://schemas.microsoft.com/office/drawing/2014/main" id="{A5EDC07C-1319-2626-736D-3CDCBE1DEB44}"/>
               </a:ext>
             </a:extLst>
@@ -8162,7 +8367,7 @@
 </p:sld>
 </file>
 
-<file path=ppt/slides/slide15.xml><?xml version="1.0" encoding="utf-8"?>
+<file path=ppt/slides/slide16.xml><?xml version="1.0" encoding="utf-8"?>
 <p:sld xmlns:a="http://schemas.openxmlformats.org/drawingml/2006/main" xmlns:r="http://schemas.openxmlformats.org/officeDocument/2006/relationships" xmlns:p="http://schemas.openxmlformats.org/presentationml/2006/main">
   <p:cSld>
     <p:bg>

--- a/Resources/Flight_Delays_and_Cancellations2.pptx
+++ b/Resources/Flight_Delays_and_Cancellations2.pptx
@@ -5,7 +5,7 @@
     <p:sldMasterId id="2147483696" r:id="rId1"/>
   </p:sldMasterIdLst>
   <p:notesMasterIdLst>
-    <p:notesMasterId r:id="rId18"/>
+    <p:notesMasterId r:id="rId19"/>
   </p:notesMasterIdLst>
   <p:sldIdLst>
     <p:sldId id="256" r:id="rId2"/>
@@ -13,17 +13,18 @@
     <p:sldId id="258" r:id="rId4"/>
     <p:sldId id="257" r:id="rId5"/>
     <p:sldId id="259" r:id="rId6"/>
-    <p:sldId id="270" r:id="rId7"/>
-    <p:sldId id="261" r:id="rId8"/>
-    <p:sldId id="269" r:id="rId9"/>
-    <p:sldId id="266" r:id="rId10"/>
-    <p:sldId id="268" r:id="rId11"/>
-    <p:sldId id="265" r:id="rId12"/>
-    <p:sldId id="272" r:id="rId13"/>
-    <p:sldId id="271" r:id="rId14"/>
-    <p:sldId id="273" r:id="rId15"/>
-    <p:sldId id="262" r:id="rId16"/>
-    <p:sldId id="267" r:id="rId17"/>
+    <p:sldId id="274" r:id="rId7"/>
+    <p:sldId id="270" r:id="rId8"/>
+    <p:sldId id="261" r:id="rId9"/>
+    <p:sldId id="269" r:id="rId10"/>
+    <p:sldId id="266" r:id="rId11"/>
+    <p:sldId id="268" r:id="rId12"/>
+    <p:sldId id="265" r:id="rId13"/>
+    <p:sldId id="272" r:id="rId14"/>
+    <p:sldId id="271" r:id="rId15"/>
+    <p:sldId id="273" r:id="rId16"/>
+    <p:sldId id="262" r:id="rId17"/>
+    <p:sldId id="267" r:id="rId18"/>
   </p:sldIdLst>
   <p:sldSz cx="12192000" cy="6858000"/>
   <p:notesSz cx="6858000" cy="9144000"/>
@@ -953,7 +954,7 @@
     </p:spTree>
     <p:extLst>
       <p:ext uri="{BB962C8B-B14F-4D97-AF65-F5344CB8AC3E}">
-        <p14:creationId xmlns:p14="http://schemas.microsoft.com/office/powerpoint/2010/main" val="817728662"/>
+        <p14:creationId xmlns:p14="http://schemas.microsoft.com/office/powerpoint/2010/main" val="3864232312"/>
       </p:ext>
     </p:extLst>
   </p:cSld>
@@ -1037,7 +1038,7 @@
     </p:spTree>
     <p:extLst>
       <p:ext uri="{BB962C8B-B14F-4D97-AF65-F5344CB8AC3E}">
-        <p14:creationId xmlns:p14="http://schemas.microsoft.com/office/powerpoint/2010/main" val="3310073676"/>
+        <p14:creationId xmlns:p14="http://schemas.microsoft.com/office/powerpoint/2010/main" val="817728662"/>
       </p:ext>
     </p:extLst>
   </p:cSld>
@@ -1121,7 +1122,7 @@
     </p:spTree>
     <p:extLst>
       <p:ext uri="{BB962C8B-B14F-4D97-AF65-F5344CB8AC3E}">
-        <p14:creationId xmlns:p14="http://schemas.microsoft.com/office/powerpoint/2010/main" val="1788478694"/>
+        <p14:creationId xmlns:p14="http://schemas.microsoft.com/office/powerpoint/2010/main" val="3310073676"/>
       </p:ext>
     </p:extLst>
   </p:cSld>
@@ -1205,7 +1206,7 @@
     </p:spTree>
     <p:extLst>
       <p:ext uri="{BB962C8B-B14F-4D97-AF65-F5344CB8AC3E}">
-        <p14:creationId xmlns:p14="http://schemas.microsoft.com/office/powerpoint/2010/main" val="2448135645"/>
+        <p14:creationId xmlns:p14="http://schemas.microsoft.com/office/powerpoint/2010/main" val="1788478694"/>
       </p:ext>
     </p:extLst>
   </p:cSld>
@@ -1259,10 +1260,6 @@
           <a:bodyPr/>
           <a:lstStyle/>
           <a:p>
-            <a:r>
-              <a:rPr lang="en-US" dirty="0" err="1"/>
-              <a:t>Kristirose</a:t>
-            </a:r>
             <a:endParaRPr lang="en-US" dirty="0"/>
           </a:p>
         </p:txBody>
@@ -1285,6 +1282,94 @@
             <a:fld id="{037C371F-EBCF-D949-BBB3-98CE13D43107}" type="slidenum">
               <a:rPr lang="en-US" smtClean="0"/>
               <a:t>15</a:t>
+            </a:fld>
+            <a:endParaRPr lang="en-US"/>
+          </a:p>
+        </p:txBody>
+      </p:sp>
+    </p:spTree>
+    <p:extLst>
+      <p:ext uri="{BB962C8B-B14F-4D97-AF65-F5344CB8AC3E}">
+        <p14:creationId xmlns:p14="http://schemas.microsoft.com/office/powerpoint/2010/main" val="2448135645"/>
+      </p:ext>
+    </p:extLst>
+  </p:cSld>
+  <p:clrMapOvr>
+    <a:masterClrMapping/>
+  </p:clrMapOvr>
+</p:notes>
+</file>
+
+<file path=ppt/notesSlides/notesSlide15.xml><?xml version="1.0" encoding="utf-8"?>
+<p:notes xmlns:a="http://schemas.openxmlformats.org/drawingml/2006/main" xmlns:r="http://schemas.openxmlformats.org/officeDocument/2006/relationships" xmlns:p="http://schemas.openxmlformats.org/presentationml/2006/main">
+  <p:cSld>
+    <p:spTree>
+      <p:nvGrpSpPr>
+        <p:cNvPr id="1" name=""/>
+        <p:cNvGrpSpPr/>
+        <p:nvPr/>
+      </p:nvGrpSpPr>
+      <p:grpSpPr>
+        <a:xfrm>
+          <a:off x="0" y="0"/>
+          <a:ext cx="0" cy="0"/>
+          <a:chOff x="0" y="0"/>
+          <a:chExt cx="0" cy="0"/>
+        </a:xfrm>
+      </p:grpSpPr>
+      <p:sp>
+        <p:nvSpPr>
+          <p:cNvPr id="2" name="Slide Image Placeholder 1"/>
+          <p:cNvSpPr>
+            <a:spLocks noGrp="1" noRot="1" noChangeAspect="1"/>
+          </p:cNvSpPr>
+          <p:nvPr>
+            <p:ph type="sldImg"/>
+          </p:nvPr>
+        </p:nvSpPr>
+        <p:spPr/>
+      </p:sp>
+      <p:sp>
+        <p:nvSpPr>
+          <p:cNvPr id="3" name="Notes Placeholder 2"/>
+          <p:cNvSpPr>
+            <a:spLocks noGrp="1"/>
+          </p:cNvSpPr>
+          <p:nvPr>
+            <p:ph type="body" idx="1"/>
+          </p:nvPr>
+        </p:nvSpPr>
+        <p:spPr/>
+        <p:txBody>
+          <a:bodyPr/>
+          <a:lstStyle/>
+          <a:p>
+            <a:r>
+              <a:rPr lang="en-US" dirty="0" err="1"/>
+              <a:t>Kristirose</a:t>
+            </a:r>
+            <a:endParaRPr lang="en-US" dirty="0"/>
+          </a:p>
+        </p:txBody>
+      </p:sp>
+      <p:sp>
+        <p:nvSpPr>
+          <p:cNvPr id="4" name="Slide Number Placeholder 3"/>
+          <p:cNvSpPr>
+            <a:spLocks noGrp="1"/>
+          </p:cNvSpPr>
+          <p:nvPr>
+            <p:ph type="sldNum" sz="quarter" idx="5"/>
+          </p:nvPr>
+        </p:nvSpPr>
+        <p:spPr/>
+        <p:txBody>
+          <a:bodyPr/>
+          <a:lstStyle/>
+          <a:p>
+            <a:fld id="{037C371F-EBCF-D949-BBB3-98CE13D43107}" type="slidenum">
+              <a:rPr lang="en-US" smtClean="0"/>
+              <a:t>16</a:t>
             </a:fld>
             <a:endParaRPr lang="en-US"/>
           </a:p>
@@ -1608,6 +1693,10 @@
           <a:bodyPr/>
           <a:lstStyle/>
           <a:p>
+            <a:r>
+              <a:rPr lang="en-US" dirty="0" err="1"/>
+              <a:t>Kristirose</a:t>
+            </a:r>
             <a:endParaRPr lang="en-US" dirty="0"/>
           </a:p>
         </p:txBody>
@@ -1638,7 +1727,7 @@
     </p:spTree>
     <p:extLst>
       <p:ext uri="{BB962C8B-B14F-4D97-AF65-F5344CB8AC3E}">
-        <p14:creationId xmlns:p14="http://schemas.microsoft.com/office/powerpoint/2010/main" val="2459680910"/>
+        <p14:creationId xmlns:p14="http://schemas.microsoft.com/office/powerpoint/2010/main" val="2820523507"/>
       </p:ext>
     </p:extLst>
   </p:cSld>
@@ -1722,7 +1811,7 @@
     </p:spTree>
     <p:extLst>
       <p:ext uri="{BB962C8B-B14F-4D97-AF65-F5344CB8AC3E}">
-        <p14:creationId xmlns:p14="http://schemas.microsoft.com/office/powerpoint/2010/main" val="3402163776"/>
+        <p14:creationId xmlns:p14="http://schemas.microsoft.com/office/powerpoint/2010/main" val="2459680910"/>
       </p:ext>
     </p:extLst>
   </p:cSld>
@@ -1806,7 +1895,7 @@
     </p:spTree>
     <p:extLst>
       <p:ext uri="{BB962C8B-B14F-4D97-AF65-F5344CB8AC3E}">
-        <p14:creationId xmlns:p14="http://schemas.microsoft.com/office/powerpoint/2010/main" val="225399672"/>
+        <p14:creationId xmlns:p14="http://schemas.microsoft.com/office/powerpoint/2010/main" val="3402163776"/>
       </p:ext>
     </p:extLst>
   </p:cSld>
@@ -1890,7 +1979,7 @@
     </p:spTree>
     <p:extLst>
       <p:ext uri="{BB962C8B-B14F-4D97-AF65-F5344CB8AC3E}">
-        <p14:creationId xmlns:p14="http://schemas.microsoft.com/office/powerpoint/2010/main" val="2292152758"/>
+        <p14:creationId xmlns:p14="http://schemas.microsoft.com/office/powerpoint/2010/main" val="225399672"/>
       </p:ext>
     </p:extLst>
   </p:cSld>
@@ -1974,7 +2063,7 @@
     </p:spTree>
     <p:extLst>
       <p:ext uri="{BB962C8B-B14F-4D97-AF65-F5344CB8AC3E}">
-        <p14:creationId xmlns:p14="http://schemas.microsoft.com/office/powerpoint/2010/main" val="3864232312"/>
+        <p14:creationId xmlns:p14="http://schemas.microsoft.com/office/powerpoint/2010/main" val="2292152758"/>
       </p:ext>
     </p:extLst>
   </p:cSld>
@@ -7836,7 +7925,7 @@
           <p:cNvPr id="5" name="Content Placeholder 4">
             <a:extLst>
               <a:ext uri="{FF2B5EF4-FFF2-40B4-BE49-F238E27FC236}">
-                <a16:creationId xmlns:a16="http://schemas.microsoft.com/office/drawing/2014/main" id="{CED724CA-DE09-96BD-28EC-0C9387E832FA}"/>
+                <a16:creationId xmlns:a16="http://schemas.microsoft.com/office/drawing/2014/main" id="{C7AC6416-560B-DA09-ACEC-7FDBC885B63F}"/>
               </a:ext>
             </a:extLst>
           </p:cNvPr>
@@ -7855,15 +7944,15 @@
         </p:blipFill>
         <p:spPr>
           <a:xfrm>
-            <a:off x="2477729" y="1656343"/>
-            <a:ext cx="7397401" cy="4933407"/>
+            <a:off x="3943049" y="2057401"/>
+            <a:ext cx="5199232" cy="4451554"/>
           </a:xfrm>
         </p:spPr>
       </p:pic>
     </p:spTree>
     <p:extLst>
       <p:ext uri="{BB962C8B-B14F-4D97-AF65-F5344CB8AC3E}">
-        <p14:creationId xmlns:p14="http://schemas.microsoft.com/office/powerpoint/2010/main" val="2384348206"/>
+        <p14:creationId xmlns:p14="http://schemas.microsoft.com/office/powerpoint/2010/main" val="4167951192"/>
       </p:ext>
     </p:extLst>
   </p:cSld>
@@ -7923,7 +8012,7 @@
           <p:cNvPr id="5" name="Content Placeholder 4">
             <a:extLst>
               <a:ext uri="{FF2B5EF4-FFF2-40B4-BE49-F238E27FC236}">
-                <a16:creationId xmlns:a16="http://schemas.microsoft.com/office/drawing/2014/main" id="{F901B8BE-114A-C4FD-230D-181DBF20647B}"/>
+                <a16:creationId xmlns:a16="http://schemas.microsoft.com/office/drawing/2014/main" id="{CED724CA-DE09-96BD-28EC-0C9387E832FA}"/>
               </a:ext>
             </a:extLst>
           </p:cNvPr>
@@ -7942,15 +8031,15 @@
         </p:blipFill>
         <p:spPr>
           <a:xfrm>
-            <a:off x="4758813" y="1661712"/>
-            <a:ext cx="2509733" cy="4775465"/>
+            <a:off x="2477729" y="1656343"/>
+            <a:ext cx="7397401" cy="4933407"/>
           </a:xfrm>
         </p:spPr>
       </p:pic>
     </p:spTree>
     <p:extLst>
       <p:ext uri="{BB962C8B-B14F-4D97-AF65-F5344CB8AC3E}">
-        <p14:creationId xmlns:p14="http://schemas.microsoft.com/office/powerpoint/2010/main" val="2056019474"/>
+        <p14:creationId xmlns:p14="http://schemas.microsoft.com/office/powerpoint/2010/main" val="2384348206"/>
       </p:ext>
     </p:extLst>
   </p:cSld>
@@ -8007,17 +8096,19 @@
       </p:sp>
       <p:pic>
         <p:nvPicPr>
-          <p:cNvPr id="7" name="Picture 6">
+          <p:cNvPr id="5" name="Content Placeholder 4">
             <a:extLst>
               <a:ext uri="{FF2B5EF4-FFF2-40B4-BE49-F238E27FC236}">
-                <a16:creationId xmlns:a16="http://schemas.microsoft.com/office/drawing/2014/main" id="{F33247EF-9F08-955A-4D0C-432938FC3C4D}"/>
+                <a16:creationId xmlns:a16="http://schemas.microsoft.com/office/drawing/2014/main" id="{F901B8BE-114A-C4FD-230D-181DBF20647B}"/>
               </a:ext>
             </a:extLst>
           </p:cNvPr>
           <p:cNvPicPr>
-            <a:picLocks noChangeAspect="1"/>
+            <a:picLocks noGrp="1" noChangeAspect="1"/>
           </p:cNvPicPr>
-          <p:nvPr/>
+          <p:nvPr>
+            <p:ph idx="1"/>
+          </p:nvPr>
         </p:nvPicPr>
         <p:blipFill>
           <a:blip r:embed="rId3"/>
@@ -8027,18 +8118,15 @@
         </p:blipFill>
         <p:spPr>
           <a:xfrm>
-            <a:off x="1182229" y="2057401"/>
-            <a:ext cx="10323971" cy="3786040"/>
-          </a:xfrm>
-          <a:prstGeom prst="rect">
-            <a:avLst/>
-          </a:prstGeom>
+            <a:off x="4758813" y="1661712"/>
+            <a:ext cx="2509733" cy="4775465"/>
+          </a:xfrm>
         </p:spPr>
       </p:pic>
     </p:spTree>
     <p:extLst>
       <p:ext uri="{BB962C8B-B14F-4D97-AF65-F5344CB8AC3E}">
-        <p14:creationId xmlns:p14="http://schemas.microsoft.com/office/powerpoint/2010/main" val="387627017"/>
+        <p14:creationId xmlns:p14="http://schemas.microsoft.com/office/powerpoint/2010/main" val="2056019474"/>
       </p:ext>
     </p:extLst>
   </p:cSld>
@@ -8098,7 +8186,7 @@
           <p:cNvPr id="7" name="Picture 6">
             <a:extLst>
               <a:ext uri="{FF2B5EF4-FFF2-40B4-BE49-F238E27FC236}">
-                <a16:creationId xmlns:a16="http://schemas.microsoft.com/office/drawing/2014/main" id="{1319E53B-CFE0-04AC-4C94-0B4C1128E16D}"/>
+                <a16:creationId xmlns:a16="http://schemas.microsoft.com/office/drawing/2014/main" id="{F33247EF-9F08-955A-4D0C-432938FC3C4D}"/>
               </a:ext>
             </a:extLst>
           </p:cNvPr>
@@ -8115,8 +8203,8 @@
         </p:blipFill>
         <p:spPr>
           <a:xfrm>
-            <a:off x="1158744" y="2498812"/>
-            <a:ext cx="9161523" cy="3267506"/>
+            <a:off x="1182229" y="2057401"/>
+            <a:ext cx="10323971" cy="3786040"/>
           </a:xfrm>
           <a:prstGeom prst="rect">
             <a:avLst/>
@@ -8126,7 +8214,7 @@
     </p:spTree>
     <p:extLst>
       <p:ext uri="{BB962C8B-B14F-4D97-AF65-F5344CB8AC3E}">
-        <p14:creationId xmlns:p14="http://schemas.microsoft.com/office/powerpoint/2010/main" val="3054974943"/>
+        <p14:creationId xmlns:p14="http://schemas.microsoft.com/office/powerpoint/2010/main" val="387627017"/>
       </p:ext>
     </p:extLst>
   </p:cSld>
@@ -8183,10 +8271,10 @@
       </p:sp>
       <p:pic>
         <p:nvPicPr>
-          <p:cNvPr id="4" name="Picture 3">
+          <p:cNvPr id="7" name="Picture 6">
             <a:extLst>
               <a:ext uri="{FF2B5EF4-FFF2-40B4-BE49-F238E27FC236}">
-                <a16:creationId xmlns:a16="http://schemas.microsoft.com/office/drawing/2014/main" id="{C36BBFE1-E1F5-5877-2A8A-0BF3D4BFC04F}"/>
+                <a16:creationId xmlns:a16="http://schemas.microsoft.com/office/drawing/2014/main" id="{1319E53B-CFE0-04AC-4C94-0B4C1128E16D}"/>
               </a:ext>
             </a:extLst>
           </p:cNvPr>
@@ -8203,8 +8291,8 @@
         </p:blipFill>
         <p:spPr>
           <a:xfrm>
-            <a:off x="1449248" y="1687039"/>
-            <a:ext cx="9293503" cy="4871077"/>
+            <a:off x="1158744" y="2498812"/>
+            <a:ext cx="9161523" cy="3267506"/>
           </a:xfrm>
           <a:prstGeom prst="rect">
             <a:avLst/>
@@ -8214,7 +8302,7 @@
     </p:spTree>
     <p:extLst>
       <p:ext uri="{BB962C8B-B14F-4D97-AF65-F5344CB8AC3E}">
-        <p14:creationId xmlns:p14="http://schemas.microsoft.com/office/powerpoint/2010/main" val="2644271518"/>
+        <p14:creationId xmlns:p14="http://schemas.microsoft.com/office/powerpoint/2010/main" val="3054974943"/>
       </p:ext>
     </p:extLst>
   </p:cSld>
@@ -8246,6 +8334,94 @@
           <p:cNvPr id="2" name="Title 1">
             <a:extLst>
               <a:ext uri="{FF2B5EF4-FFF2-40B4-BE49-F238E27FC236}">
+                <a16:creationId xmlns:a16="http://schemas.microsoft.com/office/drawing/2014/main" id="{A64B7789-F00A-8854-DE77-8682FC7123ED}"/>
+              </a:ext>
+            </a:extLst>
+          </p:cNvPr>
+          <p:cNvSpPr>
+            <a:spLocks noGrp="1"/>
+          </p:cNvSpPr>
+          <p:nvPr>
+            <p:ph type="title"/>
+          </p:nvPr>
+        </p:nvSpPr>
+        <p:spPr/>
+        <p:txBody>
+          <a:bodyPr/>
+          <a:lstStyle/>
+          <a:p>
+            <a:r>
+              <a:rPr lang="en-US" dirty="0"/>
+              <a:t>Analysis Results</a:t>
+            </a:r>
+          </a:p>
+        </p:txBody>
+      </p:sp>
+      <p:pic>
+        <p:nvPicPr>
+          <p:cNvPr id="4" name="Picture 3">
+            <a:extLst>
+              <a:ext uri="{FF2B5EF4-FFF2-40B4-BE49-F238E27FC236}">
+                <a16:creationId xmlns:a16="http://schemas.microsoft.com/office/drawing/2014/main" id="{C36BBFE1-E1F5-5877-2A8A-0BF3D4BFC04F}"/>
+              </a:ext>
+            </a:extLst>
+          </p:cNvPr>
+          <p:cNvPicPr>
+            <a:picLocks noChangeAspect="1"/>
+          </p:cNvPicPr>
+          <p:nvPr/>
+        </p:nvPicPr>
+        <p:blipFill>
+          <a:blip r:embed="rId3"/>
+          <a:stretch>
+            <a:fillRect/>
+          </a:stretch>
+        </p:blipFill>
+        <p:spPr>
+          <a:xfrm>
+            <a:off x="1449248" y="1687039"/>
+            <a:ext cx="9293503" cy="4871077"/>
+          </a:xfrm>
+          <a:prstGeom prst="rect">
+            <a:avLst/>
+          </a:prstGeom>
+        </p:spPr>
+      </p:pic>
+    </p:spTree>
+    <p:extLst>
+      <p:ext uri="{BB962C8B-B14F-4D97-AF65-F5344CB8AC3E}">
+        <p14:creationId xmlns:p14="http://schemas.microsoft.com/office/powerpoint/2010/main" val="2644271518"/>
+      </p:ext>
+    </p:extLst>
+  </p:cSld>
+  <p:clrMapOvr>
+    <a:masterClrMapping/>
+  </p:clrMapOvr>
+</p:sld>
+</file>
+
+<file path=ppt/slides/slide16.xml><?xml version="1.0" encoding="utf-8"?>
+<p:sld xmlns:a="http://schemas.openxmlformats.org/drawingml/2006/main" xmlns:r="http://schemas.openxmlformats.org/officeDocument/2006/relationships" xmlns:p="http://schemas.openxmlformats.org/presentationml/2006/main">
+  <p:cSld>
+    <p:spTree>
+      <p:nvGrpSpPr>
+        <p:cNvPr id="1" name=""/>
+        <p:cNvGrpSpPr/>
+        <p:nvPr/>
+      </p:nvGrpSpPr>
+      <p:grpSpPr>
+        <a:xfrm>
+          <a:off x="0" y="0"/>
+          <a:ext cx="0" cy="0"/>
+          <a:chOff x="0" y="0"/>
+          <a:chExt cx="0" cy="0"/>
+        </a:xfrm>
+      </p:grpSpPr>
+      <p:sp>
+        <p:nvSpPr>
+          <p:cNvPr id="2" name="Title 1">
+            <a:extLst>
+              <a:ext uri="{FF2B5EF4-FFF2-40B4-BE49-F238E27FC236}">
                 <a16:creationId xmlns:a16="http://schemas.microsoft.com/office/drawing/2014/main" id="{A5EDC07C-1319-2626-736D-3CDCBE1DEB44}"/>
               </a:ext>
             </a:extLst>
@@ -8367,7 +8543,7 @@
 </p:sld>
 </file>
 
-<file path=ppt/slides/slide16.xml><?xml version="1.0" encoding="utf-8"?>
+<file path=ppt/slides/slide17.xml><?xml version="1.0" encoding="utf-8"?>
 <p:sld xmlns:a="http://schemas.openxmlformats.org/drawingml/2006/main" xmlns:r="http://schemas.openxmlformats.org/officeDocument/2006/relationships" xmlns:p="http://schemas.openxmlformats.org/presentationml/2006/main">
   <p:cSld>
     <p:bg>
@@ -9401,7 +9577,7 @@
           <p:cNvPr id="2" name="Title 1">
             <a:extLst>
               <a:ext uri="{FF2B5EF4-FFF2-40B4-BE49-F238E27FC236}">
-                <a16:creationId xmlns:a16="http://schemas.microsoft.com/office/drawing/2014/main" id="{A64B7789-F00A-8854-DE77-8682FC7123ED}"/>
+                <a16:creationId xmlns:a16="http://schemas.microsoft.com/office/drawing/2014/main" id="{A5EDC07C-1319-2626-736D-3CDCBE1DEB44}"/>
               </a:ext>
             </a:extLst>
           </p:cNvPr>
@@ -9412,52 +9588,110 @@
             <p:ph type="title"/>
           </p:nvPr>
         </p:nvSpPr>
-        <p:spPr/>
+        <p:spPr>
+          <a:xfrm>
+            <a:off x="1790700" y="663024"/>
+            <a:ext cx="8610600" cy="1293028"/>
+          </a:xfrm>
+        </p:spPr>
         <p:txBody>
           <a:bodyPr/>
           <a:lstStyle/>
           <a:p>
             <a:r>
               <a:rPr lang="en-US" dirty="0"/>
-              <a:t>Analysis Results</a:t>
-            </a:r>
-          </a:p>
-        </p:txBody>
-      </p:sp>
-      <p:pic>
-        <p:nvPicPr>
-          <p:cNvPr id="5" name="Picture 4">
+              <a:t>Important features</a:t>
+            </a:r>
+          </a:p>
+        </p:txBody>
+      </p:sp>
+      <p:sp>
+        <p:nvSpPr>
+          <p:cNvPr id="3" name="Content Placeholder 2">
             <a:extLst>
               <a:ext uri="{FF2B5EF4-FFF2-40B4-BE49-F238E27FC236}">
-                <a16:creationId xmlns:a16="http://schemas.microsoft.com/office/drawing/2014/main" id="{E9623529-17B3-85BF-6852-44A2A8734474}"/>
+                <a16:creationId xmlns:a16="http://schemas.microsoft.com/office/drawing/2014/main" id="{6E11E465-3751-3846-8050-877AB57A0223}"/>
               </a:ext>
             </a:extLst>
           </p:cNvPr>
-          <p:cNvPicPr>
-            <a:picLocks noChangeAspect="1"/>
-          </p:cNvPicPr>
-          <p:nvPr/>
-        </p:nvPicPr>
-        <p:blipFill>
-          <a:blip r:embed="rId3"/>
-          <a:stretch>
-            <a:fillRect/>
-          </a:stretch>
-        </p:blipFill>
-        <p:spPr>
-          <a:xfrm>
-            <a:off x="3056632" y="1828793"/>
-            <a:ext cx="6239768" cy="4755657"/>
-          </a:xfrm>
-          <a:prstGeom prst="rect">
-            <a:avLst/>
-          </a:prstGeom>
-        </p:spPr>
-      </p:pic>
+          <p:cNvSpPr>
+            <a:spLocks noGrp="1"/>
+          </p:cNvSpPr>
+          <p:nvPr>
+            <p:ph idx="1"/>
+          </p:nvPr>
+        </p:nvSpPr>
+        <p:spPr/>
+        <p:txBody>
+          <a:bodyPr/>
+          <a:lstStyle/>
+          <a:p>
+            <a:r>
+              <a:rPr lang="en-US" dirty="0"/>
+              <a:t>Bad Weather</a:t>
+            </a:r>
+          </a:p>
+          <a:p>
+            <a:r>
+              <a:rPr lang="en-US" dirty="0"/>
+              <a:t>Day</a:t>
+            </a:r>
+          </a:p>
+          <a:p>
+            <a:r>
+              <a:rPr lang="en-US" dirty="0"/>
+              <a:t>Carrier Issues</a:t>
+            </a:r>
+          </a:p>
+          <a:p>
+            <a:r>
+              <a:rPr lang="en-US" dirty="0"/>
+              <a:t>Destination Airport</a:t>
+            </a:r>
+          </a:p>
+          <a:p>
+            <a:r>
+              <a:rPr lang="en-US" dirty="0"/>
+              <a:t>Origin Airport</a:t>
+            </a:r>
+          </a:p>
+          <a:p>
+            <a:r>
+              <a:rPr lang="en-US" dirty="0"/>
+              <a:t>NAS</a:t>
+            </a:r>
+          </a:p>
+          <a:p>
+            <a:r>
+              <a:rPr lang="en-US" dirty="0"/>
+              <a:t>Month</a:t>
+            </a:r>
+          </a:p>
+          <a:p>
+            <a:r>
+              <a:rPr lang="en-US" dirty="0"/>
+              <a:t>Operating Airline</a:t>
+            </a:r>
+          </a:p>
+          <a:p>
+            <a:endParaRPr lang="en-US" dirty="0">
+              <a:solidFill>
+                <a:schemeClr val="tx1">
+                  <a:lumMod val="50000"/>
+                  <a:lumOff val="50000"/>
+                </a:schemeClr>
+              </a:solidFill>
+            </a:endParaRPr>
+          </a:p>
+          <a:p>
+            <a:endParaRPr lang="en-US" dirty="0"/>
+          </a:p>
+        </p:txBody>
+      </p:sp>
     </p:spTree>
     <p:extLst>
       <p:ext uri="{BB962C8B-B14F-4D97-AF65-F5344CB8AC3E}">
-        <p14:creationId xmlns:p14="http://schemas.microsoft.com/office/powerpoint/2010/main" val="2047161550"/>
+        <p14:creationId xmlns:p14="http://schemas.microsoft.com/office/powerpoint/2010/main" val="2560029651"/>
       </p:ext>
     </p:extLst>
   </p:cSld>
@@ -9514,19 +9748,17 @@
       </p:sp>
       <p:pic>
         <p:nvPicPr>
-          <p:cNvPr id="5" name="Content Placeholder 4">
+          <p:cNvPr id="5" name="Picture 4">
             <a:extLst>
               <a:ext uri="{FF2B5EF4-FFF2-40B4-BE49-F238E27FC236}">
-                <a16:creationId xmlns:a16="http://schemas.microsoft.com/office/drawing/2014/main" id="{25BCED06-BF7E-7D98-F29D-4097F6CC9D68}"/>
+                <a16:creationId xmlns:a16="http://schemas.microsoft.com/office/drawing/2014/main" id="{E9623529-17B3-85BF-6852-44A2A8734474}"/>
               </a:ext>
             </a:extLst>
           </p:cNvPr>
           <p:cNvPicPr>
-            <a:picLocks noGrp="1" noChangeAspect="1"/>
+            <a:picLocks noChangeAspect="1"/>
           </p:cNvPicPr>
-          <p:nvPr>
-            <p:ph idx="1"/>
-          </p:nvPr>
+          <p:nvPr/>
         </p:nvPicPr>
         <p:blipFill>
           <a:blip r:embed="rId3"/>
@@ -9536,15 +9768,18 @@
         </p:blipFill>
         <p:spPr>
           <a:xfrm>
-            <a:off x="3462067" y="1858023"/>
-            <a:ext cx="5834333" cy="4436105"/>
-          </a:xfrm>
+            <a:off x="3056632" y="1828793"/>
+            <a:ext cx="6239768" cy="4755657"/>
+          </a:xfrm>
+          <a:prstGeom prst="rect">
+            <a:avLst/>
+          </a:prstGeom>
         </p:spPr>
       </p:pic>
     </p:spTree>
     <p:extLst>
       <p:ext uri="{BB962C8B-B14F-4D97-AF65-F5344CB8AC3E}">
-        <p14:creationId xmlns:p14="http://schemas.microsoft.com/office/powerpoint/2010/main" val="3857231400"/>
+        <p14:creationId xmlns:p14="http://schemas.microsoft.com/office/powerpoint/2010/main" val="2047161550"/>
       </p:ext>
     </p:extLst>
   </p:cSld>
@@ -9604,7 +9839,7 @@
           <p:cNvPr id="5" name="Content Placeholder 4">
             <a:extLst>
               <a:ext uri="{FF2B5EF4-FFF2-40B4-BE49-F238E27FC236}">
-                <a16:creationId xmlns:a16="http://schemas.microsoft.com/office/drawing/2014/main" id="{39226FFA-734B-B79B-88AE-D5CE15179EE6}"/>
+                <a16:creationId xmlns:a16="http://schemas.microsoft.com/office/drawing/2014/main" id="{25BCED06-BF7E-7D98-F29D-4097F6CC9D68}"/>
               </a:ext>
             </a:extLst>
           </p:cNvPr>
@@ -9623,15 +9858,15 @@
         </p:blipFill>
         <p:spPr>
           <a:xfrm>
-            <a:off x="2248830" y="2193925"/>
-            <a:ext cx="7694340" cy="4024313"/>
+            <a:off x="3077497" y="1781928"/>
+            <a:ext cx="6218903" cy="4728511"/>
           </a:xfrm>
         </p:spPr>
       </p:pic>
     </p:spTree>
     <p:extLst>
       <p:ext uri="{BB962C8B-B14F-4D97-AF65-F5344CB8AC3E}">
-        <p14:creationId xmlns:p14="http://schemas.microsoft.com/office/powerpoint/2010/main" val="2685633500"/>
+        <p14:creationId xmlns:p14="http://schemas.microsoft.com/office/powerpoint/2010/main" val="3857231400"/>
       </p:ext>
     </p:extLst>
   </p:cSld>
@@ -9691,7 +9926,7 @@
           <p:cNvPr id="5" name="Content Placeholder 4">
             <a:extLst>
               <a:ext uri="{FF2B5EF4-FFF2-40B4-BE49-F238E27FC236}">
-                <a16:creationId xmlns:a16="http://schemas.microsoft.com/office/drawing/2014/main" id="{C7AC6416-560B-DA09-ACEC-7FDBC885B63F}"/>
+                <a16:creationId xmlns:a16="http://schemas.microsoft.com/office/drawing/2014/main" id="{39226FFA-734B-B79B-88AE-D5CE15179EE6}"/>
               </a:ext>
             </a:extLst>
           </p:cNvPr>
@@ -9710,15 +9945,15 @@
         </p:blipFill>
         <p:spPr>
           <a:xfrm>
-            <a:off x="3943049" y="2057401"/>
-            <a:ext cx="5199232" cy="4451554"/>
+            <a:off x="2248830" y="2193925"/>
+            <a:ext cx="7694340" cy="4024313"/>
           </a:xfrm>
         </p:spPr>
       </p:pic>
     </p:spTree>
     <p:extLst>
       <p:ext uri="{BB962C8B-B14F-4D97-AF65-F5344CB8AC3E}">
-        <p14:creationId xmlns:p14="http://schemas.microsoft.com/office/powerpoint/2010/main" val="4167951192"/>
+        <p14:creationId xmlns:p14="http://schemas.microsoft.com/office/powerpoint/2010/main" val="2685633500"/>
       </p:ext>
     </p:extLst>
   </p:cSld>

--- a/Resources/Flight_Delays_and_Cancellations2.pptx
+++ b/Resources/Flight_Delays_and_Cancellations2.pptx
@@ -18,10 +18,10 @@
     <p:sldId id="261" r:id="rId9"/>
     <p:sldId id="269" r:id="rId10"/>
     <p:sldId id="266" r:id="rId11"/>
-    <p:sldId id="268" r:id="rId12"/>
-    <p:sldId id="265" r:id="rId13"/>
-    <p:sldId id="272" r:id="rId14"/>
-    <p:sldId id="271" r:id="rId15"/>
+    <p:sldId id="265" r:id="rId12"/>
+    <p:sldId id="268" r:id="rId13"/>
+    <p:sldId id="271" r:id="rId14"/>
+    <p:sldId id="272" r:id="rId15"/>
     <p:sldId id="273" r:id="rId16"/>
     <p:sldId id="262" r:id="rId17"/>
     <p:sldId id="267" r:id="rId18"/>
@@ -135,11 +135,40 @@
 <pc:chgInfo xmlns:a="http://schemas.openxmlformats.org/drawingml/2006/main" xmlns:r="http://schemas.openxmlformats.org/officeDocument/2006/relationships" xmlns:ac="http://schemas.microsoft.com/office/drawing/2013/main/command" xmlns:pc="http://schemas.microsoft.com/office/powerpoint/2013/main/command">
   <pc:docChgLst>
     <pc:chgData name="Adam warrick" userId="eb0210c3a0b99136" providerId="LiveId" clId="{0716F8B0-EAA9-4B03-873B-64A4426DA99B}"/>
-    <pc:docChg chg="custSel addSld modSld">
-      <pc:chgData name="Adam warrick" userId="eb0210c3a0b99136" providerId="LiveId" clId="{0716F8B0-EAA9-4B03-873B-64A4426DA99B}" dt="2023-02-23T03:15:14.771" v="4" actId="1076"/>
+    <pc:docChg chg="custSel addSld modSld sldOrd">
+      <pc:chgData name="Adam warrick" userId="eb0210c3a0b99136" providerId="LiveId" clId="{0716F8B0-EAA9-4B03-873B-64A4426DA99B}" dt="2023-02-23T04:21:37.128" v="67" actId="20577"/>
       <pc:docMkLst>
         <pc:docMk/>
       </pc:docMkLst>
+      <pc:sldChg chg="modSp mod">
+        <pc:chgData name="Adam warrick" userId="eb0210c3a0b99136" providerId="LiveId" clId="{0716F8B0-EAA9-4B03-873B-64A4426DA99B}" dt="2023-02-23T04:21:37.128" v="67" actId="20577"/>
+        <pc:sldMkLst>
+          <pc:docMk/>
+          <pc:sldMk cId="186667986" sldId="262"/>
+        </pc:sldMkLst>
+        <pc:spChg chg="mod">
+          <ac:chgData name="Adam warrick" userId="eb0210c3a0b99136" providerId="LiveId" clId="{0716F8B0-EAA9-4B03-873B-64A4426DA99B}" dt="2023-02-23T04:21:37.128" v="67" actId="20577"/>
+          <ac:spMkLst>
+            <pc:docMk/>
+            <pc:sldMk cId="186667986" sldId="262"/>
+            <ac:spMk id="3" creationId="{6E11E465-3751-3846-8050-877AB57A0223}"/>
+          </ac:spMkLst>
+        </pc:spChg>
+      </pc:sldChg>
+      <pc:sldChg chg="ord">
+        <pc:chgData name="Adam warrick" userId="eb0210c3a0b99136" providerId="LiveId" clId="{0716F8B0-EAA9-4B03-873B-64A4426DA99B}" dt="2023-02-23T04:12:19.335" v="6"/>
+        <pc:sldMkLst>
+          <pc:docMk/>
+          <pc:sldMk cId="2056019474" sldId="265"/>
+        </pc:sldMkLst>
+      </pc:sldChg>
+      <pc:sldChg chg="ord">
+        <pc:chgData name="Adam warrick" userId="eb0210c3a0b99136" providerId="LiveId" clId="{0716F8B0-EAA9-4B03-873B-64A4426DA99B}" dt="2023-02-23T04:12:33.714" v="8"/>
+        <pc:sldMkLst>
+          <pc:docMk/>
+          <pc:sldMk cId="3054974943" sldId="271"/>
+        </pc:sldMkLst>
+      </pc:sldChg>
       <pc:sldChg chg="addSp delSp modSp add mod">
         <pc:chgData name="Adam warrick" userId="eb0210c3a0b99136" providerId="LiveId" clId="{0716F8B0-EAA9-4B03-873B-64A4426DA99B}" dt="2023-02-23T03:15:14.771" v="4" actId="1076"/>
         <pc:sldMkLst>
@@ -954,7 +983,7 @@
     </p:spTree>
     <p:extLst>
       <p:ext uri="{BB962C8B-B14F-4D97-AF65-F5344CB8AC3E}">
-        <p14:creationId xmlns:p14="http://schemas.microsoft.com/office/powerpoint/2010/main" val="3864232312"/>
+        <p14:creationId xmlns:p14="http://schemas.microsoft.com/office/powerpoint/2010/main" val="817728662"/>
       </p:ext>
     </p:extLst>
   </p:cSld>
@@ -1038,7 +1067,7 @@
     </p:spTree>
     <p:extLst>
       <p:ext uri="{BB962C8B-B14F-4D97-AF65-F5344CB8AC3E}">
-        <p14:creationId xmlns:p14="http://schemas.microsoft.com/office/powerpoint/2010/main" val="817728662"/>
+        <p14:creationId xmlns:p14="http://schemas.microsoft.com/office/powerpoint/2010/main" val="3864232312"/>
       </p:ext>
     </p:extLst>
   </p:cSld>
@@ -1122,7 +1151,7 @@
     </p:spTree>
     <p:extLst>
       <p:ext uri="{BB962C8B-B14F-4D97-AF65-F5344CB8AC3E}">
-        <p14:creationId xmlns:p14="http://schemas.microsoft.com/office/powerpoint/2010/main" val="3310073676"/>
+        <p14:creationId xmlns:p14="http://schemas.microsoft.com/office/powerpoint/2010/main" val="1788478694"/>
       </p:ext>
     </p:extLst>
   </p:cSld>
@@ -1206,7 +1235,7 @@
     </p:spTree>
     <p:extLst>
       <p:ext uri="{BB962C8B-B14F-4D97-AF65-F5344CB8AC3E}">
-        <p14:creationId xmlns:p14="http://schemas.microsoft.com/office/powerpoint/2010/main" val="1788478694"/>
+        <p14:creationId xmlns:p14="http://schemas.microsoft.com/office/powerpoint/2010/main" val="3310073676"/>
       </p:ext>
     </p:extLst>
   </p:cSld>
@@ -8012,7 +8041,7 @@
           <p:cNvPr id="5" name="Content Placeholder 4">
             <a:extLst>
               <a:ext uri="{FF2B5EF4-FFF2-40B4-BE49-F238E27FC236}">
-                <a16:creationId xmlns:a16="http://schemas.microsoft.com/office/drawing/2014/main" id="{CED724CA-DE09-96BD-28EC-0C9387E832FA}"/>
+                <a16:creationId xmlns:a16="http://schemas.microsoft.com/office/drawing/2014/main" id="{F901B8BE-114A-C4FD-230D-181DBF20647B}"/>
               </a:ext>
             </a:extLst>
           </p:cNvPr>
@@ -8031,15 +8060,15 @@
         </p:blipFill>
         <p:spPr>
           <a:xfrm>
-            <a:off x="2477729" y="1656343"/>
-            <a:ext cx="7397401" cy="4933407"/>
+            <a:off x="4758813" y="1661712"/>
+            <a:ext cx="2509733" cy="4775465"/>
           </a:xfrm>
         </p:spPr>
       </p:pic>
     </p:spTree>
     <p:extLst>
       <p:ext uri="{BB962C8B-B14F-4D97-AF65-F5344CB8AC3E}">
-        <p14:creationId xmlns:p14="http://schemas.microsoft.com/office/powerpoint/2010/main" val="2384348206"/>
+        <p14:creationId xmlns:p14="http://schemas.microsoft.com/office/powerpoint/2010/main" val="2056019474"/>
       </p:ext>
     </p:extLst>
   </p:cSld>
@@ -8099,7 +8128,7 @@
           <p:cNvPr id="5" name="Content Placeholder 4">
             <a:extLst>
               <a:ext uri="{FF2B5EF4-FFF2-40B4-BE49-F238E27FC236}">
-                <a16:creationId xmlns:a16="http://schemas.microsoft.com/office/drawing/2014/main" id="{F901B8BE-114A-C4FD-230D-181DBF20647B}"/>
+                <a16:creationId xmlns:a16="http://schemas.microsoft.com/office/drawing/2014/main" id="{CED724CA-DE09-96BD-28EC-0C9387E832FA}"/>
               </a:ext>
             </a:extLst>
           </p:cNvPr>
@@ -8118,15 +8147,15 @@
         </p:blipFill>
         <p:spPr>
           <a:xfrm>
-            <a:off x="4758813" y="1661712"/>
-            <a:ext cx="2509733" cy="4775465"/>
+            <a:off x="2477729" y="1656343"/>
+            <a:ext cx="7397401" cy="4933407"/>
           </a:xfrm>
         </p:spPr>
       </p:pic>
     </p:spTree>
     <p:extLst>
       <p:ext uri="{BB962C8B-B14F-4D97-AF65-F5344CB8AC3E}">
-        <p14:creationId xmlns:p14="http://schemas.microsoft.com/office/powerpoint/2010/main" val="2056019474"/>
+        <p14:creationId xmlns:p14="http://schemas.microsoft.com/office/powerpoint/2010/main" val="2384348206"/>
       </p:ext>
     </p:extLst>
   </p:cSld>
@@ -8186,7 +8215,7 @@
           <p:cNvPr id="7" name="Picture 6">
             <a:extLst>
               <a:ext uri="{FF2B5EF4-FFF2-40B4-BE49-F238E27FC236}">
-                <a16:creationId xmlns:a16="http://schemas.microsoft.com/office/drawing/2014/main" id="{F33247EF-9F08-955A-4D0C-432938FC3C4D}"/>
+                <a16:creationId xmlns:a16="http://schemas.microsoft.com/office/drawing/2014/main" id="{1319E53B-CFE0-04AC-4C94-0B4C1128E16D}"/>
               </a:ext>
             </a:extLst>
           </p:cNvPr>
@@ -8203,8 +8232,8 @@
         </p:blipFill>
         <p:spPr>
           <a:xfrm>
-            <a:off x="1182229" y="2057401"/>
-            <a:ext cx="10323971" cy="3786040"/>
+            <a:off x="1158744" y="2498812"/>
+            <a:ext cx="9161523" cy="3267506"/>
           </a:xfrm>
           <a:prstGeom prst="rect">
             <a:avLst/>
@@ -8214,7 +8243,7 @@
     </p:spTree>
     <p:extLst>
       <p:ext uri="{BB962C8B-B14F-4D97-AF65-F5344CB8AC3E}">
-        <p14:creationId xmlns:p14="http://schemas.microsoft.com/office/powerpoint/2010/main" val="387627017"/>
+        <p14:creationId xmlns:p14="http://schemas.microsoft.com/office/powerpoint/2010/main" val="3054974943"/>
       </p:ext>
     </p:extLst>
   </p:cSld>
@@ -8274,7 +8303,7 @@
           <p:cNvPr id="7" name="Picture 6">
             <a:extLst>
               <a:ext uri="{FF2B5EF4-FFF2-40B4-BE49-F238E27FC236}">
-                <a16:creationId xmlns:a16="http://schemas.microsoft.com/office/drawing/2014/main" id="{1319E53B-CFE0-04AC-4C94-0B4C1128E16D}"/>
+                <a16:creationId xmlns:a16="http://schemas.microsoft.com/office/drawing/2014/main" id="{F33247EF-9F08-955A-4D0C-432938FC3C4D}"/>
               </a:ext>
             </a:extLst>
           </p:cNvPr>
@@ -8291,8 +8320,8 @@
         </p:blipFill>
         <p:spPr>
           <a:xfrm>
-            <a:off x="1158744" y="2498812"/>
-            <a:ext cx="9161523" cy="3267506"/>
+            <a:off x="1182229" y="2057401"/>
+            <a:ext cx="10323971" cy="3786040"/>
           </a:xfrm>
           <a:prstGeom prst="rect">
             <a:avLst/>
@@ -8302,7 +8331,7 @@
     </p:spTree>
     <p:extLst>
       <p:ext uri="{BB962C8B-B14F-4D97-AF65-F5344CB8AC3E}">
-        <p14:creationId xmlns:p14="http://schemas.microsoft.com/office/powerpoint/2010/main" val="3054974943"/>
+        <p14:creationId xmlns:p14="http://schemas.microsoft.com/office/powerpoint/2010/main" val="387627017"/>
       </p:ext>
     </p:extLst>
   </p:cSld>
@@ -8484,6 +8513,17 @@
           </a:p>
           <a:p>
             <a:r>
+              <a:rPr lang="en-US">
+                <a:solidFill>
+                  <a:schemeClr val="tx1">
+                    <a:lumMod val="50000"/>
+                    <a:lumOff val="50000"/>
+                  </a:schemeClr>
+                </a:solidFill>
+              </a:rPr>
+              <a:t>Added Feature </a:t>
+            </a:r>
+            <a:r>
               <a:rPr lang="en-US" dirty="0">
                 <a:solidFill>
                   <a:schemeClr val="tx1">
@@ -8492,7 +8532,7 @@
                   </a:schemeClr>
                 </a:solidFill>
               </a:rPr>
-              <a:t>I would have like to judged how long a flight was delayed before it was cancelled. Did people wait in the terminal?</a:t>
+              <a:t>Data: Seats sold etc. </a:t>
             </a:r>
           </a:p>
           <a:p>
@@ -8513,6 +8553,12 @@
             <a:r>
               <a:rPr lang="en-US" sz="1800" dirty="0"/>
               <a:t>Etc.</a:t>
+            </a:r>
+          </a:p>
+          <a:p>
+            <a:r>
+              <a:rPr lang="en-US" dirty="0"/>
+              <a:t>Conclusion</a:t>
             </a:r>
           </a:p>
           <a:p>

--- a/Resources/Flight_Delays_and_Cancellations2.pptx
+++ b/Resources/Flight_Delays_and_Cancellations2.pptx
@@ -5,7 +5,7 @@
     <p:sldMasterId id="2147483696" r:id="rId1"/>
   </p:sldMasterIdLst>
   <p:notesMasterIdLst>
-    <p:notesMasterId r:id="rId19"/>
+    <p:notesMasterId r:id="rId20"/>
   </p:notesMasterIdLst>
   <p:sldIdLst>
     <p:sldId id="256" r:id="rId2"/>
@@ -13,18 +13,19 @@
     <p:sldId id="258" r:id="rId4"/>
     <p:sldId id="257" r:id="rId5"/>
     <p:sldId id="259" r:id="rId6"/>
-    <p:sldId id="274" r:id="rId7"/>
-    <p:sldId id="270" r:id="rId8"/>
-    <p:sldId id="261" r:id="rId9"/>
-    <p:sldId id="269" r:id="rId10"/>
-    <p:sldId id="266" r:id="rId11"/>
-    <p:sldId id="265" r:id="rId12"/>
-    <p:sldId id="268" r:id="rId13"/>
-    <p:sldId id="271" r:id="rId14"/>
-    <p:sldId id="272" r:id="rId15"/>
-    <p:sldId id="273" r:id="rId16"/>
-    <p:sldId id="262" r:id="rId17"/>
-    <p:sldId id="267" r:id="rId18"/>
+    <p:sldId id="270" r:id="rId7"/>
+    <p:sldId id="274" r:id="rId8"/>
+    <p:sldId id="275" r:id="rId9"/>
+    <p:sldId id="261" r:id="rId10"/>
+    <p:sldId id="269" r:id="rId11"/>
+    <p:sldId id="266" r:id="rId12"/>
+    <p:sldId id="265" r:id="rId13"/>
+    <p:sldId id="268" r:id="rId14"/>
+    <p:sldId id="271" r:id="rId15"/>
+    <p:sldId id="272" r:id="rId16"/>
+    <p:sldId id="273" r:id="rId17"/>
+    <p:sldId id="262" r:id="rId18"/>
+    <p:sldId id="267" r:id="rId19"/>
   </p:sldIdLst>
   <p:sldSz cx="12192000" cy="6858000"/>
   <p:notesSz cx="6858000" cy="9144000"/>
@@ -136,7 +137,7 @@
   <pc:docChgLst>
     <pc:chgData name="Adam warrick" userId="eb0210c3a0b99136" providerId="LiveId" clId="{0716F8B0-EAA9-4B03-873B-64A4426DA99B}"/>
     <pc:docChg chg="custSel addSld modSld sldOrd">
-      <pc:chgData name="Adam warrick" userId="eb0210c3a0b99136" providerId="LiveId" clId="{0716F8B0-EAA9-4B03-873B-64A4426DA99B}" dt="2023-02-23T04:21:37.128" v="67" actId="20577"/>
+      <pc:chgData name="Adam warrick" userId="eb0210c3a0b99136" providerId="LiveId" clId="{0716F8B0-EAA9-4B03-873B-64A4426DA99B}" dt="2023-02-24T02:28:47.319" v="78" actId="1076"/>
       <pc:docMkLst>
         <pc:docMk/>
       </pc:docMkLst>
@@ -162,12 +163,58 @@
           <pc:sldMk cId="2056019474" sldId="265"/>
         </pc:sldMkLst>
       </pc:sldChg>
+      <pc:sldChg chg="addSp delSp modSp mod ord">
+        <pc:chgData name="Adam warrick" userId="eb0210c3a0b99136" providerId="LiveId" clId="{0716F8B0-EAA9-4B03-873B-64A4426DA99B}" dt="2023-02-24T02:06:22.659" v="74" actId="1076"/>
+        <pc:sldMkLst>
+          <pc:docMk/>
+          <pc:sldMk cId="2047161550" sldId="270"/>
+        </pc:sldMkLst>
+        <pc:picChg chg="add mod">
+          <ac:chgData name="Adam warrick" userId="eb0210c3a0b99136" providerId="LiveId" clId="{0716F8B0-EAA9-4B03-873B-64A4426DA99B}" dt="2023-02-24T02:06:22.659" v="74" actId="1076"/>
+          <ac:picMkLst>
+            <pc:docMk/>
+            <pc:sldMk cId="2047161550" sldId="270"/>
+            <ac:picMk id="4" creationId="{FB161E29-128F-DD57-BC16-02940D848390}"/>
+          </ac:picMkLst>
+        </pc:picChg>
+        <pc:picChg chg="del">
+          <ac:chgData name="Adam warrick" userId="eb0210c3a0b99136" providerId="LiveId" clId="{0716F8B0-EAA9-4B03-873B-64A4426DA99B}" dt="2023-02-24T02:06:14.359" v="71" actId="478"/>
+          <ac:picMkLst>
+            <pc:docMk/>
+            <pc:sldMk cId="2047161550" sldId="270"/>
+            <ac:picMk id="5" creationId="{E9623529-17B3-85BF-6852-44A2A8734474}"/>
+          </ac:picMkLst>
+        </pc:picChg>
+      </pc:sldChg>
       <pc:sldChg chg="ord">
         <pc:chgData name="Adam warrick" userId="eb0210c3a0b99136" providerId="LiveId" clId="{0716F8B0-EAA9-4B03-873B-64A4426DA99B}" dt="2023-02-23T04:12:33.714" v="8"/>
         <pc:sldMkLst>
           <pc:docMk/>
           <pc:sldMk cId="3054974943" sldId="271"/>
         </pc:sldMkLst>
+      </pc:sldChg>
+      <pc:sldChg chg="addSp delSp modSp mod">
+        <pc:chgData name="Adam warrick" userId="eb0210c3a0b99136" providerId="LiveId" clId="{0716F8B0-EAA9-4B03-873B-64A4426DA99B}" dt="2023-02-24T02:28:47.319" v="78" actId="1076"/>
+        <pc:sldMkLst>
+          <pc:docMk/>
+          <pc:sldMk cId="387627017" sldId="272"/>
+        </pc:sldMkLst>
+        <pc:picChg chg="add mod">
+          <ac:chgData name="Adam warrick" userId="eb0210c3a0b99136" providerId="LiveId" clId="{0716F8B0-EAA9-4B03-873B-64A4426DA99B}" dt="2023-02-24T02:28:47.319" v="78" actId="1076"/>
+          <ac:picMkLst>
+            <pc:docMk/>
+            <pc:sldMk cId="387627017" sldId="272"/>
+            <ac:picMk id="4" creationId="{6FB6757A-3B39-8566-8095-2F721E03BE02}"/>
+          </ac:picMkLst>
+        </pc:picChg>
+        <pc:picChg chg="del">
+          <ac:chgData name="Adam warrick" userId="eb0210c3a0b99136" providerId="LiveId" clId="{0716F8B0-EAA9-4B03-873B-64A4426DA99B}" dt="2023-02-24T02:28:35.741" v="75" actId="478"/>
+          <ac:picMkLst>
+            <pc:docMk/>
+            <pc:sldMk cId="387627017" sldId="272"/>
+            <ac:picMk id="7" creationId="{F33247EF-9F08-955A-4D0C-432938FC3C4D}"/>
+          </ac:picMkLst>
+        </pc:picChg>
       </pc:sldChg>
       <pc:sldChg chg="addSp delSp modSp add mod">
         <pc:chgData name="Adam warrick" userId="eb0210c3a0b99136" providerId="LiveId" clId="{0716F8B0-EAA9-4B03-873B-64A4426DA99B}" dt="2023-02-23T03:15:14.771" v="4" actId="1076"/>
@@ -191,6 +238,13 @@
             <ac:picMk id="7" creationId="{1319E53B-CFE0-04AC-4C94-0B4C1128E16D}"/>
           </ac:picMkLst>
         </pc:picChg>
+      </pc:sldChg>
+      <pc:sldChg chg="add">
+        <pc:chgData name="Adam warrick" userId="eb0210c3a0b99136" providerId="LiveId" clId="{0716F8B0-EAA9-4B03-873B-64A4426DA99B}" dt="2023-02-24T02:06:07.047" v="68" actId="2890"/>
+        <pc:sldMkLst>
+          <pc:docMk/>
+          <pc:sldMk cId="1066050828" sldId="275"/>
+        </pc:sldMkLst>
       </pc:sldChg>
     </pc:docChg>
   </pc:docChgLst>
@@ -555,7 +609,7 @@
           <a:p>
             <a:fld id="{A01BBB3D-F20A-2141-8E98-BCACD82F675E}" type="datetimeFigureOut">
               <a:rPr lang="en-US" smtClean="0"/>
-              <a:t>2/22/2023</a:t>
+              <a:t>2/23/2023</a:t>
             </a:fld>
             <a:endParaRPr lang="en-US"/>
           </a:p>
@@ -983,7 +1037,7 @@
     </p:spTree>
     <p:extLst>
       <p:ext uri="{BB962C8B-B14F-4D97-AF65-F5344CB8AC3E}">
-        <p14:creationId xmlns:p14="http://schemas.microsoft.com/office/powerpoint/2010/main" val="817728662"/>
+        <p14:creationId xmlns:p14="http://schemas.microsoft.com/office/powerpoint/2010/main" val="2292152758"/>
       </p:ext>
     </p:extLst>
   </p:cSld>
@@ -1067,7 +1121,7 @@
     </p:spTree>
     <p:extLst>
       <p:ext uri="{BB962C8B-B14F-4D97-AF65-F5344CB8AC3E}">
-        <p14:creationId xmlns:p14="http://schemas.microsoft.com/office/powerpoint/2010/main" val="3864232312"/>
+        <p14:creationId xmlns:p14="http://schemas.microsoft.com/office/powerpoint/2010/main" val="817728662"/>
       </p:ext>
     </p:extLst>
   </p:cSld>
@@ -1151,7 +1205,7 @@
     </p:spTree>
     <p:extLst>
       <p:ext uri="{BB962C8B-B14F-4D97-AF65-F5344CB8AC3E}">
-        <p14:creationId xmlns:p14="http://schemas.microsoft.com/office/powerpoint/2010/main" val="1788478694"/>
+        <p14:creationId xmlns:p14="http://schemas.microsoft.com/office/powerpoint/2010/main" val="3864232312"/>
       </p:ext>
     </p:extLst>
   </p:cSld>
@@ -1235,7 +1289,7 @@
     </p:spTree>
     <p:extLst>
       <p:ext uri="{BB962C8B-B14F-4D97-AF65-F5344CB8AC3E}">
-        <p14:creationId xmlns:p14="http://schemas.microsoft.com/office/powerpoint/2010/main" val="3310073676"/>
+        <p14:creationId xmlns:p14="http://schemas.microsoft.com/office/powerpoint/2010/main" val="1788478694"/>
       </p:ext>
     </p:extLst>
   </p:cSld>
@@ -1319,7 +1373,7 @@
     </p:spTree>
     <p:extLst>
       <p:ext uri="{BB962C8B-B14F-4D97-AF65-F5344CB8AC3E}">
-        <p14:creationId xmlns:p14="http://schemas.microsoft.com/office/powerpoint/2010/main" val="2448135645"/>
+        <p14:creationId xmlns:p14="http://schemas.microsoft.com/office/powerpoint/2010/main" val="3310073676"/>
       </p:ext>
     </p:extLst>
   </p:cSld>
@@ -1373,10 +1427,6 @@
           <a:bodyPr/>
           <a:lstStyle/>
           <a:p>
-            <a:r>
-              <a:rPr lang="en-US" dirty="0" err="1"/>
-              <a:t>Kristirose</a:t>
-            </a:r>
             <a:endParaRPr lang="en-US" dirty="0"/>
           </a:p>
         </p:txBody>
@@ -1399,6 +1449,94 @@
             <a:fld id="{037C371F-EBCF-D949-BBB3-98CE13D43107}" type="slidenum">
               <a:rPr lang="en-US" smtClean="0"/>
               <a:t>16</a:t>
+            </a:fld>
+            <a:endParaRPr lang="en-US"/>
+          </a:p>
+        </p:txBody>
+      </p:sp>
+    </p:spTree>
+    <p:extLst>
+      <p:ext uri="{BB962C8B-B14F-4D97-AF65-F5344CB8AC3E}">
+        <p14:creationId xmlns:p14="http://schemas.microsoft.com/office/powerpoint/2010/main" val="2448135645"/>
+      </p:ext>
+    </p:extLst>
+  </p:cSld>
+  <p:clrMapOvr>
+    <a:masterClrMapping/>
+  </p:clrMapOvr>
+</p:notes>
+</file>
+
+<file path=ppt/notesSlides/notesSlide16.xml><?xml version="1.0" encoding="utf-8"?>
+<p:notes xmlns:a="http://schemas.openxmlformats.org/drawingml/2006/main" xmlns:r="http://schemas.openxmlformats.org/officeDocument/2006/relationships" xmlns:p="http://schemas.openxmlformats.org/presentationml/2006/main">
+  <p:cSld>
+    <p:spTree>
+      <p:nvGrpSpPr>
+        <p:cNvPr id="1" name=""/>
+        <p:cNvGrpSpPr/>
+        <p:nvPr/>
+      </p:nvGrpSpPr>
+      <p:grpSpPr>
+        <a:xfrm>
+          <a:off x="0" y="0"/>
+          <a:ext cx="0" cy="0"/>
+          <a:chOff x="0" y="0"/>
+          <a:chExt cx="0" cy="0"/>
+        </a:xfrm>
+      </p:grpSpPr>
+      <p:sp>
+        <p:nvSpPr>
+          <p:cNvPr id="2" name="Slide Image Placeholder 1"/>
+          <p:cNvSpPr>
+            <a:spLocks noGrp="1" noRot="1" noChangeAspect="1"/>
+          </p:cNvSpPr>
+          <p:nvPr>
+            <p:ph type="sldImg"/>
+          </p:nvPr>
+        </p:nvSpPr>
+        <p:spPr/>
+      </p:sp>
+      <p:sp>
+        <p:nvSpPr>
+          <p:cNvPr id="3" name="Notes Placeholder 2"/>
+          <p:cNvSpPr>
+            <a:spLocks noGrp="1"/>
+          </p:cNvSpPr>
+          <p:nvPr>
+            <p:ph type="body" idx="1"/>
+          </p:nvPr>
+        </p:nvSpPr>
+        <p:spPr/>
+        <p:txBody>
+          <a:bodyPr/>
+          <a:lstStyle/>
+          <a:p>
+            <a:r>
+              <a:rPr lang="en-US" dirty="0" err="1"/>
+              <a:t>Kristirose</a:t>
+            </a:r>
+            <a:endParaRPr lang="en-US" dirty="0"/>
+          </a:p>
+        </p:txBody>
+      </p:sp>
+      <p:sp>
+        <p:nvSpPr>
+          <p:cNvPr id="4" name="Slide Number Placeholder 3"/>
+          <p:cNvSpPr>
+            <a:spLocks noGrp="1"/>
+          </p:cNvSpPr>
+          <p:nvPr>
+            <p:ph type="sldNum" sz="quarter" idx="5"/>
+          </p:nvPr>
+        </p:nvSpPr>
+        <p:spPr/>
+        <p:txBody>
+          <a:bodyPr/>
+          <a:lstStyle/>
+          <a:p>
+            <a:fld id="{037C371F-EBCF-D949-BBB3-98CE13D43107}" type="slidenum">
+              <a:rPr lang="en-US" smtClean="0"/>
+              <a:t>17</a:t>
             </a:fld>
             <a:endParaRPr lang="en-US"/>
           </a:p>
@@ -1722,10 +1860,6 @@
           <a:bodyPr/>
           <a:lstStyle/>
           <a:p>
-            <a:r>
-              <a:rPr lang="en-US" dirty="0" err="1"/>
-              <a:t>Kristirose</a:t>
-            </a:r>
             <a:endParaRPr lang="en-US" dirty="0"/>
           </a:p>
         </p:txBody>
@@ -1756,7 +1890,7 @@
     </p:spTree>
     <p:extLst>
       <p:ext uri="{BB962C8B-B14F-4D97-AF65-F5344CB8AC3E}">
-        <p14:creationId xmlns:p14="http://schemas.microsoft.com/office/powerpoint/2010/main" val="2820523507"/>
+        <p14:creationId xmlns:p14="http://schemas.microsoft.com/office/powerpoint/2010/main" val="2459680910"/>
       </p:ext>
     </p:extLst>
   </p:cSld>
@@ -1810,6 +1944,10 @@
           <a:bodyPr/>
           <a:lstStyle/>
           <a:p>
+            <a:r>
+              <a:rPr lang="en-US" dirty="0" err="1"/>
+              <a:t>Kristirose</a:t>
+            </a:r>
             <a:endParaRPr lang="en-US" dirty="0"/>
           </a:p>
         </p:txBody>
@@ -1840,7 +1978,7 @@
     </p:spTree>
     <p:extLst>
       <p:ext uri="{BB962C8B-B14F-4D97-AF65-F5344CB8AC3E}">
-        <p14:creationId xmlns:p14="http://schemas.microsoft.com/office/powerpoint/2010/main" val="2459680910"/>
+        <p14:creationId xmlns:p14="http://schemas.microsoft.com/office/powerpoint/2010/main" val="2820523507"/>
       </p:ext>
     </p:extLst>
   </p:cSld>
@@ -1924,7 +2062,7 @@
     </p:spTree>
     <p:extLst>
       <p:ext uri="{BB962C8B-B14F-4D97-AF65-F5344CB8AC3E}">
-        <p14:creationId xmlns:p14="http://schemas.microsoft.com/office/powerpoint/2010/main" val="3402163776"/>
+        <p14:creationId xmlns:p14="http://schemas.microsoft.com/office/powerpoint/2010/main" val="2656252114"/>
       </p:ext>
     </p:extLst>
   </p:cSld>
@@ -2008,7 +2146,7 @@
     </p:spTree>
     <p:extLst>
       <p:ext uri="{BB962C8B-B14F-4D97-AF65-F5344CB8AC3E}">
-        <p14:creationId xmlns:p14="http://schemas.microsoft.com/office/powerpoint/2010/main" val="225399672"/>
+        <p14:creationId xmlns:p14="http://schemas.microsoft.com/office/powerpoint/2010/main" val="3402163776"/>
       </p:ext>
     </p:extLst>
   </p:cSld>
@@ -2092,7 +2230,7 @@
     </p:spTree>
     <p:extLst>
       <p:ext uri="{BB962C8B-B14F-4D97-AF65-F5344CB8AC3E}">
-        <p14:creationId xmlns:p14="http://schemas.microsoft.com/office/powerpoint/2010/main" val="2292152758"/>
+        <p14:creationId xmlns:p14="http://schemas.microsoft.com/office/powerpoint/2010/main" val="225399672"/>
       </p:ext>
     </p:extLst>
   </p:cSld>
@@ -2272,7 +2410,7 @@
           <a:p>
             <a:fld id="{5FFA8667-8DAA-9640-8958-6F7951C78AED}" type="datetimeFigureOut">
               <a:rPr lang="en-US" smtClean="0"/>
-              <a:t>2/22/2023</a:t>
+              <a:t>2/23/2023</a:t>
             </a:fld>
             <a:endParaRPr lang="en-US"/>
           </a:p>
@@ -2539,7 +2677,7 @@
           <a:p>
             <a:fld id="{5FFA8667-8DAA-9640-8958-6F7951C78AED}" type="datetimeFigureOut">
               <a:rPr lang="en-US" smtClean="0"/>
-              <a:t>2/22/2023</a:t>
+              <a:t>2/23/2023</a:t>
             </a:fld>
             <a:endParaRPr lang="en-US"/>
           </a:p>
@@ -2770,7 +2908,7 @@
           <a:p>
             <a:fld id="{5FFA8667-8DAA-9640-8958-6F7951C78AED}" type="datetimeFigureOut">
               <a:rPr lang="en-US" smtClean="0"/>
-              <a:t>2/22/2023</a:t>
+              <a:t>2/23/2023</a:t>
             </a:fld>
             <a:endParaRPr lang="en-US"/>
           </a:p>
@@ -3080,7 +3218,7 @@
           <a:p>
             <a:fld id="{5FFA8667-8DAA-9640-8958-6F7951C78AED}" type="datetimeFigureOut">
               <a:rPr lang="en-US" smtClean="0"/>
-              <a:t>2/22/2023</a:t>
+              <a:t>2/23/2023</a:t>
             </a:fld>
             <a:endParaRPr lang="en-US"/>
           </a:p>
@@ -3553,7 +3691,7 @@
           <a:p>
             <a:fld id="{5FFA8667-8DAA-9640-8958-6F7951C78AED}" type="datetimeFigureOut">
               <a:rPr lang="en-US" smtClean="0"/>
-              <a:t>2/22/2023</a:t>
+              <a:t>2/23/2023</a:t>
             </a:fld>
             <a:endParaRPr lang="en-US"/>
           </a:p>
@@ -4100,7 +4238,7 @@
           <a:p>
             <a:fld id="{5FFA8667-8DAA-9640-8958-6F7951C78AED}" type="datetimeFigureOut">
               <a:rPr lang="en-US" smtClean="0"/>
-              <a:t>2/22/2023</a:t>
+              <a:t>2/23/2023</a:t>
             </a:fld>
             <a:endParaRPr lang="en-US"/>
           </a:p>
@@ -4874,7 +5012,7 @@
           <a:p>
             <a:fld id="{5FFA8667-8DAA-9640-8958-6F7951C78AED}" type="datetimeFigureOut">
               <a:rPr lang="en-US" smtClean="0"/>
-              <a:t>2/22/2023</a:t>
+              <a:t>2/23/2023</a:t>
             </a:fld>
             <a:endParaRPr lang="en-US"/>
           </a:p>
@@ -5049,7 +5187,7 @@
           <a:p>
             <a:fld id="{5FFA8667-8DAA-9640-8958-6F7951C78AED}" type="datetimeFigureOut">
               <a:rPr lang="en-US" smtClean="0"/>
-              <a:t>2/22/2023</a:t>
+              <a:t>2/23/2023</a:t>
             </a:fld>
             <a:endParaRPr lang="en-US"/>
           </a:p>
@@ -5272,7 +5410,7 @@
           <a:p>
             <a:fld id="{5FFA8667-8DAA-9640-8958-6F7951C78AED}" type="datetimeFigureOut">
               <a:rPr lang="en-US" smtClean="0"/>
-              <a:t>2/22/2023</a:t>
+              <a:t>2/23/2023</a:t>
             </a:fld>
             <a:endParaRPr lang="en-US"/>
           </a:p>
@@ -5452,7 +5590,7 @@
           <a:p>
             <a:fld id="{5FFA8667-8DAA-9640-8958-6F7951C78AED}" type="datetimeFigureOut">
               <a:rPr lang="en-US" smtClean="0"/>
-              <a:t>2/22/2023</a:t>
+              <a:t>2/23/2023</a:t>
             </a:fld>
             <a:endParaRPr lang="en-US"/>
           </a:p>
@@ -5741,7 +5879,7 @@
           <a:p>
             <a:fld id="{5FFA8667-8DAA-9640-8958-6F7951C78AED}" type="datetimeFigureOut">
               <a:rPr lang="en-US" smtClean="0"/>
-              <a:t>2/22/2023</a:t>
+              <a:t>2/23/2023</a:t>
             </a:fld>
             <a:endParaRPr lang="en-US"/>
           </a:p>
@@ -5983,7 +6121,7 @@
           <a:p>
             <a:fld id="{5FFA8667-8DAA-9640-8958-6F7951C78AED}" type="datetimeFigureOut">
               <a:rPr lang="en-US" smtClean="0"/>
-              <a:t>2/22/2023</a:t>
+              <a:t>2/23/2023</a:t>
             </a:fld>
             <a:endParaRPr lang="en-US"/>
           </a:p>
@@ -6362,7 +6500,7 @@
           <a:p>
             <a:fld id="{5FFA8667-8DAA-9640-8958-6F7951C78AED}" type="datetimeFigureOut">
               <a:rPr lang="en-US" smtClean="0"/>
-              <a:t>2/22/2023</a:t>
+              <a:t>2/23/2023</a:t>
             </a:fld>
             <a:endParaRPr lang="en-US"/>
           </a:p>
@@ -6480,7 +6618,7 @@
           <a:p>
             <a:fld id="{5FFA8667-8DAA-9640-8958-6F7951C78AED}" type="datetimeFigureOut">
               <a:rPr lang="en-US" smtClean="0"/>
-              <a:t>2/22/2023</a:t>
+              <a:t>2/23/2023</a:t>
             </a:fld>
             <a:endParaRPr lang="en-US"/>
           </a:p>
@@ -6575,7 +6713,7 @@
           <a:p>
             <a:fld id="{5FFA8667-8DAA-9640-8958-6F7951C78AED}" type="datetimeFigureOut">
               <a:rPr lang="en-US" smtClean="0"/>
-              <a:t>2/22/2023</a:t>
+              <a:t>2/23/2023</a:t>
             </a:fld>
             <a:endParaRPr lang="en-US"/>
           </a:p>
@@ -6824,7 +6962,7 @@
           <a:p>
             <a:fld id="{5FFA8667-8DAA-9640-8958-6F7951C78AED}" type="datetimeFigureOut">
               <a:rPr lang="en-US" smtClean="0"/>
-              <a:t>2/22/2023</a:t>
+              <a:t>2/23/2023</a:t>
             </a:fld>
             <a:endParaRPr lang="en-US"/>
           </a:p>
@@ -7081,7 +7219,7 @@
           <a:p>
             <a:fld id="{5FFA8667-8DAA-9640-8958-6F7951C78AED}" type="datetimeFigureOut">
               <a:rPr lang="en-US" smtClean="0"/>
-              <a:t>2/22/2023</a:t>
+              <a:t>2/23/2023</a:t>
             </a:fld>
             <a:endParaRPr lang="en-US"/>
           </a:p>
@@ -7324,7 +7462,7 @@
           <a:p>
             <a:fld id="{5FFA8667-8DAA-9640-8958-6F7951C78AED}" type="datetimeFigureOut">
               <a:rPr lang="en-US" smtClean="0"/>
-              <a:t>2/22/2023</a:t>
+              <a:t>2/23/2023</a:t>
             </a:fld>
             <a:endParaRPr lang="en-US"/>
           </a:p>
@@ -7954,7 +8092,7 @@
           <p:cNvPr id="5" name="Content Placeholder 4">
             <a:extLst>
               <a:ext uri="{FF2B5EF4-FFF2-40B4-BE49-F238E27FC236}">
-                <a16:creationId xmlns:a16="http://schemas.microsoft.com/office/drawing/2014/main" id="{C7AC6416-560B-DA09-ACEC-7FDBC885B63F}"/>
+                <a16:creationId xmlns:a16="http://schemas.microsoft.com/office/drawing/2014/main" id="{39226FFA-734B-B79B-88AE-D5CE15179EE6}"/>
               </a:ext>
             </a:extLst>
           </p:cNvPr>
@@ -7973,15 +8111,15 @@
         </p:blipFill>
         <p:spPr>
           <a:xfrm>
-            <a:off x="3943049" y="2057401"/>
-            <a:ext cx="5199232" cy="4451554"/>
+            <a:off x="2248830" y="2193925"/>
+            <a:ext cx="7694340" cy="4024313"/>
           </a:xfrm>
         </p:spPr>
       </p:pic>
     </p:spTree>
     <p:extLst>
       <p:ext uri="{BB962C8B-B14F-4D97-AF65-F5344CB8AC3E}">
-        <p14:creationId xmlns:p14="http://schemas.microsoft.com/office/powerpoint/2010/main" val="4167951192"/>
+        <p14:creationId xmlns:p14="http://schemas.microsoft.com/office/powerpoint/2010/main" val="2685633500"/>
       </p:ext>
     </p:extLst>
   </p:cSld>
@@ -8041,7 +8179,7 @@
           <p:cNvPr id="5" name="Content Placeholder 4">
             <a:extLst>
               <a:ext uri="{FF2B5EF4-FFF2-40B4-BE49-F238E27FC236}">
-                <a16:creationId xmlns:a16="http://schemas.microsoft.com/office/drawing/2014/main" id="{F901B8BE-114A-C4FD-230D-181DBF20647B}"/>
+                <a16:creationId xmlns:a16="http://schemas.microsoft.com/office/drawing/2014/main" id="{C7AC6416-560B-DA09-ACEC-7FDBC885B63F}"/>
               </a:ext>
             </a:extLst>
           </p:cNvPr>
@@ -8060,15 +8198,15 @@
         </p:blipFill>
         <p:spPr>
           <a:xfrm>
-            <a:off x="4758813" y="1661712"/>
-            <a:ext cx="2509733" cy="4775465"/>
+            <a:off x="3943049" y="2057401"/>
+            <a:ext cx="5199232" cy="4451554"/>
           </a:xfrm>
         </p:spPr>
       </p:pic>
     </p:spTree>
     <p:extLst>
       <p:ext uri="{BB962C8B-B14F-4D97-AF65-F5344CB8AC3E}">
-        <p14:creationId xmlns:p14="http://schemas.microsoft.com/office/powerpoint/2010/main" val="2056019474"/>
+        <p14:creationId xmlns:p14="http://schemas.microsoft.com/office/powerpoint/2010/main" val="4167951192"/>
       </p:ext>
     </p:extLst>
   </p:cSld>
@@ -8128,7 +8266,7 @@
           <p:cNvPr id="5" name="Content Placeholder 4">
             <a:extLst>
               <a:ext uri="{FF2B5EF4-FFF2-40B4-BE49-F238E27FC236}">
-                <a16:creationId xmlns:a16="http://schemas.microsoft.com/office/drawing/2014/main" id="{CED724CA-DE09-96BD-28EC-0C9387E832FA}"/>
+                <a16:creationId xmlns:a16="http://schemas.microsoft.com/office/drawing/2014/main" id="{F901B8BE-114A-C4FD-230D-181DBF20647B}"/>
               </a:ext>
             </a:extLst>
           </p:cNvPr>
@@ -8147,15 +8285,15 @@
         </p:blipFill>
         <p:spPr>
           <a:xfrm>
-            <a:off x="2477729" y="1656343"/>
-            <a:ext cx="7397401" cy="4933407"/>
+            <a:off x="4758813" y="1661712"/>
+            <a:ext cx="2509733" cy="4775465"/>
           </a:xfrm>
         </p:spPr>
       </p:pic>
     </p:spTree>
     <p:extLst>
       <p:ext uri="{BB962C8B-B14F-4D97-AF65-F5344CB8AC3E}">
-        <p14:creationId xmlns:p14="http://schemas.microsoft.com/office/powerpoint/2010/main" val="2384348206"/>
+        <p14:creationId xmlns:p14="http://schemas.microsoft.com/office/powerpoint/2010/main" val="2056019474"/>
       </p:ext>
     </p:extLst>
   </p:cSld>
@@ -8212,17 +8350,19 @@
       </p:sp>
       <p:pic>
         <p:nvPicPr>
-          <p:cNvPr id="7" name="Picture 6">
+          <p:cNvPr id="5" name="Content Placeholder 4">
             <a:extLst>
               <a:ext uri="{FF2B5EF4-FFF2-40B4-BE49-F238E27FC236}">
-                <a16:creationId xmlns:a16="http://schemas.microsoft.com/office/drawing/2014/main" id="{1319E53B-CFE0-04AC-4C94-0B4C1128E16D}"/>
+                <a16:creationId xmlns:a16="http://schemas.microsoft.com/office/drawing/2014/main" id="{CED724CA-DE09-96BD-28EC-0C9387E832FA}"/>
               </a:ext>
             </a:extLst>
           </p:cNvPr>
           <p:cNvPicPr>
-            <a:picLocks noChangeAspect="1"/>
+            <a:picLocks noGrp="1" noChangeAspect="1"/>
           </p:cNvPicPr>
-          <p:nvPr/>
+          <p:nvPr>
+            <p:ph idx="1"/>
+          </p:nvPr>
         </p:nvPicPr>
         <p:blipFill>
           <a:blip r:embed="rId3"/>
@@ -8232,18 +8372,15 @@
         </p:blipFill>
         <p:spPr>
           <a:xfrm>
-            <a:off x="1158744" y="2498812"/>
-            <a:ext cx="9161523" cy="3267506"/>
-          </a:xfrm>
-          <a:prstGeom prst="rect">
-            <a:avLst/>
-          </a:prstGeom>
+            <a:off x="2477729" y="1656343"/>
+            <a:ext cx="7397401" cy="4933407"/>
+          </a:xfrm>
         </p:spPr>
       </p:pic>
     </p:spTree>
     <p:extLst>
       <p:ext uri="{BB962C8B-B14F-4D97-AF65-F5344CB8AC3E}">
-        <p14:creationId xmlns:p14="http://schemas.microsoft.com/office/powerpoint/2010/main" val="3054974943"/>
+        <p14:creationId xmlns:p14="http://schemas.microsoft.com/office/powerpoint/2010/main" val="2384348206"/>
       </p:ext>
     </p:extLst>
   </p:cSld>
@@ -8303,7 +8440,7 @@
           <p:cNvPr id="7" name="Picture 6">
             <a:extLst>
               <a:ext uri="{FF2B5EF4-FFF2-40B4-BE49-F238E27FC236}">
-                <a16:creationId xmlns:a16="http://schemas.microsoft.com/office/drawing/2014/main" id="{F33247EF-9F08-955A-4D0C-432938FC3C4D}"/>
+                <a16:creationId xmlns:a16="http://schemas.microsoft.com/office/drawing/2014/main" id="{1319E53B-CFE0-04AC-4C94-0B4C1128E16D}"/>
               </a:ext>
             </a:extLst>
           </p:cNvPr>
@@ -8320,8 +8457,8 @@
         </p:blipFill>
         <p:spPr>
           <a:xfrm>
-            <a:off x="1182229" y="2057401"/>
-            <a:ext cx="10323971" cy="3786040"/>
+            <a:off x="1158744" y="2498812"/>
+            <a:ext cx="9161523" cy="3267506"/>
           </a:xfrm>
           <a:prstGeom prst="rect">
             <a:avLst/>
@@ -8331,7 +8468,7 @@
     </p:spTree>
     <p:extLst>
       <p:ext uri="{BB962C8B-B14F-4D97-AF65-F5344CB8AC3E}">
-        <p14:creationId xmlns:p14="http://schemas.microsoft.com/office/powerpoint/2010/main" val="387627017"/>
+        <p14:creationId xmlns:p14="http://schemas.microsoft.com/office/powerpoint/2010/main" val="3054974943"/>
       </p:ext>
     </p:extLst>
   </p:cSld>
@@ -8391,7 +8528,7 @@
           <p:cNvPr id="4" name="Picture 3">
             <a:extLst>
               <a:ext uri="{FF2B5EF4-FFF2-40B4-BE49-F238E27FC236}">
-                <a16:creationId xmlns:a16="http://schemas.microsoft.com/office/drawing/2014/main" id="{C36BBFE1-E1F5-5877-2A8A-0BF3D4BFC04F}"/>
+                <a16:creationId xmlns:a16="http://schemas.microsoft.com/office/drawing/2014/main" id="{6FB6757A-3B39-8566-8095-2F721E03BE02}"/>
               </a:ext>
             </a:extLst>
           </p:cNvPr>
@@ -8408,8 +8545,8 @@
         </p:blipFill>
         <p:spPr>
           <a:xfrm>
-            <a:off x="1449248" y="1687039"/>
-            <a:ext cx="9293503" cy="4871077"/>
+            <a:off x="1101061" y="2163096"/>
+            <a:ext cx="9989878" cy="3726993"/>
           </a:xfrm>
           <a:prstGeom prst="rect">
             <a:avLst/>
@@ -8419,7 +8556,7 @@
     </p:spTree>
     <p:extLst>
       <p:ext uri="{BB962C8B-B14F-4D97-AF65-F5344CB8AC3E}">
-        <p14:creationId xmlns:p14="http://schemas.microsoft.com/office/powerpoint/2010/main" val="2644271518"/>
+        <p14:creationId xmlns:p14="http://schemas.microsoft.com/office/powerpoint/2010/main" val="387627017"/>
       </p:ext>
     </p:extLst>
   </p:cSld>
@@ -8451,6 +8588,94 @@
           <p:cNvPr id="2" name="Title 1">
             <a:extLst>
               <a:ext uri="{FF2B5EF4-FFF2-40B4-BE49-F238E27FC236}">
+                <a16:creationId xmlns:a16="http://schemas.microsoft.com/office/drawing/2014/main" id="{A64B7789-F00A-8854-DE77-8682FC7123ED}"/>
+              </a:ext>
+            </a:extLst>
+          </p:cNvPr>
+          <p:cNvSpPr>
+            <a:spLocks noGrp="1"/>
+          </p:cNvSpPr>
+          <p:nvPr>
+            <p:ph type="title"/>
+          </p:nvPr>
+        </p:nvSpPr>
+        <p:spPr/>
+        <p:txBody>
+          <a:bodyPr/>
+          <a:lstStyle/>
+          <a:p>
+            <a:r>
+              <a:rPr lang="en-US" dirty="0"/>
+              <a:t>Analysis Results</a:t>
+            </a:r>
+          </a:p>
+        </p:txBody>
+      </p:sp>
+      <p:pic>
+        <p:nvPicPr>
+          <p:cNvPr id="4" name="Picture 3">
+            <a:extLst>
+              <a:ext uri="{FF2B5EF4-FFF2-40B4-BE49-F238E27FC236}">
+                <a16:creationId xmlns:a16="http://schemas.microsoft.com/office/drawing/2014/main" id="{C36BBFE1-E1F5-5877-2A8A-0BF3D4BFC04F}"/>
+              </a:ext>
+            </a:extLst>
+          </p:cNvPr>
+          <p:cNvPicPr>
+            <a:picLocks noChangeAspect="1"/>
+          </p:cNvPicPr>
+          <p:nvPr/>
+        </p:nvPicPr>
+        <p:blipFill>
+          <a:blip r:embed="rId3"/>
+          <a:stretch>
+            <a:fillRect/>
+          </a:stretch>
+        </p:blipFill>
+        <p:spPr>
+          <a:xfrm>
+            <a:off x="1449248" y="1687039"/>
+            <a:ext cx="9293503" cy="4871077"/>
+          </a:xfrm>
+          <a:prstGeom prst="rect">
+            <a:avLst/>
+          </a:prstGeom>
+        </p:spPr>
+      </p:pic>
+    </p:spTree>
+    <p:extLst>
+      <p:ext uri="{BB962C8B-B14F-4D97-AF65-F5344CB8AC3E}">
+        <p14:creationId xmlns:p14="http://schemas.microsoft.com/office/powerpoint/2010/main" val="2644271518"/>
+      </p:ext>
+    </p:extLst>
+  </p:cSld>
+  <p:clrMapOvr>
+    <a:masterClrMapping/>
+  </p:clrMapOvr>
+</p:sld>
+</file>
+
+<file path=ppt/slides/slide17.xml><?xml version="1.0" encoding="utf-8"?>
+<p:sld xmlns:a="http://schemas.openxmlformats.org/drawingml/2006/main" xmlns:r="http://schemas.openxmlformats.org/officeDocument/2006/relationships" xmlns:p="http://schemas.openxmlformats.org/presentationml/2006/main">
+  <p:cSld>
+    <p:spTree>
+      <p:nvGrpSpPr>
+        <p:cNvPr id="1" name=""/>
+        <p:cNvGrpSpPr/>
+        <p:nvPr/>
+      </p:nvGrpSpPr>
+      <p:grpSpPr>
+        <a:xfrm>
+          <a:off x="0" y="0"/>
+          <a:ext cx="0" cy="0"/>
+          <a:chOff x="0" y="0"/>
+          <a:chExt cx="0" cy="0"/>
+        </a:xfrm>
+      </p:grpSpPr>
+      <p:sp>
+        <p:nvSpPr>
+          <p:cNvPr id="2" name="Title 1">
+            <a:extLst>
+              <a:ext uri="{FF2B5EF4-FFF2-40B4-BE49-F238E27FC236}">
                 <a16:creationId xmlns:a16="http://schemas.microsoft.com/office/drawing/2014/main" id="{A5EDC07C-1319-2626-736D-3CDCBE1DEB44}"/>
               </a:ext>
             </a:extLst>
@@ -8589,7 +8814,7 @@
 </p:sld>
 </file>
 
-<file path=ppt/slides/slide17.xml><?xml version="1.0" encoding="utf-8"?>
+<file path=ppt/slides/slide18.xml><?xml version="1.0" encoding="utf-8"?>
 <p:sld xmlns:a="http://schemas.openxmlformats.org/drawingml/2006/main" xmlns:r="http://schemas.openxmlformats.org/officeDocument/2006/relationships" xmlns:p="http://schemas.openxmlformats.org/presentationml/2006/main">
   <p:cSld>
     <p:bg>
@@ -9623,7 +9848,7 @@
           <p:cNvPr id="2" name="Title 1">
             <a:extLst>
               <a:ext uri="{FF2B5EF4-FFF2-40B4-BE49-F238E27FC236}">
-                <a16:creationId xmlns:a16="http://schemas.microsoft.com/office/drawing/2014/main" id="{A5EDC07C-1319-2626-736D-3CDCBE1DEB44}"/>
+                <a16:creationId xmlns:a16="http://schemas.microsoft.com/office/drawing/2014/main" id="{A64B7789-F00A-8854-DE77-8682FC7123ED}"/>
               </a:ext>
             </a:extLst>
           </p:cNvPr>
@@ -9634,110 +9859,52 @@
             <p:ph type="title"/>
           </p:nvPr>
         </p:nvSpPr>
-        <p:spPr>
-          <a:xfrm>
-            <a:off x="1790700" y="663024"/>
-            <a:ext cx="8610600" cy="1293028"/>
-          </a:xfrm>
-        </p:spPr>
+        <p:spPr/>
         <p:txBody>
           <a:bodyPr/>
           <a:lstStyle/>
           <a:p>
             <a:r>
               <a:rPr lang="en-US" dirty="0"/>
-              <a:t>Important features</a:t>
-            </a:r>
-          </a:p>
-        </p:txBody>
-      </p:sp>
-      <p:sp>
-        <p:nvSpPr>
-          <p:cNvPr id="3" name="Content Placeholder 2">
+              <a:t>Analysis Results</a:t>
+            </a:r>
+          </a:p>
+        </p:txBody>
+      </p:sp>
+      <p:pic>
+        <p:nvPicPr>
+          <p:cNvPr id="4" name="Picture 3">
             <a:extLst>
               <a:ext uri="{FF2B5EF4-FFF2-40B4-BE49-F238E27FC236}">
-                <a16:creationId xmlns:a16="http://schemas.microsoft.com/office/drawing/2014/main" id="{6E11E465-3751-3846-8050-877AB57A0223}"/>
+                <a16:creationId xmlns:a16="http://schemas.microsoft.com/office/drawing/2014/main" id="{FB161E29-128F-DD57-BC16-02940D848390}"/>
               </a:ext>
             </a:extLst>
           </p:cNvPr>
-          <p:cNvSpPr>
-            <a:spLocks noGrp="1"/>
-          </p:cNvSpPr>
-          <p:nvPr>
-            <p:ph idx="1"/>
-          </p:nvPr>
-        </p:nvSpPr>
-        <p:spPr/>
-        <p:txBody>
-          <a:bodyPr/>
-          <a:lstStyle/>
-          <a:p>
-            <a:r>
-              <a:rPr lang="en-US" dirty="0"/>
-              <a:t>Bad Weather</a:t>
-            </a:r>
-          </a:p>
-          <a:p>
-            <a:r>
-              <a:rPr lang="en-US" dirty="0"/>
-              <a:t>Day</a:t>
-            </a:r>
-          </a:p>
-          <a:p>
-            <a:r>
-              <a:rPr lang="en-US" dirty="0"/>
-              <a:t>Carrier Issues</a:t>
-            </a:r>
-          </a:p>
-          <a:p>
-            <a:r>
-              <a:rPr lang="en-US" dirty="0"/>
-              <a:t>Destination Airport</a:t>
-            </a:r>
-          </a:p>
-          <a:p>
-            <a:r>
-              <a:rPr lang="en-US" dirty="0"/>
-              <a:t>Origin Airport</a:t>
-            </a:r>
-          </a:p>
-          <a:p>
-            <a:r>
-              <a:rPr lang="en-US" dirty="0"/>
-              <a:t>NAS</a:t>
-            </a:r>
-          </a:p>
-          <a:p>
-            <a:r>
-              <a:rPr lang="en-US" dirty="0"/>
-              <a:t>Month</a:t>
-            </a:r>
-          </a:p>
-          <a:p>
-            <a:r>
-              <a:rPr lang="en-US" dirty="0"/>
-              <a:t>Operating Airline</a:t>
-            </a:r>
-          </a:p>
-          <a:p>
-            <a:endParaRPr lang="en-US" dirty="0">
-              <a:solidFill>
-                <a:schemeClr val="tx1">
-                  <a:lumMod val="50000"/>
-                  <a:lumOff val="50000"/>
-                </a:schemeClr>
-              </a:solidFill>
-            </a:endParaRPr>
-          </a:p>
-          <a:p>
-            <a:endParaRPr lang="en-US" dirty="0"/>
-          </a:p>
-        </p:txBody>
-      </p:sp>
+          <p:cNvPicPr>
+            <a:picLocks noChangeAspect="1"/>
+          </p:cNvPicPr>
+          <p:nvPr/>
+        </p:nvPicPr>
+        <p:blipFill>
+          <a:blip r:embed="rId3"/>
+          <a:stretch>
+            <a:fillRect/>
+          </a:stretch>
+        </p:blipFill>
+        <p:spPr>
+          <a:xfrm>
+            <a:off x="3319019" y="1790558"/>
+            <a:ext cx="5553962" cy="4303069"/>
+          </a:xfrm>
+          <a:prstGeom prst="rect">
+            <a:avLst/>
+          </a:prstGeom>
+        </p:spPr>
+      </p:pic>
     </p:spTree>
     <p:extLst>
       <p:ext uri="{BB962C8B-B14F-4D97-AF65-F5344CB8AC3E}">
-        <p14:creationId xmlns:p14="http://schemas.microsoft.com/office/powerpoint/2010/main" val="2560029651"/>
+        <p14:creationId xmlns:p14="http://schemas.microsoft.com/office/powerpoint/2010/main" val="2047161550"/>
       </p:ext>
     </p:extLst>
   </p:cSld>
@@ -9769,7 +9936,7 @@
           <p:cNvPr id="2" name="Title 1">
             <a:extLst>
               <a:ext uri="{FF2B5EF4-FFF2-40B4-BE49-F238E27FC236}">
-                <a16:creationId xmlns:a16="http://schemas.microsoft.com/office/drawing/2014/main" id="{A64B7789-F00A-8854-DE77-8682FC7123ED}"/>
+                <a16:creationId xmlns:a16="http://schemas.microsoft.com/office/drawing/2014/main" id="{A5EDC07C-1319-2626-736D-3CDCBE1DEB44}"/>
               </a:ext>
             </a:extLst>
           </p:cNvPr>
@@ -9780,52 +9947,110 @@
             <p:ph type="title"/>
           </p:nvPr>
         </p:nvSpPr>
-        <p:spPr/>
+        <p:spPr>
+          <a:xfrm>
+            <a:off x="1790700" y="663024"/>
+            <a:ext cx="8610600" cy="1293028"/>
+          </a:xfrm>
+        </p:spPr>
         <p:txBody>
           <a:bodyPr/>
           <a:lstStyle/>
           <a:p>
             <a:r>
               <a:rPr lang="en-US" dirty="0"/>
-              <a:t>Analysis Results</a:t>
-            </a:r>
-          </a:p>
-        </p:txBody>
-      </p:sp>
-      <p:pic>
-        <p:nvPicPr>
-          <p:cNvPr id="5" name="Picture 4">
+              <a:t>Important features</a:t>
+            </a:r>
+          </a:p>
+        </p:txBody>
+      </p:sp>
+      <p:sp>
+        <p:nvSpPr>
+          <p:cNvPr id="3" name="Content Placeholder 2">
             <a:extLst>
               <a:ext uri="{FF2B5EF4-FFF2-40B4-BE49-F238E27FC236}">
-                <a16:creationId xmlns:a16="http://schemas.microsoft.com/office/drawing/2014/main" id="{E9623529-17B3-85BF-6852-44A2A8734474}"/>
+                <a16:creationId xmlns:a16="http://schemas.microsoft.com/office/drawing/2014/main" id="{6E11E465-3751-3846-8050-877AB57A0223}"/>
               </a:ext>
             </a:extLst>
           </p:cNvPr>
-          <p:cNvPicPr>
-            <a:picLocks noChangeAspect="1"/>
-          </p:cNvPicPr>
-          <p:nvPr/>
-        </p:nvPicPr>
-        <p:blipFill>
-          <a:blip r:embed="rId3"/>
-          <a:stretch>
-            <a:fillRect/>
-          </a:stretch>
-        </p:blipFill>
-        <p:spPr>
-          <a:xfrm>
-            <a:off x="3056632" y="1828793"/>
-            <a:ext cx="6239768" cy="4755657"/>
-          </a:xfrm>
-          <a:prstGeom prst="rect">
-            <a:avLst/>
-          </a:prstGeom>
-        </p:spPr>
-      </p:pic>
+          <p:cNvSpPr>
+            <a:spLocks noGrp="1"/>
+          </p:cNvSpPr>
+          <p:nvPr>
+            <p:ph idx="1"/>
+          </p:nvPr>
+        </p:nvSpPr>
+        <p:spPr/>
+        <p:txBody>
+          <a:bodyPr/>
+          <a:lstStyle/>
+          <a:p>
+            <a:r>
+              <a:rPr lang="en-US" dirty="0"/>
+              <a:t>Bad Weather</a:t>
+            </a:r>
+          </a:p>
+          <a:p>
+            <a:r>
+              <a:rPr lang="en-US" dirty="0"/>
+              <a:t>Day</a:t>
+            </a:r>
+          </a:p>
+          <a:p>
+            <a:r>
+              <a:rPr lang="en-US" dirty="0"/>
+              <a:t>Carrier Issues</a:t>
+            </a:r>
+          </a:p>
+          <a:p>
+            <a:r>
+              <a:rPr lang="en-US" dirty="0"/>
+              <a:t>Destination Airport</a:t>
+            </a:r>
+          </a:p>
+          <a:p>
+            <a:r>
+              <a:rPr lang="en-US" dirty="0"/>
+              <a:t>Origin Airport</a:t>
+            </a:r>
+          </a:p>
+          <a:p>
+            <a:r>
+              <a:rPr lang="en-US" dirty="0"/>
+              <a:t>NAS</a:t>
+            </a:r>
+          </a:p>
+          <a:p>
+            <a:r>
+              <a:rPr lang="en-US" dirty="0"/>
+              <a:t>Month</a:t>
+            </a:r>
+          </a:p>
+          <a:p>
+            <a:r>
+              <a:rPr lang="en-US" dirty="0"/>
+              <a:t>Operating Airline</a:t>
+            </a:r>
+          </a:p>
+          <a:p>
+            <a:endParaRPr lang="en-US" dirty="0">
+              <a:solidFill>
+                <a:schemeClr val="tx1">
+                  <a:lumMod val="50000"/>
+                  <a:lumOff val="50000"/>
+                </a:schemeClr>
+              </a:solidFill>
+            </a:endParaRPr>
+          </a:p>
+          <a:p>
+            <a:endParaRPr lang="en-US" dirty="0"/>
+          </a:p>
+        </p:txBody>
+      </p:sp>
     </p:spTree>
     <p:extLst>
       <p:ext uri="{BB962C8B-B14F-4D97-AF65-F5344CB8AC3E}">
-        <p14:creationId xmlns:p14="http://schemas.microsoft.com/office/powerpoint/2010/main" val="2047161550"/>
+        <p14:creationId xmlns:p14="http://schemas.microsoft.com/office/powerpoint/2010/main" val="2560029651"/>
       </p:ext>
     </p:extLst>
   </p:cSld>
@@ -9882,19 +10107,17 @@
       </p:sp>
       <p:pic>
         <p:nvPicPr>
-          <p:cNvPr id="5" name="Content Placeholder 4">
+          <p:cNvPr id="5" name="Picture 4">
             <a:extLst>
               <a:ext uri="{FF2B5EF4-FFF2-40B4-BE49-F238E27FC236}">
-                <a16:creationId xmlns:a16="http://schemas.microsoft.com/office/drawing/2014/main" id="{25BCED06-BF7E-7D98-F29D-4097F6CC9D68}"/>
+                <a16:creationId xmlns:a16="http://schemas.microsoft.com/office/drawing/2014/main" id="{E9623529-17B3-85BF-6852-44A2A8734474}"/>
               </a:ext>
             </a:extLst>
           </p:cNvPr>
           <p:cNvPicPr>
-            <a:picLocks noGrp="1" noChangeAspect="1"/>
+            <a:picLocks noChangeAspect="1"/>
           </p:cNvPicPr>
-          <p:nvPr>
-            <p:ph idx="1"/>
-          </p:nvPr>
+          <p:nvPr/>
         </p:nvPicPr>
         <p:blipFill>
           <a:blip r:embed="rId3"/>
@@ -9904,15 +10127,18 @@
         </p:blipFill>
         <p:spPr>
           <a:xfrm>
-            <a:off x="3077497" y="1781928"/>
-            <a:ext cx="6218903" cy="4728511"/>
-          </a:xfrm>
+            <a:off x="3056632" y="1828793"/>
+            <a:ext cx="6239768" cy="4755657"/>
+          </a:xfrm>
+          <a:prstGeom prst="rect">
+            <a:avLst/>
+          </a:prstGeom>
         </p:spPr>
       </p:pic>
     </p:spTree>
     <p:extLst>
       <p:ext uri="{BB962C8B-B14F-4D97-AF65-F5344CB8AC3E}">
-        <p14:creationId xmlns:p14="http://schemas.microsoft.com/office/powerpoint/2010/main" val="3857231400"/>
+        <p14:creationId xmlns:p14="http://schemas.microsoft.com/office/powerpoint/2010/main" val="1066050828"/>
       </p:ext>
     </p:extLst>
   </p:cSld>
@@ -9972,7 +10198,7 @@
           <p:cNvPr id="5" name="Content Placeholder 4">
             <a:extLst>
               <a:ext uri="{FF2B5EF4-FFF2-40B4-BE49-F238E27FC236}">
-                <a16:creationId xmlns:a16="http://schemas.microsoft.com/office/drawing/2014/main" id="{39226FFA-734B-B79B-88AE-D5CE15179EE6}"/>
+                <a16:creationId xmlns:a16="http://schemas.microsoft.com/office/drawing/2014/main" id="{25BCED06-BF7E-7D98-F29D-4097F6CC9D68}"/>
               </a:ext>
             </a:extLst>
           </p:cNvPr>
@@ -9991,15 +10217,15 @@
         </p:blipFill>
         <p:spPr>
           <a:xfrm>
-            <a:off x="2248830" y="2193925"/>
-            <a:ext cx="7694340" cy="4024313"/>
+            <a:off x="3077497" y="1781928"/>
+            <a:ext cx="6218903" cy="4728511"/>
           </a:xfrm>
         </p:spPr>
       </p:pic>
     </p:spTree>
     <p:extLst>
       <p:ext uri="{BB962C8B-B14F-4D97-AF65-F5344CB8AC3E}">
-        <p14:creationId xmlns:p14="http://schemas.microsoft.com/office/powerpoint/2010/main" val="2685633500"/>
+        <p14:creationId xmlns:p14="http://schemas.microsoft.com/office/powerpoint/2010/main" val="3857231400"/>
       </p:ext>
     </p:extLst>
   </p:cSld>
